--- a/jarden_center/main_code/single-multiple-source/baseon_setCover/鲍志强.pptx
+++ b/jarden_center/main_code/single-multiple-source/baseon_setCover/鲍志强.pptx
@@ -27,8 +27,8 @@
     <p:sldId id="392" r:id="rId17"/>
     <p:sldId id="273" r:id="rId18"/>
     <p:sldId id="334" r:id="rId19"/>
-    <p:sldId id="332" r:id="rId20"/>
-    <p:sldId id="331" r:id="rId21"/>
+    <p:sldId id="331" r:id="rId20"/>
+    <p:sldId id="414" r:id="rId21"/>
     <p:sldId id="377" r:id="rId22"/>
     <p:sldId id="378" r:id="rId23"/>
     <p:sldId id="278" r:id="rId24"/>
@@ -1551,6 +1551,9 @@
         <p:txBody>
           <a:bodyPr/>
           <a:lstStyle/>
+          <a:p>
+            <a:endParaRPr lang="zh-CN" altLang="en-US"/>
+          </a:p>
           <a:p>
             <a:endParaRPr lang="zh-CN" altLang="en-US"/>
           </a:p>
@@ -6605,13 +6608,7 @@
               <a:rPr lang="zh-CN" altLang="en-US">
                 <a:sym typeface="+mn-ea"/>
               </a:rPr>
-              <a:t>对这些</a:t>
-            </a:r>
-            <a:r>
-              <a:rPr lang="zh-CN" altLang="en-US">
-                <a:sym typeface="+mn-ea"/>
-              </a:rPr>
-              <a:t>传播子图分区</a:t>
+              <a:t>对整个网络进行传播社区分区</a:t>
             </a:r>
             <a:endParaRPr lang="zh-CN" altLang="en-US">
               <a:sym typeface="+mn-ea"/>
@@ -6628,7 +6625,13 @@
               <a:rPr lang="zh-CN" altLang="en-US">
                 <a:sym typeface="+mn-ea"/>
               </a:rPr>
-              <a:t>对每一个传播子图，进行单、多源定位（分治法</a:t>
+              <a:t>对每一个传播社区</a:t>
+            </a:r>
+            <a:r>
+              <a:rPr lang="zh-CN" altLang="en-US">
+                <a:sym typeface="+mn-ea"/>
+              </a:rPr>
+              <a:t>，进行单、多源定位（分治法</a:t>
             </a:r>
             <a:r>
               <a:rPr lang="zh-CN" altLang="en-US">
@@ -6664,6 +6667,189 @@
           </a:prstGeom>
         </p:spPr>
       </p:pic>
+      <p:sp>
+        <p:nvSpPr>
+          <p:cNvPr id="4" name="椭圆 3"/>
+          <p:cNvSpPr/>
+          <p:nvPr/>
+        </p:nvSpPr>
+        <p:spPr>
+          <a:xfrm>
+            <a:off x="3517900" y="1411605"/>
+            <a:ext cx="2938145" cy="2118360"/>
+          </a:xfrm>
+          <a:prstGeom prst="ellipse">
+            <a:avLst/>
+          </a:prstGeom>
+          <a:solidFill>
+            <a:schemeClr val="accent3">
+              <a:lumMod val="60000"/>
+              <a:lumOff val="40000"/>
+              <a:alpha val="23000"/>
+            </a:schemeClr>
+          </a:solidFill>
+        </p:spPr>
+        <p:style>
+          <a:lnRef idx="2">
+            <a:schemeClr val="dk1"/>
+          </a:lnRef>
+          <a:fillRef idx="1">
+            <a:schemeClr val="lt1"/>
+          </a:fillRef>
+          <a:effectRef idx="0">
+            <a:schemeClr val="dk1"/>
+          </a:effectRef>
+          <a:fontRef idx="minor">
+            <a:schemeClr val="dk1"/>
+          </a:fontRef>
+        </p:style>
+        <p:txBody>
+          <a:bodyPr rtlCol="0" anchor="ctr"/>
+          <a:p>
+            <a:pPr algn="ctr"/>
+            <a:endParaRPr lang="zh-CN" altLang="en-US"/>
+          </a:p>
+        </p:txBody>
+      </p:sp>
+      <p:sp>
+        <p:nvSpPr>
+          <p:cNvPr id="5" name="椭圆 4"/>
+          <p:cNvSpPr/>
+          <p:nvPr/>
+        </p:nvSpPr>
+        <p:spPr>
+          <a:xfrm>
+            <a:off x="722630" y="1675130"/>
+            <a:ext cx="1704975" cy="1591310"/>
+          </a:xfrm>
+          <a:prstGeom prst="ellipse">
+            <a:avLst/>
+          </a:prstGeom>
+          <a:solidFill>
+            <a:schemeClr val="accent3">
+              <a:lumMod val="60000"/>
+              <a:lumOff val="40000"/>
+              <a:alpha val="23000"/>
+            </a:schemeClr>
+          </a:solidFill>
+        </p:spPr>
+        <p:style>
+          <a:lnRef idx="2">
+            <a:schemeClr val="dk1"/>
+          </a:lnRef>
+          <a:fillRef idx="1">
+            <a:schemeClr val="lt1"/>
+          </a:fillRef>
+          <a:effectRef idx="0">
+            <a:schemeClr val="dk1"/>
+          </a:effectRef>
+          <a:fontRef idx="minor">
+            <a:schemeClr val="dk1"/>
+          </a:fontRef>
+        </p:style>
+        <p:txBody>
+          <a:bodyPr rtlCol="0" anchor="ctr"/>
+          <a:p>
+            <a:pPr algn="ctr"/>
+            <a:endParaRPr lang="zh-CN" altLang="en-US"/>
+          </a:p>
+        </p:txBody>
+      </p:sp>
+      <p:sp>
+        <p:nvSpPr>
+          <p:cNvPr id="6" name="文本框 5"/>
+          <p:cNvSpPr txBox="1"/>
+          <p:nvPr/>
+        </p:nvSpPr>
+        <p:spPr>
+          <a:xfrm>
+            <a:off x="401320" y="3968115"/>
+            <a:ext cx="7020560" cy="645160"/>
+          </a:xfrm>
+          <a:prstGeom prst="rect">
+            <a:avLst/>
+          </a:prstGeom>
+          <a:noFill/>
+        </p:spPr>
+        <p:txBody>
+          <a:bodyPr wrap="square" rtlCol="0">
+            <a:spAutoFit/>
+          </a:bodyPr>
+          <a:p>
+            <a:r>
+              <a:rPr lang="zh-CN" altLang="en-US"/>
+              <a:t>问题定义：我们不知道源点个数，可能有单或者多个源传播。多源传播区域可能重合。需要识别这些源点位置</a:t>
+            </a:r>
+            <a:endParaRPr lang="zh-CN" altLang="en-US"/>
+          </a:p>
+        </p:txBody>
+      </p:sp>
+      <p:sp>
+        <p:nvSpPr>
+          <p:cNvPr id="9" name="文本框 8"/>
+          <p:cNvSpPr txBox="1"/>
+          <p:nvPr/>
+        </p:nvSpPr>
+        <p:spPr>
+          <a:xfrm>
+            <a:off x="888365" y="1200785"/>
+            <a:ext cx="1631315" cy="368300"/>
+          </a:xfrm>
+          <a:prstGeom prst="rect">
+            <a:avLst/>
+          </a:prstGeom>
+          <a:noFill/>
+        </p:spPr>
+        <p:txBody>
+          <a:bodyPr wrap="square" rtlCol="0">
+            <a:spAutoFit/>
+          </a:bodyPr>
+          <a:p>
+            <a:r>
+              <a:rPr lang="zh-CN" altLang="en-US"/>
+              <a:t>社区</a:t>
+            </a:r>
+            <a:r>
+              <a:rPr lang="en-US" altLang="zh-CN"/>
+              <a:t>1</a:t>
+            </a:r>
+            <a:endParaRPr lang="en-US" altLang="zh-CN"/>
+          </a:p>
+        </p:txBody>
+      </p:sp>
+      <p:sp>
+        <p:nvSpPr>
+          <p:cNvPr id="10" name="文本框 9"/>
+          <p:cNvSpPr txBox="1"/>
+          <p:nvPr/>
+        </p:nvSpPr>
+        <p:spPr>
+          <a:xfrm>
+            <a:off x="3961130" y="1043305"/>
+            <a:ext cx="1631315" cy="368300"/>
+          </a:xfrm>
+          <a:prstGeom prst="rect">
+            <a:avLst/>
+          </a:prstGeom>
+          <a:noFill/>
+        </p:spPr>
+        <p:txBody>
+          <a:bodyPr wrap="square" rtlCol="0">
+            <a:spAutoFit/>
+          </a:bodyPr>
+          <a:p>
+            <a:r>
+              <a:rPr lang="zh-CN" altLang="en-US"/>
+              <a:t>社区</a:t>
+            </a:r>
+            <a:r>
+              <a:rPr lang="en-US" altLang="zh-CN"/>
+              <a:t>2</a:t>
+            </a:r>
+            <a:endParaRPr lang="en-US" altLang="zh-CN"/>
+          </a:p>
+        </p:txBody>
+      </p:sp>
     </p:spTree>
   </p:cSld>
   <p:clrMapOvr>
@@ -6672,9 +6858,310 @@
   <p:timing>
     <p:tnLst>
       <p:par>
-        <p:cTn id="1" dur="indefinite" restart="never" nodeType="tmRoot"/>
+        <p:cTn id="1" dur="indefinite" restart="never" nodeType="tmRoot">
+          <p:childTnLst>
+            <p:seq concurrent="1" nextAc="seek">
+              <p:cTn id="2" dur="indefinite" nodeType="mainSeq">
+                <p:childTnLst>
+                  <p:par>
+                    <p:cTn id="3" fill="hold">
+                      <p:stCondLst>
+                        <p:cond delay="indefinite"/>
+                      </p:stCondLst>
+                      <p:childTnLst>
+                        <p:par>
+                          <p:cTn id="4" fill="hold">
+                            <p:stCondLst>
+                              <p:cond delay="0"/>
+                            </p:stCondLst>
+                            <p:childTnLst>
+                              <p:par>
+                                <p:cTn id="5" presetID="3" presetClass="exit" presetSubtype="10" fill="hold" grpId="2" nodeType="clickEffect">
+                                  <p:stCondLst>
+                                    <p:cond delay="0"/>
+                                  </p:stCondLst>
+                                  <p:childTnLst>
+                                    <p:animEffect transition="out" filter="blinds(horizontal)">
+                                      <p:cBhvr>
+                                        <p:cTn id="6" dur="500"/>
+                                        <p:tgtEl>
+                                          <p:spTgt spid="6"/>
+                                        </p:tgtEl>
+                                      </p:cBhvr>
+                                    </p:animEffect>
+                                    <p:set>
+                                      <p:cBhvr>
+                                        <p:cTn id="7" dur="1" fill="hold">
+                                          <p:stCondLst>
+                                            <p:cond delay="499"/>
+                                          </p:stCondLst>
+                                        </p:cTn>
+                                        <p:tgtEl>
+                                          <p:spTgt spid="6"/>
+                                        </p:tgtEl>
+                                        <p:attrNameLst>
+                                          <p:attrName>style.visibility</p:attrName>
+                                        </p:attrNameLst>
+                                      </p:cBhvr>
+                                      <p:to>
+                                        <p:strVal val="hidden"/>
+                                      </p:to>
+                                    </p:set>
+                                  </p:childTnLst>
+                                </p:cTn>
+                              </p:par>
+                            </p:childTnLst>
+                          </p:cTn>
+                        </p:par>
+                      </p:childTnLst>
+                    </p:cTn>
+                  </p:par>
+                  <p:par>
+                    <p:cTn id="8" fill="hold">
+                      <p:stCondLst>
+                        <p:cond delay="indefinite"/>
+                      </p:stCondLst>
+                      <p:childTnLst>
+                        <p:par>
+                          <p:cTn id="9" fill="hold">
+                            <p:stCondLst>
+                              <p:cond delay="0"/>
+                            </p:stCondLst>
+                            <p:childTnLst>
+                              <p:par>
+                                <p:cTn id="10" presetID="3" presetClass="entr" presetSubtype="10" fill="hold" grpId="0" nodeType="clickEffect">
+                                  <p:stCondLst>
+                                    <p:cond delay="0"/>
+                                  </p:stCondLst>
+                                  <p:childTnLst>
+                                    <p:set>
+                                      <p:cBhvr>
+                                        <p:cTn id="11" dur="1" fill="hold">
+                                          <p:stCondLst>
+                                            <p:cond delay="0"/>
+                                          </p:stCondLst>
+                                        </p:cTn>
+                                        <p:tgtEl>
+                                          <p:spTgt spid="5"/>
+                                        </p:tgtEl>
+                                        <p:attrNameLst>
+                                          <p:attrName>style.visibility</p:attrName>
+                                        </p:attrNameLst>
+                                      </p:cBhvr>
+                                      <p:to>
+                                        <p:strVal val="visible"/>
+                                      </p:to>
+                                    </p:set>
+                                    <p:animEffect transition="in" filter="blinds(horizontal)">
+                                      <p:cBhvr>
+                                        <p:cTn id="12" dur="500"/>
+                                        <p:tgtEl>
+                                          <p:spTgt spid="5"/>
+                                        </p:tgtEl>
+                                      </p:cBhvr>
+                                    </p:animEffect>
+                                  </p:childTnLst>
+                                </p:cTn>
+                              </p:par>
+                              <p:par>
+                                <p:cTn id="13" presetID="3" presetClass="entr" presetSubtype="10" fill="hold" grpId="0" nodeType="withEffect">
+                                  <p:stCondLst>
+                                    <p:cond delay="0"/>
+                                  </p:stCondLst>
+                                  <p:childTnLst>
+                                    <p:set>
+                                      <p:cBhvr>
+                                        <p:cTn id="14" dur="1" fill="hold">
+                                          <p:stCondLst>
+                                            <p:cond delay="0"/>
+                                          </p:stCondLst>
+                                        </p:cTn>
+                                        <p:tgtEl>
+                                          <p:spTgt spid="4"/>
+                                        </p:tgtEl>
+                                        <p:attrNameLst>
+                                          <p:attrName>style.visibility</p:attrName>
+                                        </p:attrNameLst>
+                                      </p:cBhvr>
+                                      <p:to>
+                                        <p:strVal val="visible"/>
+                                      </p:to>
+                                    </p:set>
+                                    <p:animEffect transition="in" filter="blinds(horizontal)">
+                                      <p:cBhvr>
+                                        <p:cTn id="15" dur="500"/>
+                                        <p:tgtEl>
+                                          <p:spTgt spid="4"/>
+                                        </p:tgtEl>
+                                      </p:cBhvr>
+                                    </p:animEffect>
+                                  </p:childTnLst>
+                                </p:cTn>
+                              </p:par>
+                              <p:par>
+                                <p:cTn id="16" presetID="3" presetClass="entr" presetSubtype="10" fill="hold" grpId="0" nodeType="withEffect">
+                                  <p:stCondLst>
+                                    <p:cond delay="0"/>
+                                  </p:stCondLst>
+                                  <p:childTnLst>
+                                    <p:set>
+                                      <p:cBhvr>
+                                        <p:cTn id="17" dur="1" fill="hold">
+                                          <p:stCondLst>
+                                            <p:cond delay="0"/>
+                                          </p:stCondLst>
+                                        </p:cTn>
+                                        <p:tgtEl>
+                                          <p:spTgt spid="7"/>
+                                        </p:tgtEl>
+                                        <p:attrNameLst>
+                                          <p:attrName>style.visibility</p:attrName>
+                                        </p:attrNameLst>
+                                      </p:cBhvr>
+                                      <p:to>
+                                        <p:strVal val="visible"/>
+                                      </p:to>
+                                    </p:set>
+                                    <p:animEffect transition="in" filter="blinds(horizontal)">
+                                      <p:cBhvr>
+                                        <p:cTn id="18" dur="500"/>
+                                        <p:tgtEl>
+                                          <p:spTgt spid="7"/>
+                                        </p:tgtEl>
+                                      </p:cBhvr>
+                                    </p:animEffect>
+                                  </p:childTnLst>
+                                </p:cTn>
+                              </p:par>
+                            </p:childTnLst>
+                          </p:cTn>
+                        </p:par>
+                      </p:childTnLst>
+                    </p:cTn>
+                  </p:par>
+                  <p:par>
+                    <p:cTn id="19" fill="hold">
+                      <p:stCondLst>
+                        <p:cond delay="indefinite"/>
+                      </p:stCondLst>
+                      <p:childTnLst>
+                        <p:par>
+                          <p:cTn id="20" fill="hold">
+                            <p:stCondLst>
+                              <p:cond delay="0"/>
+                            </p:stCondLst>
+                            <p:childTnLst>
+                              <p:par>
+                                <p:cTn id="21" presetID="3" presetClass="entr" presetSubtype="10" fill="hold" grpId="0" nodeType="clickEffect">
+                                  <p:stCondLst>
+                                    <p:cond delay="0"/>
+                                  </p:stCondLst>
+                                  <p:childTnLst>
+                                    <p:set>
+                                      <p:cBhvr>
+                                        <p:cTn id="22" dur="1" fill="hold">
+                                          <p:stCondLst>
+                                            <p:cond delay="0"/>
+                                          </p:stCondLst>
+                                        </p:cTn>
+                                        <p:tgtEl>
+                                          <p:spTgt spid="9"/>
+                                        </p:tgtEl>
+                                        <p:attrNameLst>
+                                          <p:attrName>style.visibility</p:attrName>
+                                        </p:attrNameLst>
+                                      </p:cBhvr>
+                                      <p:to>
+                                        <p:strVal val="visible"/>
+                                      </p:to>
+                                    </p:set>
+                                    <p:animEffect transition="in" filter="blinds(horizontal)">
+                                      <p:cBhvr>
+                                        <p:cTn id="23" dur="500"/>
+                                        <p:tgtEl>
+                                          <p:spTgt spid="9"/>
+                                        </p:tgtEl>
+                                      </p:cBhvr>
+                                    </p:animEffect>
+                                  </p:childTnLst>
+                                </p:cTn>
+                              </p:par>
+                              <p:par>
+                                <p:cTn id="24" presetID="3" presetClass="entr" presetSubtype="10" fill="hold" grpId="0" nodeType="withEffect">
+                                  <p:stCondLst>
+                                    <p:cond delay="0"/>
+                                  </p:stCondLst>
+                                  <p:childTnLst>
+                                    <p:set>
+                                      <p:cBhvr>
+                                        <p:cTn id="25" dur="1" fill="hold">
+                                          <p:stCondLst>
+                                            <p:cond delay="0"/>
+                                          </p:stCondLst>
+                                        </p:cTn>
+                                        <p:tgtEl>
+                                          <p:spTgt spid="10"/>
+                                        </p:tgtEl>
+                                        <p:attrNameLst>
+                                          <p:attrName>style.visibility</p:attrName>
+                                        </p:attrNameLst>
+                                      </p:cBhvr>
+                                      <p:to>
+                                        <p:strVal val="visible"/>
+                                      </p:to>
+                                    </p:set>
+                                    <p:animEffect transition="in" filter="blinds(horizontal)">
+                                      <p:cBhvr>
+                                        <p:cTn id="26" dur="500"/>
+                                        <p:tgtEl>
+                                          <p:spTgt spid="10"/>
+                                        </p:tgtEl>
+                                      </p:cBhvr>
+                                    </p:animEffect>
+                                  </p:childTnLst>
+                                </p:cTn>
+                              </p:par>
+                            </p:childTnLst>
+                          </p:cTn>
+                        </p:par>
+                      </p:childTnLst>
+                    </p:cTn>
+                  </p:par>
+                </p:childTnLst>
+              </p:cTn>
+              <p:prevCondLst>
+                <p:cond evt="onPrev" delay="0">
+                  <p:tgtEl>
+                    <p:sldTgt/>
+                  </p:tgtEl>
+                </p:cond>
+              </p:prevCondLst>
+              <p:nextCondLst>
+                <p:cond evt="onNext" delay="0">
+                  <p:tgtEl>
+                    <p:sldTgt/>
+                  </p:tgtEl>
+                </p:cond>
+              </p:nextCondLst>
+            </p:seq>
+          </p:childTnLst>
+        </p:cTn>
       </p:par>
     </p:tnLst>
+    <p:bldLst>
+      <p:bldP spid="5" grpId="0" animBg="1"/>
+      <p:bldP spid="4" grpId="0" animBg="1"/>
+      <p:bldP spid="7" grpId="0"/>
+      <p:bldP spid="5" grpId="1" animBg="1"/>
+      <p:bldP spid="4" grpId="1" animBg="1"/>
+      <p:bldP spid="7" grpId="1"/>
+      <p:bldP spid="6" grpId="1"/>
+      <p:bldP spid="6" grpId="2"/>
+      <p:bldP spid="9" grpId="0"/>
+      <p:bldP spid="10" grpId="0"/>
+      <p:bldP spid="9" grpId="1"/>
+      <p:bldP spid="10" grpId="1"/>
+    </p:bldLst>
   </p:timing>
 </p:sld>
 </file>
@@ -7588,8 +8075,8 @@
         </p:nvSpPr>
         <p:spPr>
           <a:xfrm>
-            <a:off x="639445" y="3620135"/>
-            <a:ext cx="7838440" cy="1076325"/>
+            <a:off x="440690" y="5381625"/>
+            <a:ext cx="7838440" cy="398780"/>
           </a:xfrm>
           <a:prstGeom prst="rect">
             <a:avLst/>
@@ -7603,56 +8090,6 @@
           <a:p>
             <a:r>
               <a:rPr lang="en-US" altLang="zh-CN" sz="2000"/>
-              <a:t>1 </a:t>
-            </a:r>
-            <a:r>
-              <a:rPr lang="zh-CN" altLang="en-US" sz="2000"/>
-              <a:t>使用</a:t>
-            </a:r>
-            <a:r>
-              <a:rPr lang="en-US" altLang="zh-CN" sz="2000"/>
-              <a:t>(u,h)</a:t>
-            </a:r>
-            <a:r>
-              <a:rPr lang="zh-CN" altLang="en-US" sz="2000"/>
-              <a:t>构成的</a:t>
-            </a:r>
-            <a:r>
-              <a:rPr lang="en-US" altLang="zh-CN" sz="2000"/>
-              <a:t>BFS</a:t>
-            </a:r>
-            <a:r>
-              <a:rPr lang="zh-CN" altLang="en-US" sz="2000"/>
-              <a:t>树结构</a:t>
-            </a:r>
-            <a:r>
-              <a:rPr lang="en-US" altLang="zh-CN" sz="2000"/>
-              <a:t>(</a:t>
-            </a:r>
-            <a:r>
-              <a:rPr lang="zh-CN" altLang="en-US" sz="2000"/>
-              <a:t>一或者多个）去覆盖每个传播子图</a:t>
-            </a:r>
-            <a:endParaRPr lang="zh-CN" altLang="en-US" sz="2400"/>
-          </a:p>
-          <a:p>
-            <a:r>
-              <a:rPr lang="en-US" altLang="zh-CN" sz="2400"/>
-              <a:t>2 </a:t>
-            </a:r>
-            <a:r>
-              <a:rPr lang="zh-CN" altLang="en-US" sz="2000"/>
-              <a:t>计算误差率</a:t>
-            </a:r>
-            <a:r>
-              <a:rPr lang="zh-CN" altLang="en-US" sz="2000"/>
-              <a:t>为</a:t>
-            </a:r>
-            <a:endParaRPr lang="zh-CN" altLang="en-US" sz="2000"/>
-          </a:p>
-          <a:p>
-            <a:r>
-              <a:rPr lang="en-US" altLang="zh-CN" sz="2000"/>
               <a:t>3  </a:t>
             </a:r>
             <a:r>
@@ -7693,7 +8130,7 @@
       </p:sp>
       <p:pic>
         <p:nvPicPr>
-          <p:cNvPr id="2" name="图片 1" descr="多源覆盖"/>
+          <p:cNvPr id="4" name="图片 3"/>
           <p:cNvPicPr>
             <a:picLocks noChangeAspect="1"/>
           </p:cNvPicPr>
@@ -7707,8 +8144,8 @@
         </p:blipFill>
         <p:spPr>
           <a:xfrm>
-            <a:off x="289560" y="274320"/>
-            <a:ext cx="7324725" cy="3589020"/>
+            <a:off x="3001645" y="4739640"/>
+            <a:ext cx="1475740" cy="554355"/>
           </a:xfrm>
           <a:prstGeom prst="rect">
             <a:avLst/>
@@ -7717,14 +8154,14 @@
       </p:pic>
       <p:sp>
         <p:nvSpPr>
-          <p:cNvPr id="5" name="文本框 4"/>
+          <p:cNvPr id="8" name="文本框 7"/>
           <p:cNvSpPr txBox="1"/>
           <p:nvPr/>
         </p:nvSpPr>
         <p:spPr>
           <a:xfrm>
-            <a:off x="6676390" y="1746250"/>
-            <a:ext cx="2035810" cy="645160"/>
+            <a:off x="3302000" y="3244850"/>
+            <a:ext cx="2540000" cy="368300"/>
           </a:xfrm>
           <a:prstGeom prst="rect">
             <a:avLst/>
@@ -7732,41 +8169,42 @@
           <a:noFill/>
         </p:spPr>
         <p:txBody>
-          <a:bodyPr wrap="square" rtlCol="0">
+          <a:bodyPr wrap="square" rtlCol="0" anchor="t">
             <a:spAutoFit/>
           </a:bodyPr>
           <a:p>
             <a:r>
-              <a:rPr lang="en-US" altLang="zh-CN"/>
-              <a:t>tip</a:t>
-            </a:r>
-            <a:r>
               <a:rPr lang="zh-CN" altLang="en-US"/>
-              <a:t>：</a:t>
-            </a:r>
-            <a:r>
-              <a:rPr lang="en-US" altLang="zh-CN"/>
-              <a:t>BFS</a:t>
-            </a:r>
+              <a:t> </a:t>
+            </a:r>
+            <a:endParaRPr lang="zh-CN" altLang="en-US"/>
+          </a:p>
+        </p:txBody>
+      </p:sp>
+      <p:sp>
+        <p:nvSpPr>
+          <p:cNvPr id="9" name="文本框 8"/>
+          <p:cNvSpPr txBox="1"/>
+          <p:nvPr/>
+        </p:nvSpPr>
+        <p:spPr>
+          <a:xfrm>
+            <a:off x="3302000" y="1475105"/>
+            <a:ext cx="4016375" cy="368300"/>
+          </a:xfrm>
+          <a:prstGeom prst="rect">
+            <a:avLst/>
+          </a:prstGeom>
+          <a:noFill/>
+        </p:spPr>
+        <p:txBody>
+          <a:bodyPr wrap="square" rtlCol="0" anchor="t">
+            <a:spAutoFit/>
+          </a:bodyPr>
+          <a:p>
             <a:r>
               <a:rPr lang="zh-CN" altLang="en-US"/>
-              <a:t>树由</a:t>
-            </a:r>
-            <a:r>
-              <a:rPr lang="en-US" altLang="zh-CN"/>
-              <a:t>u</a:t>
-            </a:r>
-            <a:r>
-              <a:rPr lang="zh-CN" altLang="en-US"/>
-              <a:t>中心点及</a:t>
-            </a:r>
-            <a:r>
-              <a:rPr lang="en-US" altLang="zh-CN"/>
-              <a:t>h</a:t>
-            </a:r>
-            <a:r>
-              <a:rPr lang="zh-CN" altLang="en-US"/>
-              <a:t>深度构成</a:t>
+              <a:t> </a:t>
             </a:r>
             <a:endParaRPr lang="zh-CN" altLang="en-US"/>
           </a:p>
@@ -7774,7 +8212,7 @@
       </p:sp>
       <p:pic>
         <p:nvPicPr>
-          <p:cNvPr id="7" name="图片 6"/>
+          <p:cNvPr id="10" name="图片 9"/>
           <p:cNvPicPr>
             <a:picLocks noChangeAspect="1"/>
           </p:cNvPicPr>
@@ -7788,14 +8226,516 @@
         </p:blipFill>
         <p:spPr>
           <a:xfrm>
-            <a:off x="2712085" y="4697095"/>
-            <a:ext cx="4187825" cy="1282700"/>
+            <a:off x="513715" y="1183640"/>
+            <a:ext cx="6713220" cy="2665095"/>
           </a:xfrm>
           <a:prstGeom prst="rect">
             <a:avLst/>
           </a:prstGeom>
         </p:spPr>
       </p:pic>
+      <p:sp>
+        <p:nvSpPr>
+          <p:cNvPr id="12" name="文本框 11"/>
+          <p:cNvSpPr txBox="1"/>
+          <p:nvPr/>
+        </p:nvSpPr>
+        <p:spPr>
+          <a:xfrm>
+            <a:off x="513715" y="3973830"/>
+            <a:ext cx="6890385" cy="368300"/>
+          </a:xfrm>
+          <a:prstGeom prst="rect">
+            <a:avLst/>
+          </a:prstGeom>
+          <a:noFill/>
+        </p:spPr>
+        <p:txBody>
+          <a:bodyPr wrap="square" rtlCol="0">
+            <a:spAutoFit/>
+          </a:bodyPr>
+          <a:p>
+            <a:r>
+              <a:rPr lang="en-US" altLang="zh-CN"/>
+              <a:t>1  </a:t>
+            </a:r>
+            <a:r>
+              <a:rPr lang="zh-CN" altLang="en-US"/>
+              <a:t>感染社区识别</a:t>
+            </a:r>
+            <a:endParaRPr lang="zh-CN" altLang="en-US"/>
+          </a:p>
+        </p:txBody>
+      </p:sp>
+      <p:sp>
+        <p:nvSpPr>
+          <p:cNvPr id="14" name="椭圆 13"/>
+          <p:cNvSpPr/>
+          <p:nvPr/>
+        </p:nvSpPr>
+        <p:spPr>
+          <a:xfrm>
+            <a:off x="3714750" y="1328420"/>
+            <a:ext cx="3512185" cy="2101215"/>
+          </a:xfrm>
+          <a:prstGeom prst="ellipse">
+            <a:avLst/>
+          </a:prstGeom>
+          <a:solidFill>
+            <a:schemeClr val="accent3">
+              <a:lumMod val="60000"/>
+              <a:lumOff val="40000"/>
+              <a:alpha val="23000"/>
+            </a:schemeClr>
+          </a:solidFill>
+        </p:spPr>
+        <p:style>
+          <a:lnRef idx="2">
+            <a:schemeClr val="dk1"/>
+          </a:lnRef>
+          <a:fillRef idx="1">
+            <a:schemeClr val="lt1"/>
+          </a:fillRef>
+          <a:effectRef idx="0">
+            <a:schemeClr val="dk1"/>
+          </a:effectRef>
+          <a:fontRef idx="minor">
+            <a:schemeClr val="dk1"/>
+          </a:fontRef>
+        </p:style>
+        <p:txBody>
+          <a:bodyPr rtlCol="0" anchor="ctr"/>
+          <a:p>
+            <a:pPr algn="ctr"/>
+            <a:endParaRPr lang="zh-CN" altLang="en-US"/>
+          </a:p>
+        </p:txBody>
+      </p:sp>
+      <p:sp>
+        <p:nvSpPr>
+          <p:cNvPr id="15" name="文本框 14"/>
+          <p:cNvSpPr txBox="1"/>
+          <p:nvPr/>
+        </p:nvSpPr>
+        <p:spPr>
+          <a:xfrm>
+            <a:off x="1002665" y="1054100"/>
+            <a:ext cx="1688465" cy="368300"/>
+          </a:xfrm>
+          <a:prstGeom prst="rect">
+            <a:avLst/>
+          </a:prstGeom>
+          <a:noFill/>
+        </p:spPr>
+        <p:txBody>
+          <a:bodyPr wrap="square" rtlCol="0">
+            <a:spAutoFit/>
+          </a:bodyPr>
+          <a:p>
+            <a:r>
+              <a:rPr lang="zh-CN" altLang="en-US"/>
+              <a:t>社区</a:t>
+            </a:r>
+            <a:r>
+              <a:rPr lang="en-US" altLang="zh-CN"/>
+              <a:t>1</a:t>
+            </a:r>
+            <a:endParaRPr lang="en-US" altLang="zh-CN"/>
+          </a:p>
+        </p:txBody>
+      </p:sp>
+      <p:sp>
+        <p:nvSpPr>
+          <p:cNvPr id="16" name="文本框 15"/>
+          <p:cNvSpPr txBox="1"/>
+          <p:nvPr/>
+        </p:nvSpPr>
+        <p:spPr>
+          <a:xfrm>
+            <a:off x="4404995" y="960120"/>
+            <a:ext cx="1688465" cy="368300"/>
+          </a:xfrm>
+          <a:prstGeom prst="rect">
+            <a:avLst/>
+          </a:prstGeom>
+          <a:noFill/>
+        </p:spPr>
+        <p:txBody>
+          <a:bodyPr wrap="square" rtlCol="0">
+            <a:spAutoFit/>
+          </a:bodyPr>
+          <a:p>
+            <a:r>
+              <a:rPr lang="zh-CN" altLang="en-US"/>
+              <a:t>社区</a:t>
+            </a:r>
+            <a:r>
+              <a:rPr lang="en-US" altLang="zh-CN"/>
+              <a:t>2</a:t>
+            </a:r>
+            <a:endParaRPr lang="en-US" altLang="zh-CN"/>
+          </a:p>
+        </p:txBody>
+      </p:sp>
+      <p:sp>
+        <p:nvSpPr>
+          <p:cNvPr id="17" name="文本框 16"/>
+          <p:cNvSpPr txBox="1"/>
+          <p:nvPr/>
+        </p:nvSpPr>
+        <p:spPr>
+          <a:xfrm>
+            <a:off x="440690" y="4282440"/>
+            <a:ext cx="7724140" cy="922020"/>
+          </a:xfrm>
+          <a:prstGeom prst="rect">
+            <a:avLst/>
+          </a:prstGeom>
+          <a:noFill/>
+        </p:spPr>
+        <p:txBody>
+          <a:bodyPr wrap="square" rtlCol="0">
+            <a:spAutoFit/>
+          </a:bodyPr>
+          <a:p>
+            <a:r>
+              <a:rPr lang="en-US" altLang="zh-CN"/>
+              <a:t> 2 </a:t>
+            </a:r>
+            <a:r>
+              <a:rPr lang="zh-CN" altLang="en-US">
+                <a:sym typeface="+mn-ea"/>
+              </a:rPr>
+              <a:t>使用</a:t>
+            </a:r>
+            <a:r>
+              <a:rPr lang="en-US" altLang="zh-CN">
+                <a:sym typeface="+mn-ea"/>
+              </a:rPr>
+              <a:t>(u,h)</a:t>
+            </a:r>
+            <a:r>
+              <a:rPr lang="zh-CN" altLang="en-US">
+                <a:sym typeface="+mn-ea"/>
+              </a:rPr>
+              <a:t>构成的</a:t>
+            </a:r>
+            <a:r>
+              <a:rPr lang="en-US" altLang="zh-CN">
+                <a:sym typeface="+mn-ea"/>
+              </a:rPr>
+              <a:t>BFS</a:t>
+            </a:r>
+            <a:r>
+              <a:rPr lang="zh-CN" altLang="en-US">
+                <a:sym typeface="+mn-ea"/>
+              </a:rPr>
+              <a:t>树结构</a:t>
+            </a:r>
+            <a:r>
+              <a:rPr lang="en-US" altLang="zh-CN">
+                <a:sym typeface="+mn-ea"/>
+              </a:rPr>
+              <a:t>(</a:t>
+            </a:r>
+            <a:r>
+              <a:rPr lang="zh-CN" altLang="en-US">
+                <a:sym typeface="+mn-ea"/>
+              </a:rPr>
+              <a:t>一或者多个）不断</a:t>
+            </a:r>
+            <a:r>
+              <a:rPr lang="zh-CN" altLang="en-US">
+                <a:sym typeface="+mn-ea"/>
+              </a:rPr>
+              <a:t>去覆盖每个传播社区，</a:t>
+            </a:r>
+            <a:endParaRPr lang="zh-CN" altLang="en-US">
+              <a:sym typeface="+mn-ea"/>
+            </a:endParaRPr>
+          </a:p>
+          <a:p>
+            <a:r>
+              <a:rPr lang="zh-CN" altLang="en-US">
+                <a:sym typeface="+mn-ea"/>
+              </a:rPr>
+              <a:t>计算覆盖误差率为    </a:t>
+            </a:r>
+            <a:endParaRPr lang="zh-CN" altLang="en-US"/>
+          </a:p>
+          <a:p>
+            <a:r>
+              <a:rPr lang="en-US" altLang="zh-CN"/>
+              <a:t> </a:t>
+            </a:r>
+            <a:endParaRPr lang="en-US" altLang="zh-CN"/>
+          </a:p>
+        </p:txBody>
+      </p:sp>
+      <p:sp>
+        <p:nvSpPr>
+          <p:cNvPr id="18" name="椭圆 17"/>
+          <p:cNvSpPr/>
+          <p:nvPr/>
+        </p:nvSpPr>
+        <p:spPr>
+          <a:xfrm>
+            <a:off x="852805" y="1931035"/>
+            <a:ext cx="1193800" cy="1170305"/>
+          </a:xfrm>
+          <a:prstGeom prst="ellipse">
+            <a:avLst/>
+          </a:prstGeom>
+          <a:solidFill>
+            <a:schemeClr val="accent4">
+              <a:lumMod val="60000"/>
+              <a:lumOff val="40000"/>
+              <a:alpha val="23000"/>
+            </a:schemeClr>
+          </a:solidFill>
+        </p:spPr>
+        <p:style>
+          <a:lnRef idx="2">
+            <a:schemeClr val="dk1"/>
+          </a:lnRef>
+          <a:fillRef idx="1">
+            <a:schemeClr val="lt1"/>
+          </a:fillRef>
+          <a:effectRef idx="0">
+            <a:schemeClr val="dk1"/>
+          </a:effectRef>
+          <a:fontRef idx="minor">
+            <a:schemeClr val="dk1"/>
+          </a:fontRef>
+        </p:style>
+        <p:txBody>
+          <a:bodyPr rtlCol="0" anchor="ctr"/>
+          <a:p>
+            <a:pPr algn="ctr"/>
+            <a:endParaRPr lang="zh-CN" altLang="en-US"/>
+          </a:p>
+        </p:txBody>
+      </p:sp>
+      <p:sp>
+        <p:nvSpPr>
+          <p:cNvPr id="19" name="椭圆 18"/>
+          <p:cNvSpPr/>
+          <p:nvPr/>
+        </p:nvSpPr>
+        <p:spPr>
+          <a:xfrm>
+            <a:off x="3990340" y="2188210"/>
+            <a:ext cx="1193800" cy="1170305"/>
+          </a:xfrm>
+          <a:prstGeom prst="ellipse">
+            <a:avLst/>
+          </a:prstGeom>
+          <a:solidFill>
+            <a:schemeClr val="accent4">
+              <a:lumMod val="60000"/>
+              <a:lumOff val="40000"/>
+              <a:alpha val="23000"/>
+            </a:schemeClr>
+          </a:solidFill>
+        </p:spPr>
+        <p:style>
+          <a:lnRef idx="2">
+            <a:schemeClr val="dk1"/>
+          </a:lnRef>
+          <a:fillRef idx="1">
+            <a:schemeClr val="lt1"/>
+          </a:fillRef>
+          <a:effectRef idx="0">
+            <a:schemeClr val="dk1"/>
+          </a:effectRef>
+          <a:fontRef idx="minor">
+            <a:schemeClr val="dk1"/>
+          </a:fontRef>
+        </p:style>
+        <p:txBody>
+          <a:bodyPr rtlCol="0" anchor="ctr"/>
+          <a:p>
+            <a:pPr algn="ctr"/>
+            <a:endParaRPr lang="zh-CN" altLang="en-US"/>
+          </a:p>
+        </p:txBody>
+      </p:sp>
+      <p:sp>
+        <p:nvSpPr>
+          <p:cNvPr id="20" name="椭圆 19"/>
+          <p:cNvSpPr/>
+          <p:nvPr/>
+        </p:nvSpPr>
+        <p:spPr>
+          <a:xfrm>
+            <a:off x="3714750" y="1422400"/>
+            <a:ext cx="1842770" cy="1538605"/>
+          </a:xfrm>
+          <a:prstGeom prst="ellipse">
+            <a:avLst/>
+          </a:prstGeom>
+          <a:solidFill>
+            <a:schemeClr val="accent4">
+              <a:lumMod val="60000"/>
+              <a:lumOff val="40000"/>
+              <a:alpha val="23000"/>
+            </a:schemeClr>
+          </a:solidFill>
+        </p:spPr>
+        <p:style>
+          <a:lnRef idx="2">
+            <a:schemeClr val="dk1"/>
+          </a:lnRef>
+          <a:fillRef idx="1">
+            <a:schemeClr val="lt1"/>
+          </a:fillRef>
+          <a:effectRef idx="0">
+            <a:schemeClr val="dk1"/>
+          </a:effectRef>
+          <a:fontRef idx="minor">
+            <a:schemeClr val="dk1"/>
+          </a:fontRef>
+        </p:style>
+        <p:txBody>
+          <a:bodyPr rtlCol="0" anchor="ctr"/>
+          <a:p>
+            <a:pPr algn="ctr"/>
+            <a:endParaRPr lang="zh-CN" altLang="en-US"/>
+          </a:p>
+        </p:txBody>
+      </p:sp>
+      <p:sp>
+        <p:nvSpPr>
+          <p:cNvPr id="24" name="椭圆 23"/>
+          <p:cNvSpPr/>
+          <p:nvPr/>
+        </p:nvSpPr>
+        <p:spPr>
+          <a:xfrm>
+            <a:off x="793115" y="1475105"/>
+            <a:ext cx="1704975" cy="1591310"/>
+          </a:xfrm>
+          <a:prstGeom prst="ellipse">
+            <a:avLst/>
+          </a:prstGeom>
+          <a:solidFill>
+            <a:schemeClr val="accent3">
+              <a:lumMod val="60000"/>
+              <a:lumOff val="40000"/>
+              <a:alpha val="23000"/>
+            </a:schemeClr>
+          </a:solidFill>
+        </p:spPr>
+        <p:style>
+          <a:lnRef idx="2">
+            <a:schemeClr val="dk1"/>
+          </a:lnRef>
+          <a:fillRef idx="1">
+            <a:schemeClr val="lt1"/>
+          </a:fillRef>
+          <a:effectRef idx="0">
+            <a:schemeClr val="dk1"/>
+          </a:effectRef>
+          <a:fontRef idx="minor">
+            <a:schemeClr val="dk1"/>
+          </a:fontRef>
+        </p:style>
+        <p:txBody>
+          <a:bodyPr rtlCol="0" anchor="ctr"/>
+          <a:p>
+            <a:pPr algn="ctr"/>
+            <a:endParaRPr lang="zh-CN" altLang="en-US"/>
+          </a:p>
+        </p:txBody>
+      </p:sp>
+      <p:sp>
+        <p:nvSpPr>
+          <p:cNvPr id="26" name="椭圆 25"/>
+          <p:cNvSpPr/>
+          <p:nvPr/>
+        </p:nvSpPr>
+        <p:spPr>
+          <a:xfrm>
+            <a:off x="5264785" y="1843405"/>
+            <a:ext cx="2053590" cy="1682750"/>
+          </a:xfrm>
+          <a:prstGeom prst="ellipse">
+            <a:avLst/>
+          </a:prstGeom>
+          <a:solidFill>
+            <a:schemeClr val="accent4">
+              <a:lumMod val="60000"/>
+              <a:lumOff val="40000"/>
+              <a:alpha val="23000"/>
+            </a:schemeClr>
+          </a:solidFill>
+        </p:spPr>
+        <p:style>
+          <a:lnRef idx="2">
+            <a:schemeClr val="dk1"/>
+          </a:lnRef>
+          <a:fillRef idx="1">
+            <a:schemeClr val="lt1"/>
+          </a:fillRef>
+          <a:effectRef idx="0">
+            <a:schemeClr val="dk1"/>
+          </a:effectRef>
+          <a:fontRef idx="minor">
+            <a:schemeClr val="dk1"/>
+          </a:fontRef>
+        </p:style>
+        <p:txBody>
+          <a:bodyPr rtlCol="0" anchor="ctr"/>
+          <a:p>
+            <a:pPr algn="ctr"/>
+            <a:endParaRPr lang="zh-CN" altLang="en-US"/>
+          </a:p>
+        </p:txBody>
+      </p:sp>
+      <p:sp>
+        <p:nvSpPr>
+          <p:cNvPr id="28" name="椭圆 27"/>
+          <p:cNvSpPr/>
+          <p:nvPr/>
+        </p:nvSpPr>
+        <p:spPr>
+          <a:xfrm>
+            <a:off x="1081405" y="1422400"/>
+            <a:ext cx="1530985" cy="1363980"/>
+          </a:xfrm>
+          <a:prstGeom prst="ellipse">
+            <a:avLst/>
+          </a:prstGeom>
+          <a:solidFill>
+            <a:schemeClr val="accent4">
+              <a:lumMod val="60000"/>
+              <a:lumOff val="40000"/>
+              <a:alpha val="23000"/>
+            </a:schemeClr>
+          </a:solidFill>
+        </p:spPr>
+        <p:style>
+          <a:lnRef idx="2">
+            <a:schemeClr val="dk1"/>
+          </a:lnRef>
+          <a:fillRef idx="1">
+            <a:schemeClr val="lt1"/>
+          </a:fillRef>
+          <a:effectRef idx="0">
+            <a:schemeClr val="dk1"/>
+          </a:effectRef>
+          <a:fontRef idx="minor">
+            <a:schemeClr val="dk1"/>
+          </a:fontRef>
+        </p:style>
+        <p:txBody>
+          <a:bodyPr rtlCol="0" anchor="ctr"/>
+          <a:p>
+            <a:pPr algn="ctr"/>
+            <a:endParaRPr lang="zh-CN" altLang="en-US"/>
+          </a:p>
+        </p:txBody>
+      </p:sp>
     </p:spTree>
   </p:cSld>
   <p:clrMapOvr>
@@ -7804,9 +8744,675 @@
   <p:timing>
     <p:tnLst>
       <p:par>
-        <p:cTn id="1" dur="indefinite" restart="never" nodeType="tmRoot"/>
+        <p:cTn id="1" dur="indefinite" restart="never" nodeType="tmRoot">
+          <p:childTnLst>
+            <p:seq concurrent="1" nextAc="seek">
+              <p:cTn id="2" dur="indefinite" nodeType="mainSeq">
+                <p:childTnLst>
+                  <p:par>
+                    <p:cTn id="3" fill="hold">
+                      <p:stCondLst>
+                        <p:cond delay="indefinite"/>
+                      </p:stCondLst>
+                      <p:childTnLst>
+                        <p:par>
+                          <p:cTn id="4" fill="hold">
+                            <p:stCondLst>
+                              <p:cond delay="0"/>
+                            </p:stCondLst>
+                            <p:childTnLst>
+                              <p:par>
+                                <p:cTn id="5" presetID="3" presetClass="entr" presetSubtype="10" fill="hold" grpId="0" nodeType="clickEffect">
+                                  <p:stCondLst>
+                                    <p:cond delay="0"/>
+                                  </p:stCondLst>
+                                  <p:childTnLst>
+                                    <p:set>
+                                      <p:cBhvr>
+                                        <p:cTn id="6" dur="1" fill="hold">
+                                          <p:stCondLst>
+                                            <p:cond delay="0"/>
+                                          </p:stCondLst>
+                                        </p:cTn>
+                                        <p:tgtEl>
+                                          <p:spTgt spid="14"/>
+                                        </p:tgtEl>
+                                        <p:attrNameLst>
+                                          <p:attrName>style.visibility</p:attrName>
+                                        </p:attrNameLst>
+                                      </p:cBhvr>
+                                      <p:to>
+                                        <p:strVal val="visible"/>
+                                      </p:to>
+                                    </p:set>
+                                    <p:animEffect transition="in" filter="blinds(horizontal)">
+                                      <p:cBhvr>
+                                        <p:cTn id="7" dur="500"/>
+                                        <p:tgtEl>
+                                          <p:spTgt spid="14"/>
+                                        </p:tgtEl>
+                                      </p:cBhvr>
+                                    </p:animEffect>
+                                  </p:childTnLst>
+                                </p:cTn>
+                              </p:par>
+                              <p:par>
+                                <p:cTn id="8" presetID="3" presetClass="entr" presetSubtype="10" fill="hold" grpId="0" nodeType="withEffect">
+                                  <p:stCondLst>
+                                    <p:cond delay="0"/>
+                                  </p:stCondLst>
+                                  <p:childTnLst>
+                                    <p:set>
+                                      <p:cBhvr>
+                                        <p:cTn id="9" dur="1" fill="hold">
+                                          <p:stCondLst>
+                                            <p:cond delay="0"/>
+                                          </p:stCondLst>
+                                        </p:cTn>
+                                        <p:tgtEl>
+                                          <p:spTgt spid="16"/>
+                                        </p:tgtEl>
+                                        <p:attrNameLst>
+                                          <p:attrName>style.visibility</p:attrName>
+                                        </p:attrNameLst>
+                                      </p:cBhvr>
+                                      <p:to>
+                                        <p:strVal val="visible"/>
+                                      </p:to>
+                                    </p:set>
+                                    <p:animEffect transition="in" filter="blinds(horizontal)">
+                                      <p:cBhvr>
+                                        <p:cTn id="10" dur="500"/>
+                                        <p:tgtEl>
+                                          <p:spTgt spid="16"/>
+                                        </p:tgtEl>
+                                      </p:cBhvr>
+                                    </p:animEffect>
+                                  </p:childTnLst>
+                                </p:cTn>
+                              </p:par>
+                              <p:par>
+                                <p:cTn id="11" presetID="3" presetClass="entr" presetSubtype="10" fill="hold" grpId="0" nodeType="withEffect">
+                                  <p:stCondLst>
+                                    <p:cond delay="0"/>
+                                  </p:stCondLst>
+                                  <p:childTnLst>
+                                    <p:set>
+                                      <p:cBhvr>
+                                        <p:cTn id="12" dur="1" fill="hold">
+                                          <p:stCondLst>
+                                            <p:cond delay="0"/>
+                                          </p:stCondLst>
+                                        </p:cTn>
+                                        <p:tgtEl>
+                                          <p:spTgt spid="15"/>
+                                        </p:tgtEl>
+                                        <p:attrNameLst>
+                                          <p:attrName>style.visibility</p:attrName>
+                                        </p:attrNameLst>
+                                      </p:cBhvr>
+                                      <p:to>
+                                        <p:strVal val="visible"/>
+                                      </p:to>
+                                    </p:set>
+                                    <p:animEffect transition="in" filter="blinds(horizontal)">
+                                      <p:cBhvr>
+                                        <p:cTn id="13" dur="500"/>
+                                        <p:tgtEl>
+                                          <p:spTgt spid="15"/>
+                                        </p:tgtEl>
+                                      </p:cBhvr>
+                                    </p:animEffect>
+                                  </p:childTnLst>
+                                </p:cTn>
+                              </p:par>
+                              <p:par>
+                                <p:cTn id="14" presetID="3" presetClass="entr" presetSubtype="10" fill="hold" grpId="0" nodeType="withEffect">
+                                  <p:stCondLst>
+                                    <p:cond delay="0"/>
+                                  </p:stCondLst>
+                                  <p:childTnLst>
+                                    <p:set>
+                                      <p:cBhvr>
+                                        <p:cTn id="15" dur="500" fill="hold">
+                                          <p:stCondLst>
+                                            <p:cond delay="0"/>
+                                          </p:stCondLst>
+                                        </p:cTn>
+                                        <p:tgtEl>
+                                          <p:spTgt spid="24"/>
+                                        </p:tgtEl>
+                                        <p:attrNameLst>
+                                          <p:attrName>style.visibility</p:attrName>
+                                        </p:attrNameLst>
+                                      </p:cBhvr>
+                                      <p:to>
+                                        <p:strVal val="visible"/>
+                                      </p:to>
+                                    </p:set>
+                                    <p:animEffect transition="in" filter="blinds(horizontal)">
+                                      <p:cBhvr>
+                                        <p:cTn id="16" dur="500"/>
+                                        <p:tgtEl>
+                                          <p:spTgt spid="24"/>
+                                        </p:tgtEl>
+                                      </p:cBhvr>
+                                    </p:animEffect>
+                                  </p:childTnLst>
+                                </p:cTn>
+                              </p:par>
+                              <p:par>
+                                <p:cTn id="17" presetID="3" presetClass="entr" presetSubtype="10" fill="hold" grpId="0" nodeType="withEffect">
+                                  <p:stCondLst>
+                                    <p:cond delay="0"/>
+                                  </p:stCondLst>
+                                  <p:childTnLst>
+                                    <p:set>
+                                      <p:cBhvr>
+                                        <p:cTn id="18" dur="1" fill="hold">
+                                          <p:stCondLst>
+                                            <p:cond delay="0"/>
+                                          </p:stCondLst>
+                                        </p:cTn>
+                                        <p:tgtEl>
+                                          <p:spTgt spid="12"/>
+                                        </p:tgtEl>
+                                        <p:attrNameLst>
+                                          <p:attrName>style.visibility</p:attrName>
+                                        </p:attrNameLst>
+                                      </p:cBhvr>
+                                      <p:to>
+                                        <p:strVal val="visible"/>
+                                      </p:to>
+                                    </p:set>
+                                    <p:animEffect transition="in" filter="blinds(horizontal)">
+                                      <p:cBhvr>
+                                        <p:cTn id="19" dur="500"/>
+                                        <p:tgtEl>
+                                          <p:spTgt spid="12"/>
+                                        </p:tgtEl>
+                                      </p:cBhvr>
+                                    </p:animEffect>
+                                  </p:childTnLst>
+                                </p:cTn>
+                              </p:par>
+                            </p:childTnLst>
+                          </p:cTn>
+                        </p:par>
+                      </p:childTnLst>
+                    </p:cTn>
+                  </p:par>
+                  <p:par>
+                    <p:cTn id="20" fill="hold">
+                      <p:stCondLst>
+                        <p:cond delay="indefinite"/>
+                      </p:stCondLst>
+                      <p:childTnLst>
+                        <p:par>
+                          <p:cTn id="21" fill="hold">
+                            <p:stCondLst>
+                              <p:cond delay="0"/>
+                            </p:stCondLst>
+                            <p:childTnLst>
+                              <p:par>
+                                <p:cTn id="22" presetID="3" presetClass="entr" presetSubtype="10" fill="hold" grpId="2" nodeType="clickEffect">
+                                  <p:stCondLst>
+                                    <p:cond delay="0"/>
+                                  </p:stCondLst>
+                                  <p:childTnLst>
+                                    <p:set>
+                                      <p:cBhvr>
+                                        <p:cTn id="23" dur="1" fill="hold">
+                                          <p:stCondLst>
+                                            <p:cond delay="0"/>
+                                          </p:stCondLst>
+                                        </p:cTn>
+                                        <p:tgtEl>
+                                          <p:spTgt spid="19"/>
+                                        </p:tgtEl>
+                                        <p:attrNameLst>
+                                          <p:attrName>style.visibility</p:attrName>
+                                        </p:attrNameLst>
+                                      </p:cBhvr>
+                                      <p:to>
+                                        <p:strVal val="visible"/>
+                                      </p:to>
+                                    </p:set>
+                                    <p:animEffect transition="in" filter="blinds(horizontal)">
+                                      <p:cBhvr>
+                                        <p:cTn id="24" dur="500"/>
+                                        <p:tgtEl>
+                                          <p:spTgt spid="19"/>
+                                        </p:tgtEl>
+                                      </p:cBhvr>
+                                    </p:animEffect>
+                                  </p:childTnLst>
+                                </p:cTn>
+                              </p:par>
+                              <p:par>
+                                <p:cTn id="25" presetID="3" presetClass="entr" presetSubtype="10" fill="hold" grpId="2" nodeType="withEffect">
+                                  <p:stCondLst>
+                                    <p:cond delay="0"/>
+                                  </p:stCondLst>
+                                  <p:childTnLst>
+                                    <p:set>
+                                      <p:cBhvr>
+                                        <p:cTn id="26" dur="1" fill="hold">
+                                          <p:stCondLst>
+                                            <p:cond delay="0"/>
+                                          </p:stCondLst>
+                                        </p:cTn>
+                                        <p:tgtEl>
+                                          <p:spTgt spid="18"/>
+                                        </p:tgtEl>
+                                        <p:attrNameLst>
+                                          <p:attrName>style.visibility</p:attrName>
+                                        </p:attrNameLst>
+                                      </p:cBhvr>
+                                      <p:to>
+                                        <p:strVal val="visible"/>
+                                      </p:to>
+                                    </p:set>
+                                    <p:animEffect transition="in" filter="blinds(horizontal)">
+                                      <p:cBhvr>
+                                        <p:cTn id="27" dur="500"/>
+                                        <p:tgtEl>
+                                          <p:spTgt spid="18"/>
+                                        </p:tgtEl>
+                                      </p:cBhvr>
+                                    </p:animEffect>
+                                  </p:childTnLst>
+                                </p:cTn>
+                              </p:par>
+                              <p:par>
+                                <p:cTn id="28" presetID="3" presetClass="entr" presetSubtype="10" fill="hold" grpId="0" nodeType="withEffect">
+                                  <p:stCondLst>
+                                    <p:cond delay="0"/>
+                                  </p:stCondLst>
+                                  <p:childTnLst>
+                                    <p:set>
+                                      <p:cBhvr>
+                                        <p:cTn id="29" dur="500" fill="hold">
+                                          <p:stCondLst>
+                                            <p:cond delay="0"/>
+                                          </p:stCondLst>
+                                        </p:cTn>
+                                        <p:tgtEl>
+                                          <p:spTgt spid="17"/>
+                                        </p:tgtEl>
+                                        <p:attrNameLst>
+                                          <p:attrName>style.visibility</p:attrName>
+                                        </p:attrNameLst>
+                                      </p:cBhvr>
+                                      <p:to>
+                                        <p:strVal val="visible"/>
+                                      </p:to>
+                                    </p:set>
+                                    <p:animEffect transition="in" filter="blinds(horizontal)">
+                                      <p:cBhvr>
+                                        <p:cTn id="30" dur="500"/>
+                                        <p:tgtEl>
+                                          <p:spTgt spid="17"/>
+                                        </p:tgtEl>
+                                      </p:cBhvr>
+                                    </p:animEffect>
+                                  </p:childTnLst>
+                                </p:cTn>
+                              </p:par>
+                            </p:childTnLst>
+                          </p:cTn>
+                        </p:par>
+                      </p:childTnLst>
+                    </p:cTn>
+                  </p:par>
+                  <p:par>
+                    <p:cTn id="31" fill="hold">
+                      <p:stCondLst>
+                        <p:cond delay="indefinite"/>
+                      </p:stCondLst>
+                      <p:childTnLst>
+                        <p:par>
+                          <p:cTn id="32" fill="hold">
+                            <p:stCondLst>
+                              <p:cond delay="0"/>
+                            </p:stCondLst>
+                            <p:childTnLst>
+                              <p:par>
+                                <p:cTn id="33" presetID="22" presetClass="entr" presetSubtype="4" fill="hold" nodeType="clickEffect">
+                                  <p:stCondLst>
+                                    <p:cond delay="0"/>
+                                  </p:stCondLst>
+                                  <p:childTnLst>
+                                    <p:set>
+                                      <p:cBhvr>
+                                        <p:cTn id="34" dur="1" fill="hold">
+                                          <p:stCondLst>
+                                            <p:cond delay="0"/>
+                                          </p:stCondLst>
+                                        </p:cTn>
+                                        <p:tgtEl>
+                                          <p:spTgt spid="4"/>
+                                        </p:tgtEl>
+                                        <p:attrNameLst>
+                                          <p:attrName>style.visibility</p:attrName>
+                                        </p:attrNameLst>
+                                      </p:cBhvr>
+                                      <p:to>
+                                        <p:strVal val="visible"/>
+                                      </p:to>
+                                    </p:set>
+                                    <p:animEffect transition="in" filter="wipe(down)">
+                                      <p:cBhvr>
+                                        <p:cTn id="35" dur="500"/>
+                                        <p:tgtEl>
+                                          <p:spTgt spid="4"/>
+                                        </p:tgtEl>
+                                      </p:cBhvr>
+                                    </p:animEffect>
+                                  </p:childTnLst>
+                                </p:cTn>
+                              </p:par>
+                            </p:childTnLst>
+                          </p:cTn>
+                        </p:par>
+                      </p:childTnLst>
+                    </p:cTn>
+                  </p:par>
+                  <p:par>
+                    <p:cTn id="36" fill="hold">
+                      <p:stCondLst>
+                        <p:cond delay="indefinite"/>
+                      </p:stCondLst>
+                      <p:childTnLst>
+                        <p:par>
+                          <p:cTn id="37" fill="hold">
+                            <p:stCondLst>
+                              <p:cond delay="0"/>
+                            </p:stCondLst>
+                            <p:childTnLst>
+                              <p:par>
+                                <p:cTn id="38" presetID="3" presetClass="exit" presetSubtype="10" fill="hold" grpId="0" nodeType="clickEffect">
+                                  <p:stCondLst>
+                                    <p:cond delay="0"/>
+                                  </p:stCondLst>
+                                  <p:childTnLst>
+                                    <p:animEffect transition="out" filter="blinds(horizontal)">
+                                      <p:cBhvr>
+                                        <p:cTn id="39" dur="500"/>
+                                        <p:tgtEl>
+                                          <p:spTgt spid="18"/>
+                                        </p:tgtEl>
+                                      </p:cBhvr>
+                                    </p:animEffect>
+                                    <p:set>
+                                      <p:cBhvr>
+                                        <p:cTn id="40" dur="1" fill="hold">
+                                          <p:stCondLst>
+                                            <p:cond delay="499"/>
+                                          </p:stCondLst>
+                                        </p:cTn>
+                                        <p:tgtEl>
+                                          <p:spTgt spid="18"/>
+                                        </p:tgtEl>
+                                        <p:attrNameLst>
+                                          <p:attrName>style.visibility</p:attrName>
+                                        </p:attrNameLst>
+                                      </p:cBhvr>
+                                      <p:to>
+                                        <p:strVal val="hidden"/>
+                                      </p:to>
+                                    </p:set>
+                                  </p:childTnLst>
+                                </p:cTn>
+                              </p:par>
+                              <p:par>
+                                <p:cTn id="41" presetID="3" presetClass="exit" presetSubtype="10" fill="hold" grpId="0" nodeType="withEffect">
+                                  <p:stCondLst>
+                                    <p:cond delay="0"/>
+                                  </p:stCondLst>
+                                  <p:childTnLst>
+                                    <p:animEffect transition="out" filter="blinds(horizontal)">
+                                      <p:cBhvr>
+                                        <p:cTn id="42" dur="500"/>
+                                        <p:tgtEl>
+                                          <p:spTgt spid="19"/>
+                                        </p:tgtEl>
+                                      </p:cBhvr>
+                                    </p:animEffect>
+                                    <p:set>
+                                      <p:cBhvr>
+                                        <p:cTn id="43" dur="1" fill="hold">
+                                          <p:stCondLst>
+                                            <p:cond delay="499"/>
+                                          </p:stCondLst>
+                                        </p:cTn>
+                                        <p:tgtEl>
+                                          <p:spTgt spid="19"/>
+                                        </p:tgtEl>
+                                        <p:attrNameLst>
+                                          <p:attrName>style.visibility</p:attrName>
+                                        </p:attrNameLst>
+                                      </p:cBhvr>
+                                      <p:to>
+                                        <p:strVal val="hidden"/>
+                                      </p:to>
+                                    </p:set>
+                                  </p:childTnLst>
+                                </p:cTn>
+                              </p:par>
+                            </p:childTnLst>
+                          </p:cTn>
+                        </p:par>
+                      </p:childTnLst>
+                    </p:cTn>
+                  </p:par>
+                  <p:par>
+                    <p:cTn id="44" fill="hold">
+                      <p:stCondLst>
+                        <p:cond delay="indefinite"/>
+                      </p:stCondLst>
+                      <p:childTnLst>
+                        <p:par>
+                          <p:cTn id="45" fill="hold">
+                            <p:stCondLst>
+                              <p:cond delay="0"/>
+                            </p:stCondLst>
+                            <p:childTnLst>
+                              <p:par>
+                                <p:cTn id="46" presetID="3" presetClass="entr" presetSubtype="10" fill="hold" grpId="0" nodeType="clickEffect">
+                                  <p:stCondLst>
+                                    <p:cond delay="0"/>
+                                  </p:stCondLst>
+                                  <p:childTnLst>
+                                    <p:set>
+                                      <p:cBhvr>
+                                        <p:cTn id="47" dur="1" fill="hold">
+                                          <p:stCondLst>
+                                            <p:cond delay="0"/>
+                                          </p:stCondLst>
+                                        </p:cTn>
+                                        <p:tgtEl>
+                                          <p:spTgt spid="20"/>
+                                        </p:tgtEl>
+                                        <p:attrNameLst>
+                                          <p:attrName>style.visibility</p:attrName>
+                                        </p:attrNameLst>
+                                      </p:cBhvr>
+                                      <p:to>
+                                        <p:strVal val="visible"/>
+                                      </p:to>
+                                    </p:set>
+                                    <p:animEffect transition="in" filter="blinds(horizontal)">
+                                      <p:cBhvr>
+                                        <p:cTn id="48" dur="500"/>
+                                        <p:tgtEl>
+                                          <p:spTgt spid="20"/>
+                                        </p:tgtEl>
+                                      </p:cBhvr>
+                                    </p:animEffect>
+                                  </p:childTnLst>
+                                </p:cTn>
+                              </p:par>
+                              <p:par>
+                                <p:cTn id="49" presetID="3" presetClass="entr" presetSubtype="10" fill="hold" grpId="0" nodeType="withEffect">
+                                  <p:stCondLst>
+                                    <p:cond delay="0"/>
+                                  </p:stCondLst>
+                                  <p:childTnLst>
+                                    <p:set>
+                                      <p:cBhvr>
+                                        <p:cTn id="50" dur="1" fill="hold">
+                                          <p:stCondLst>
+                                            <p:cond delay="0"/>
+                                          </p:stCondLst>
+                                        </p:cTn>
+                                        <p:tgtEl>
+                                          <p:spTgt spid="26"/>
+                                        </p:tgtEl>
+                                        <p:attrNameLst>
+                                          <p:attrName>style.visibility</p:attrName>
+                                        </p:attrNameLst>
+                                      </p:cBhvr>
+                                      <p:to>
+                                        <p:strVal val="visible"/>
+                                      </p:to>
+                                    </p:set>
+                                    <p:animEffect transition="in" filter="blinds(horizontal)">
+                                      <p:cBhvr>
+                                        <p:cTn id="51" dur="500"/>
+                                        <p:tgtEl>
+                                          <p:spTgt spid="26"/>
+                                        </p:tgtEl>
+                                      </p:cBhvr>
+                                    </p:animEffect>
+                                  </p:childTnLst>
+                                </p:cTn>
+                              </p:par>
+                              <p:par>
+                                <p:cTn id="52" presetID="3" presetClass="entr" presetSubtype="10" fill="hold" grpId="0" nodeType="withEffect">
+                                  <p:stCondLst>
+                                    <p:cond delay="0"/>
+                                  </p:stCondLst>
+                                  <p:childTnLst>
+                                    <p:set>
+                                      <p:cBhvr>
+                                        <p:cTn id="53" dur="1" fill="hold">
+                                          <p:stCondLst>
+                                            <p:cond delay="0"/>
+                                          </p:stCondLst>
+                                        </p:cTn>
+                                        <p:tgtEl>
+                                          <p:spTgt spid="28"/>
+                                        </p:tgtEl>
+                                        <p:attrNameLst>
+                                          <p:attrName>style.visibility</p:attrName>
+                                        </p:attrNameLst>
+                                      </p:cBhvr>
+                                      <p:to>
+                                        <p:strVal val="visible"/>
+                                      </p:to>
+                                    </p:set>
+                                    <p:animEffect transition="in" filter="blinds(horizontal)">
+                                      <p:cBhvr>
+                                        <p:cTn id="54" dur="500"/>
+                                        <p:tgtEl>
+                                          <p:spTgt spid="28"/>
+                                        </p:tgtEl>
+                                      </p:cBhvr>
+                                    </p:animEffect>
+                                  </p:childTnLst>
+                                </p:cTn>
+                              </p:par>
+                              <p:par>
+                                <p:cTn id="55" presetID="3" presetClass="entr" presetSubtype="10" fill="hold" grpId="0" nodeType="withEffect">
+                                  <p:stCondLst>
+                                    <p:cond delay="0"/>
+                                  </p:stCondLst>
+                                  <p:childTnLst>
+                                    <p:set>
+                                      <p:cBhvr>
+                                        <p:cTn id="56" dur="1" fill="hold">
+                                          <p:stCondLst>
+                                            <p:cond delay="0"/>
+                                          </p:stCondLst>
+                                        </p:cTn>
+                                        <p:tgtEl>
+                                          <p:spTgt spid="6"/>
+                                        </p:tgtEl>
+                                        <p:attrNameLst>
+                                          <p:attrName>style.visibility</p:attrName>
+                                        </p:attrNameLst>
+                                      </p:cBhvr>
+                                      <p:to>
+                                        <p:strVal val="visible"/>
+                                      </p:to>
+                                    </p:set>
+                                    <p:animEffect transition="in" filter="blinds(horizontal)">
+                                      <p:cBhvr>
+                                        <p:cTn id="57" dur="500"/>
+                                        <p:tgtEl>
+                                          <p:spTgt spid="6"/>
+                                        </p:tgtEl>
+                                      </p:cBhvr>
+                                    </p:animEffect>
+                                  </p:childTnLst>
+                                </p:cTn>
+                              </p:par>
+                            </p:childTnLst>
+                          </p:cTn>
+                        </p:par>
+                      </p:childTnLst>
+                    </p:cTn>
+                  </p:par>
+                </p:childTnLst>
+              </p:cTn>
+              <p:prevCondLst>
+                <p:cond evt="onPrev" delay="0">
+                  <p:tgtEl>
+                    <p:sldTgt/>
+                  </p:tgtEl>
+                </p:cond>
+              </p:prevCondLst>
+              <p:nextCondLst>
+                <p:cond evt="onNext" delay="0">
+                  <p:tgtEl>
+                    <p:sldTgt/>
+                  </p:tgtEl>
+                </p:cond>
+              </p:nextCondLst>
+            </p:seq>
+          </p:childTnLst>
+        </p:cTn>
       </p:par>
     </p:tnLst>
+    <p:bldLst>
+      <p:bldP spid="14" grpId="0" animBg="1"/>
+      <p:bldP spid="16" grpId="0"/>
+      <p:bldP spid="15" grpId="0"/>
+      <p:bldP spid="24" grpId="0" bldLvl="0" animBg="1"/>
+      <p:bldP spid="12" grpId="0"/>
+      <p:bldP spid="14" grpId="1" animBg="1"/>
+      <p:bldP spid="16" grpId="1"/>
+      <p:bldP spid="15" grpId="1"/>
+      <p:bldP spid="24" grpId="1" animBg="1"/>
+      <p:bldP spid="12" grpId="1"/>
+      <p:bldP spid="17" grpId="0"/>
+      <p:bldP spid="17" grpId="1"/>
+      <p:bldP spid="20" grpId="0" animBg="1"/>
+      <p:bldP spid="26" grpId="0" animBg="1"/>
+      <p:bldP spid="28" grpId="0" bldLvl="0" animBg="1"/>
+      <p:bldP spid="6" grpId="0"/>
+      <p:bldP spid="20" grpId="1" animBg="1"/>
+      <p:bldP spid="26" grpId="1" animBg="1"/>
+      <p:bldP spid="28" grpId="1" animBg="1"/>
+      <p:bldP spid="6" grpId="1"/>
+      <p:bldP spid="18" grpId="0" animBg="1"/>
+      <p:bldP spid="19" grpId="0" animBg="1"/>
+      <p:bldP spid="18" grpId="1" animBg="1"/>
+      <p:bldP spid="19" grpId="1" animBg="1"/>
+      <p:bldP spid="19" grpId="2" animBg="1"/>
+      <p:bldP spid="18" grpId="2" animBg="1"/>
+    </p:bldLst>
   </p:timing>
 </p:sld>
 </file>
@@ -7871,301 +9477,6 @@
           <a:lstStyle/>
           <a:p>
             <a:r>
-              <a:rPr lang="en-US" altLang="zh-CN" dirty="0" smtClean="0"/>
-              <a:t>2 </a:t>
-            </a:r>
-            <a:r>
-              <a:rPr lang="zh-CN" altLang="en-US" dirty="0" smtClean="0"/>
-              <a:t>单源定位</a:t>
-            </a:r>
-            <a:endParaRPr lang="zh-CN" altLang="en-US" dirty="0" smtClean="0"/>
-          </a:p>
-        </p:txBody>
-      </p:sp>
-      <p:sp>
-        <p:nvSpPr>
-          <p:cNvPr id="4" name="文本框 3"/>
-          <p:cNvSpPr txBox="1"/>
-          <p:nvPr/>
-        </p:nvSpPr>
-        <p:spPr>
-          <a:xfrm>
-            <a:off x="692150" y="4808220"/>
-            <a:ext cx="8038465" cy="1906905"/>
-          </a:xfrm>
-          <a:prstGeom prst="rect">
-            <a:avLst/>
-          </a:prstGeom>
-          <a:noFill/>
-        </p:spPr>
-        <p:txBody>
-          <a:bodyPr wrap="square" rtlCol="0" anchor="t">
-            <a:spAutoFit/>
-          </a:bodyPr>
-          <a:p>
-            <a:r>
-              <a:rPr lang="zh-CN" altLang="en-US" sz="2000">
-                <a:sym typeface="+mn-ea"/>
-              </a:rPr>
-              <a:t>反向传播算法：</a:t>
-            </a:r>
-            <a:endParaRPr lang="zh-CN" altLang="en-US" sz="2000"/>
-          </a:p>
-          <a:p>
-            <a:r>
-              <a:rPr lang="en-US" altLang="zh-CN" sz="2000">
-                <a:sym typeface="+mn-ea"/>
-              </a:rPr>
-              <a:t>1  </a:t>
-            </a:r>
-            <a:r>
-              <a:rPr lang="zh-CN" altLang="en-US" sz="2000">
-                <a:sym typeface="+mn-ea"/>
-              </a:rPr>
-              <a:t>让每个节点每一个时间刻</a:t>
-            </a:r>
-            <a:r>
-              <a:rPr lang="zh-CN" altLang="en-US" sz="2000">
-                <a:sym typeface="+mn-ea"/>
-              </a:rPr>
-              <a:t>传播自身</a:t>
-            </a:r>
-            <a:r>
-              <a:rPr lang="en-US" altLang="zh-CN" sz="2000">
-                <a:sym typeface="+mn-ea"/>
-              </a:rPr>
-              <a:t>ID</a:t>
-            </a:r>
-            <a:r>
-              <a:rPr lang="zh-CN" altLang="en-US" sz="2000">
-                <a:sym typeface="+mn-ea"/>
-              </a:rPr>
-              <a:t>到邻居</a:t>
-            </a:r>
-            <a:endParaRPr lang="en-US" altLang="zh-CN" sz="2000">
-              <a:sym typeface="+mn-ea"/>
-            </a:endParaRPr>
-          </a:p>
-          <a:p>
-            <a:r>
-              <a:rPr lang="en-US" altLang="zh-CN" sz="2000">
-                <a:sym typeface="+mn-ea"/>
-              </a:rPr>
-              <a:t>2   </a:t>
-            </a:r>
-            <a:r>
-              <a:rPr lang="zh-CN" altLang="en-US" sz="2000">
-                <a:sym typeface="+mn-ea"/>
-              </a:rPr>
-              <a:t>邻居节点更新本身节点集合</a:t>
-            </a:r>
-            <a:endParaRPr lang="en-US" altLang="zh-CN" sz="2000">
-              <a:sym typeface="+mn-ea"/>
-            </a:endParaRPr>
-          </a:p>
-          <a:p>
-            <a:r>
-              <a:rPr lang="en-US" altLang="zh-CN" sz="2000">
-                <a:sym typeface="+mn-ea"/>
-              </a:rPr>
-              <a:t>3   </a:t>
-            </a:r>
-            <a:r>
-              <a:rPr lang="zh-CN" altLang="en-US" sz="2000">
-                <a:sym typeface="+mn-ea"/>
-              </a:rPr>
-              <a:t>重复</a:t>
-            </a:r>
-            <a:r>
-              <a:rPr lang="en-US" altLang="zh-CN" sz="2000">
-                <a:sym typeface="+mn-ea"/>
-              </a:rPr>
-              <a:t>1</a:t>
-            </a:r>
-            <a:r>
-              <a:rPr lang="zh-CN" altLang="en-US" sz="2000">
-                <a:sym typeface="+mn-ea"/>
-              </a:rPr>
-              <a:t>，</a:t>
-            </a:r>
-            <a:r>
-              <a:rPr lang="en-US" altLang="zh-CN" sz="2000">
-                <a:sym typeface="+mn-ea"/>
-              </a:rPr>
-              <a:t>2</a:t>
-            </a:r>
-            <a:r>
-              <a:rPr lang="zh-CN" altLang="en-US" sz="2000">
-                <a:sym typeface="+mn-ea"/>
-              </a:rPr>
-              <a:t>直至有节点接收所有节点</a:t>
-            </a:r>
-            <a:r>
-              <a:rPr lang="en-US" altLang="zh-CN" sz="2000">
-                <a:sym typeface="+mn-ea"/>
-              </a:rPr>
-              <a:t>ID</a:t>
-            </a:r>
-            <a:r>
-              <a:rPr lang="zh-CN" altLang="en-US" sz="2000">
-                <a:sym typeface="+mn-ea"/>
-              </a:rPr>
-              <a:t>。如</a:t>
-            </a:r>
-            <a:r>
-              <a:rPr lang="en-US" altLang="zh-CN" sz="2000">
-                <a:sym typeface="+mn-ea"/>
-              </a:rPr>
-              <a:t>T1</a:t>
-            </a:r>
-            <a:r>
-              <a:rPr lang="zh-CN" altLang="en-US" sz="2000">
-                <a:sym typeface="+mn-ea"/>
-              </a:rPr>
-              <a:t>中的</a:t>
-            </a:r>
-            <a:r>
-              <a:rPr lang="en-US" altLang="zh-CN" sz="2000">
-                <a:sym typeface="+mn-ea"/>
-              </a:rPr>
-              <a:t>1</a:t>
-            </a:r>
-            <a:r>
-              <a:rPr lang="zh-CN" altLang="en-US" sz="2000">
-                <a:sym typeface="+mn-ea"/>
-              </a:rPr>
-              <a:t>和</a:t>
-            </a:r>
-            <a:r>
-              <a:rPr lang="en-US" altLang="zh-CN" sz="2000">
-                <a:sym typeface="+mn-ea"/>
-              </a:rPr>
-              <a:t>5</a:t>
-            </a:r>
-            <a:r>
-              <a:rPr lang="zh-CN" altLang="en-US" sz="2000">
-                <a:sym typeface="+mn-ea"/>
-              </a:rPr>
-              <a:t>节点，偏心率低的为源点。即</a:t>
-            </a:r>
-            <a:r>
-              <a:rPr lang="en-US" altLang="zh-CN" sz="2000">
-                <a:sym typeface="+mn-ea"/>
-              </a:rPr>
-              <a:t>1</a:t>
-            </a:r>
-            <a:r>
-              <a:rPr lang="zh-CN" altLang="en-US" sz="2000">
-                <a:sym typeface="+mn-ea"/>
-              </a:rPr>
-              <a:t>节点</a:t>
-            </a:r>
-            <a:endParaRPr lang="zh-CN" altLang="en-US"/>
-          </a:p>
-          <a:p>
-            <a:endParaRPr lang="zh-CN" altLang="en-US"/>
-          </a:p>
-        </p:txBody>
-      </p:sp>
-      <p:pic>
-        <p:nvPicPr>
-          <p:cNvPr id="8" name="图片 7"/>
-          <p:cNvPicPr>
-            <a:picLocks noChangeAspect="1"/>
-          </p:cNvPicPr>
-          <p:nvPr/>
-        </p:nvPicPr>
-        <p:blipFill>
-          <a:blip r:embed="rId1"/>
-          <a:stretch>
-            <a:fillRect/>
-          </a:stretch>
-        </p:blipFill>
-        <p:spPr>
-          <a:xfrm>
-            <a:off x="107315" y="1598295"/>
-            <a:ext cx="9208770" cy="3209925"/>
-          </a:xfrm>
-          <a:prstGeom prst="rect">
-            <a:avLst/>
-          </a:prstGeom>
-        </p:spPr>
-      </p:pic>
-    </p:spTree>
-  </p:cSld>
-  <p:clrMapOvr>
-    <a:masterClrMapping/>
-  </p:clrMapOvr>
-  <p:timing>
-    <p:tnLst>
-      <p:par>
-        <p:cTn id="1" dur="indefinite" restart="never" nodeType="tmRoot"/>
-      </p:par>
-    </p:tnLst>
-  </p:timing>
-</p:sld>
-</file>
-
-<file path=ppt/slides/slide17.xml><?xml version="1.0" encoding="utf-8"?>
-<p:sld xmlns:a="http://schemas.openxmlformats.org/drawingml/2006/main" xmlns:r="http://schemas.openxmlformats.org/officeDocument/2006/relationships" xmlns:p="http://schemas.openxmlformats.org/presentationml/2006/main">
-  <p:cSld>
-    <p:spTree>
-      <p:nvGrpSpPr>
-        <p:cNvPr id="1" name=""/>
-        <p:cNvGrpSpPr/>
-        <p:nvPr/>
-      </p:nvGrpSpPr>
-      <p:grpSpPr>
-        <a:xfrm>
-          <a:off x="0" y="0"/>
-          <a:ext cx="0" cy="0"/>
-          <a:chOff x="0" y="0"/>
-          <a:chExt cx="0" cy="0"/>
-        </a:xfrm>
-      </p:grpSpPr>
-      <p:sp>
-        <p:nvSpPr>
-          <p:cNvPr id="3" name="灯片编号占位符 2"/>
-          <p:cNvSpPr>
-            <a:spLocks noGrp="1"/>
-          </p:cNvSpPr>
-          <p:nvPr>
-            <p:ph type="sldNum" sz="quarter" idx="4"/>
-          </p:nvPr>
-        </p:nvSpPr>
-        <p:spPr/>
-        <p:txBody>
-          <a:bodyPr/>
-          <a:lstStyle/>
-          <a:p>
-            <a:fld id="{E4AD1595-9615-4E1E-9346-9F3D638DC426}" type="slidenum">
-              <a:rPr lang="zh-CN" altLang="en-US" smtClean="0"/>
-            </a:fld>
-            <a:endParaRPr lang="zh-CN" altLang="en-US"/>
-          </a:p>
-        </p:txBody>
-      </p:sp>
-      <p:sp>
-        <p:nvSpPr>
-          <p:cNvPr id="38" name="文本占位符 1"/>
-          <p:cNvSpPr>
-            <a:spLocks noGrp="1"/>
-          </p:cNvSpPr>
-          <p:nvPr>
-            <p:ph type="body" sz="quarter" idx="10"/>
-          </p:nvPr>
-        </p:nvSpPr>
-        <p:spPr>
-          <a:xfrm>
-            <a:off x="289608" y="217489"/>
-            <a:ext cx="7098163" cy="583565"/>
-          </a:xfrm>
-        </p:spPr>
-        <p:txBody>
-          <a:bodyPr/>
-          <a:lstStyle/>
-          <a:p>
-            <a:r>
               <a:rPr dirty="0">
                 <a:sym typeface="+mn-ea"/>
               </a:rPr>
@@ -8175,11 +9486,7 @@
               <a:rPr dirty="0">
                 <a:sym typeface="+mn-ea"/>
               </a:rPr>
-              <a:t>果及</a:t>
-            </a:r>
-            <a:r>
-              <a:rPr lang="zh-CN" altLang="en-US" dirty="0"/>
-              <a:t>贡献点</a:t>
+              <a:t>果</a:t>
             </a:r>
             <a:endParaRPr lang="zh-CN" altLang="en-US" dirty="0"/>
           </a:p>
@@ -8275,14 +9582,14 @@
       </p:sp>
       <p:sp>
         <p:nvSpPr>
-          <p:cNvPr id="2" name="文本框 1"/>
+          <p:cNvPr id="8" name="文本框 7"/>
           <p:cNvSpPr txBox="1"/>
           <p:nvPr/>
         </p:nvSpPr>
         <p:spPr>
           <a:xfrm>
-            <a:off x="983615" y="3964305"/>
-            <a:ext cx="7623175" cy="2306955"/>
+            <a:off x="4881245" y="1452245"/>
+            <a:ext cx="3562985" cy="645160"/>
           </a:xfrm>
           <a:prstGeom prst="rect">
             <a:avLst/>
@@ -8294,82 +9601,66 @@
             <a:spAutoFit/>
           </a:bodyPr>
           <a:p>
-            <a:pPr marL="342900" indent="-342900">
-              <a:buAutoNum type="arabicPeriod"/>
-            </a:pPr>
-            <a:r>
-              <a:rPr lang="en-US" altLang="zh-CN" sz="2400"/>
-              <a:t>  </a:t>
-            </a:r>
-            <a:r>
-              <a:rPr lang="zh-CN" altLang="en-US" sz="2400"/>
-              <a:t>提出统一框架，来对一个网络谣言</a:t>
-            </a:r>
-            <a:r>
-              <a:rPr lang="zh-CN" altLang="en-US" sz="2400"/>
-              <a:t>源定位。</a:t>
-            </a:r>
-            <a:endParaRPr lang="zh-CN" altLang="en-US" sz="2400"/>
-          </a:p>
-          <a:p>
-            <a:pPr marL="342900" indent="-342900">
-              <a:buAutoNum type="arabicPeriod"/>
-            </a:pPr>
-            <a:r>
-              <a:rPr lang="zh-CN" altLang="en-US" sz="2400"/>
-              <a:t>  不需要提前知道源个数。</a:t>
-            </a:r>
-            <a:endParaRPr lang="zh-CN" altLang="en-US" sz="2400"/>
-          </a:p>
-          <a:p>
-            <a:pPr marL="342900" indent="-342900">
-              <a:buAutoNum type="arabicPeriod"/>
-            </a:pPr>
-            <a:r>
-              <a:rPr lang="zh-CN" altLang="en-US" sz="2400"/>
-              <a:t> 对感染区域重合的多源感染区域分区，第一次提出</a:t>
-            </a:r>
-            <a:r>
-              <a:rPr lang="zh-CN" altLang="en-US" sz="2400">
-                <a:sym typeface="+mn-ea"/>
-              </a:rPr>
-              <a:t>分区</a:t>
-            </a:r>
-            <a:r>
-              <a:rPr lang="zh-CN" altLang="en-US" sz="2400"/>
-              <a:t>评价函数，拟合多源中的单源传播区域</a:t>
-            </a:r>
-            <a:endParaRPr lang="zh-CN" altLang="en-US" sz="2400"/>
-          </a:p>
-          <a:p>
-            <a:pPr marL="342900" indent="-342900">
-              <a:buAutoNum type="arabicPeriod"/>
-            </a:pPr>
-            <a:r>
-              <a:rPr lang="zh-CN" altLang="en-US" sz="2400"/>
-              <a:t> 实验效果在多</a:t>
-            </a:r>
-            <a:r>
-              <a:rPr lang="zh-CN" altLang="en-US" sz="2400"/>
-              <a:t>源定位上优于现有方法</a:t>
-            </a:r>
-            <a:endParaRPr lang="zh-CN" altLang="en-US" sz="2400"/>
-          </a:p>
-          <a:p>
-            <a:pPr marL="342900" indent="-342900">
-              <a:buAutoNum type="arabicPeriod"/>
-            </a:pPr>
-            <a:r>
-              <a:rPr lang="zh-CN" altLang="en-US" sz="2400"/>
-              <a:t>贪心快速定位较好感染区域。</a:t>
-            </a:r>
-            <a:endParaRPr lang="zh-CN" altLang="en-US" sz="2400"/>
+            <a:r>
+              <a:rPr lang="en-US" altLang="zh-CN"/>
+              <a:t>   </a:t>
+            </a:r>
+            <a:r>
+              <a:rPr lang="zh-CN" altLang="en-US"/>
+              <a:t>同一数据集上的实验，我们的效果优于他们</a:t>
+            </a:r>
+            <a:endParaRPr lang="zh-CN" altLang="en-US"/>
+          </a:p>
+        </p:txBody>
+      </p:sp>
+      <p:sp>
+        <p:nvSpPr>
+          <p:cNvPr id="9" name="文本框 8"/>
+          <p:cNvSpPr txBox="1"/>
+          <p:nvPr/>
+        </p:nvSpPr>
+        <p:spPr>
+          <a:xfrm>
+            <a:off x="4962525" y="4170680"/>
+            <a:ext cx="3530600" cy="645160"/>
+          </a:xfrm>
+          <a:prstGeom prst="rect">
+            <a:avLst/>
+          </a:prstGeom>
+          <a:noFill/>
+        </p:spPr>
+        <p:txBody>
+          <a:bodyPr wrap="square" rtlCol="0">
+            <a:spAutoFit/>
+          </a:bodyPr>
+          <a:p>
+            <a:r>
+              <a:rPr lang="en-US" altLang="zh-CN"/>
+              <a:t>SI</a:t>
+            </a:r>
+            <a:r>
+              <a:rPr lang="zh-CN" altLang="en-US"/>
+              <a:t>传播模型概率以及</a:t>
+            </a:r>
+            <a:r>
+              <a:rPr lang="en-US" altLang="zh-CN"/>
+              <a:t>jaya</a:t>
+            </a:r>
+            <a:r>
+              <a:rPr lang="zh-CN" altLang="en-US"/>
+              <a:t>算法迭代次数影响因素</a:t>
+            </a:r>
+            <a:r>
+              <a:rPr lang="zh-CN" altLang="en-US"/>
+              <a:t>评估方法</a:t>
+            </a:r>
+            <a:endParaRPr lang="zh-CN" altLang="en-US"/>
           </a:p>
         </p:txBody>
       </p:sp>
       <p:pic>
         <p:nvPicPr>
-          <p:cNvPr id="6" name="图片 5"/>
+          <p:cNvPr id="10" name="图片 9"/>
           <p:cNvPicPr>
             <a:picLocks noChangeAspect="1"/>
           </p:cNvPicPr>
@@ -8383,14 +9674,310 @@
         </p:blipFill>
         <p:spPr>
           <a:xfrm>
-            <a:off x="2105025" y="1163955"/>
-            <a:ext cx="2924175" cy="2219325"/>
+            <a:off x="528320" y="1137920"/>
+            <a:ext cx="3511550" cy="2677160"/>
           </a:xfrm>
           <a:prstGeom prst="rect">
             <a:avLst/>
           </a:prstGeom>
         </p:spPr>
       </p:pic>
+    </p:spTree>
+  </p:cSld>
+  <p:clrMapOvr>
+    <a:masterClrMapping/>
+  </p:clrMapOvr>
+  <p:timing>
+    <p:tnLst>
+      <p:par>
+        <p:cTn id="1" dur="indefinite" restart="never" nodeType="tmRoot"/>
+      </p:par>
+    </p:tnLst>
+  </p:timing>
+</p:sld>
+</file>
+
+<file path=ppt/slides/slide17.xml><?xml version="1.0" encoding="utf-8"?>
+<p:sld xmlns:a="http://schemas.openxmlformats.org/drawingml/2006/main" xmlns:r="http://schemas.openxmlformats.org/officeDocument/2006/relationships" xmlns:p="http://schemas.openxmlformats.org/presentationml/2006/main">
+  <p:cSld>
+    <p:spTree>
+      <p:nvGrpSpPr>
+        <p:cNvPr id="1" name=""/>
+        <p:cNvGrpSpPr/>
+        <p:nvPr/>
+      </p:nvGrpSpPr>
+      <p:grpSpPr>
+        <a:xfrm>
+          <a:off x="0" y="0"/>
+          <a:ext cx="0" cy="0"/>
+          <a:chOff x="0" y="0"/>
+          <a:chExt cx="0" cy="0"/>
+        </a:xfrm>
+      </p:grpSpPr>
+      <p:sp>
+        <p:nvSpPr>
+          <p:cNvPr id="3" name="灯片编号占位符 2"/>
+          <p:cNvSpPr>
+            <a:spLocks noGrp="1"/>
+          </p:cNvSpPr>
+          <p:nvPr>
+            <p:ph type="sldNum" sz="quarter" idx="4"/>
+          </p:nvPr>
+        </p:nvSpPr>
+        <p:spPr/>
+        <p:txBody>
+          <a:bodyPr/>
+          <a:lstStyle/>
+          <a:p>
+            <a:fld id="{E4AD1595-9615-4E1E-9346-9F3D638DC426}" type="slidenum">
+              <a:rPr lang="zh-CN" altLang="en-US" smtClean="0"/>
+            </a:fld>
+            <a:endParaRPr lang="zh-CN" altLang="en-US"/>
+          </a:p>
+        </p:txBody>
+      </p:sp>
+      <p:sp>
+        <p:nvSpPr>
+          <p:cNvPr id="38" name="文本占位符 1"/>
+          <p:cNvSpPr>
+            <a:spLocks noGrp="1"/>
+          </p:cNvSpPr>
+          <p:nvPr>
+            <p:ph type="body" sz="quarter" idx="10"/>
+          </p:nvPr>
+        </p:nvSpPr>
+        <p:spPr>
+          <a:xfrm>
+            <a:off x="289608" y="217489"/>
+            <a:ext cx="7098163" cy="583565"/>
+          </a:xfrm>
+        </p:spPr>
+        <p:txBody>
+          <a:bodyPr/>
+          <a:lstStyle/>
+          <a:p>
+            <a:r>
+              <a:rPr lang="zh-CN" altLang="en-US" dirty="0"/>
+              <a:t>贡献点</a:t>
+            </a:r>
+            <a:endParaRPr lang="zh-CN" altLang="en-US" dirty="0"/>
+          </a:p>
+        </p:txBody>
+      </p:sp>
+      <p:graphicFrame>
+        <p:nvGraphicFramePr>
+          <p:cNvPr id="5" name="对象 4">
+            <a:hlinkClick r:id="" action="ppaction://ole?verb="/>
+          </p:cNvPr>
+          <p:cNvGraphicFramePr>
+            <a:graphicFrameLocks noChangeAspect="1"/>
+          </p:cNvGraphicFramePr>
+          <p:nvPr/>
+        </p:nvGraphicFramePr>
+        <p:xfrm>
+          <a:off x="4114800" y="3321050"/>
+          <a:ext cx="914400" cy="215900"/>
+        </p:xfrm>
+        <a:graphic>
+          <a:graphicData uri="http://schemas.openxmlformats.org/presentationml/2006/ole">
+            <mc:AlternateContent xmlns:mc="http://schemas.openxmlformats.org/markup-compatibility/2006">
+              <mc:Choice xmlns:v="urn:schemas-microsoft-com:vml" Requires="v">
+                <p:oleObj spid="_x0000_s2049" name="" r:id="rId1" imgW="914400" imgH="215900" progId="Equation.KSEE3">
+                  <p:embed/>
+                </p:oleObj>
+              </mc:Choice>
+              <mc:Fallback>
+                <p:oleObj name="" r:id="rId1" imgW="914400" imgH="215900" progId="Equation.KSEE3">
+                  <p:embed/>
+                  <p:pic>
+                    <p:nvPicPr>
+                      <p:cNvPr id="0" name="图片 2048"/>
+                      <p:cNvPicPr/>
+                      <p:nvPr/>
+                    </p:nvPicPr>
+                    <p:blipFill>
+                      <a:blip r:embed="rId2"/>
+                      <a:stretch>
+                        <a:fillRect/>
+                      </a:stretch>
+                    </p:blipFill>
+                    <p:spPr>
+                      <a:xfrm>
+                        <a:off x="4114800" y="3321050"/>
+                        <a:ext cx="914400" cy="215900"/>
+                      </a:xfrm>
+                      <a:prstGeom prst="rect">
+                        <a:avLst/>
+                      </a:prstGeom>
+                    </p:spPr>
+                  </p:pic>
+                </p:oleObj>
+              </mc:Fallback>
+            </mc:AlternateContent>
+          </a:graphicData>
+        </a:graphic>
+      </p:graphicFrame>
+      <p:sp>
+        <p:nvSpPr>
+          <p:cNvPr id="7" name="文本框 6"/>
+          <p:cNvSpPr txBox="1"/>
+          <p:nvPr/>
+        </p:nvSpPr>
+        <p:spPr>
+          <a:xfrm>
+            <a:off x="454025" y="1360805"/>
+            <a:ext cx="8236585" cy="398780"/>
+          </a:xfrm>
+          <a:prstGeom prst="rect">
+            <a:avLst/>
+          </a:prstGeom>
+          <a:noFill/>
+        </p:spPr>
+        <p:txBody>
+          <a:bodyPr wrap="square" rtlCol="0">
+            <a:spAutoFit/>
+          </a:bodyPr>
+          <a:p>
+            <a:endParaRPr lang="zh-CN" altLang="en-US" sz="2000" dirty="0">
+              <a:solidFill>
+                <a:schemeClr val="tx1">
+                  <a:lumMod val="75000"/>
+                  <a:lumOff val="25000"/>
+                </a:schemeClr>
+              </a:solidFill>
+              <a:latin typeface="微软雅黑" panose="020B0503020204020204" pitchFamily="34" charset="-122"/>
+              <a:ea typeface="微软雅黑" panose="020B0503020204020204" pitchFamily="34" charset="-122"/>
+              <a:sym typeface="+mn-ea"/>
+            </a:endParaRPr>
+          </a:p>
+        </p:txBody>
+      </p:sp>
+      <p:sp>
+        <p:nvSpPr>
+          <p:cNvPr id="2" name="文本框 1"/>
+          <p:cNvSpPr txBox="1"/>
+          <p:nvPr/>
+        </p:nvSpPr>
+        <p:spPr>
+          <a:xfrm>
+            <a:off x="983615" y="3964305"/>
+            <a:ext cx="7623175" cy="2306955"/>
+          </a:xfrm>
+          <a:prstGeom prst="rect">
+            <a:avLst/>
+          </a:prstGeom>
+          <a:noFill/>
+        </p:spPr>
+        <p:txBody>
+          <a:bodyPr wrap="square" rtlCol="0">
+            <a:spAutoFit/>
+          </a:bodyPr>
+          <a:p>
+            <a:pPr marL="342900" indent="-342900">
+              <a:buAutoNum type="arabicPeriod"/>
+            </a:pPr>
+            <a:r>
+              <a:rPr lang="en-US" altLang="zh-CN" sz="2400"/>
+              <a:t>  </a:t>
+            </a:r>
+            <a:r>
+              <a:rPr lang="zh-CN" altLang="en-US" sz="2400"/>
+              <a:t>提出统一框架，来对一个网络谣言</a:t>
+            </a:r>
+            <a:r>
+              <a:rPr lang="zh-CN" altLang="en-US" sz="2400"/>
+              <a:t>源定位。</a:t>
+            </a:r>
+            <a:endParaRPr lang="zh-CN" altLang="en-US" sz="2400"/>
+          </a:p>
+          <a:p>
+            <a:pPr marL="342900" indent="-342900">
+              <a:buAutoNum type="arabicPeriod"/>
+            </a:pPr>
+            <a:r>
+              <a:rPr lang="zh-CN" altLang="en-US" sz="2400"/>
+              <a:t>  不需要提前知道源个数。</a:t>
+            </a:r>
+            <a:endParaRPr lang="zh-CN" altLang="en-US" sz="2400"/>
+          </a:p>
+          <a:p>
+            <a:pPr marL="342900" indent="-342900">
+              <a:buAutoNum type="arabicPeriod"/>
+            </a:pPr>
+            <a:r>
+              <a:rPr lang="zh-CN" altLang="en-US" sz="2400"/>
+              <a:t> 对感染区域重合的多源感染区域分区，第一次提出</a:t>
+            </a:r>
+            <a:r>
+              <a:rPr lang="zh-CN" altLang="en-US" sz="2400">
+                <a:sym typeface="+mn-ea"/>
+              </a:rPr>
+              <a:t>分 区</a:t>
+            </a:r>
+            <a:r>
+              <a:rPr lang="zh-CN" altLang="en-US" sz="2400"/>
+              <a:t>评价函数，拟合多源中的单源传播区域</a:t>
+            </a:r>
+            <a:endParaRPr lang="zh-CN" altLang="en-US" sz="2400"/>
+          </a:p>
+          <a:p>
+            <a:pPr marL="342900" indent="-342900">
+              <a:buAutoNum type="arabicPeriod"/>
+            </a:pPr>
+            <a:r>
+              <a:rPr lang="zh-CN" altLang="en-US" sz="2400"/>
+              <a:t> 实验效果在多</a:t>
+            </a:r>
+            <a:r>
+              <a:rPr lang="zh-CN" altLang="en-US" sz="2400"/>
+              <a:t>源定位上优于现有方法</a:t>
+            </a:r>
+            <a:endParaRPr lang="zh-CN" altLang="en-US" sz="2400"/>
+          </a:p>
+          <a:p>
+            <a:pPr marL="342900" indent="-342900">
+              <a:buAutoNum type="arabicPeriod"/>
+            </a:pPr>
+            <a:r>
+              <a:rPr lang="en-US" altLang="zh-CN" sz="2400"/>
+              <a:t> jaya</a:t>
+            </a:r>
+            <a:r>
+              <a:rPr lang="zh-CN" altLang="en-US" sz="2400"/>
+              <a:t>算法贪心快速定位较好</a:t>
+            </a:r>
+            <a:r>
+              <a:rPr lang="en-US" altLang="zh-CN" sz="2400"/>
+              <a:t>u1</a:t>
+            </a:r>
+            <a:r>
+              <a:rPr lang="zh-CN" altLang="en-US" sz="2400"/>
+              <a:t>、</a:t>
+            </a:r>
+            <a:r>
+              <a:rPr lang="en-US" altLang="zh-CN" sz="2400"/>
+              <a:t>u2</a:t>
+            </a:r>
+            <a:r>
+              <a:rPr lang="zh-CN" altLang="en-US" sz="2400"/>
+              <a:t>至</a:t>
+            </a:r>
+            <a:r>
+              <a:rPr lang="en-US" altLang="zh-CN" sz="2400"/>
+              <a:t>u</a:t>
+            </a:r>
+            <a:r>
+              <a:rPr lang="en-US" altLang="zh-CN" sz="2400"/>
+              <a:t>*</a:t>
+            </a:r>
+            <a:r>
+              <a:rPr lang="zh-CN" altLang="en-US" sz="2400"/>
+              <a:t>。</a:t>
+            </a:r>
+            <a:endParaRPr lang="zh-CN" altLang="en-US" sz="2400"/>
+          </a:p>
+        </p:txBody>
+      </p:sp>
     </p:spTree>
   </p:cSld>
   <p:clrMapOvr>
@@ -14458,6 +16045,14 @@
               <a:rPr lang="zh-CN" altLang="en-US"/>
               <a:t>缺点：需要预先知道源点个数</a:t>
             </a:r>
+            <a:r>
+              <a:rPr lang="en-US" altLang="zh-CN"/>
+              <a:t>,</a:t>
+            </a:r>
+            <a:r>
+              <a:rPr lang="zh-CN" altLang="en-US"/>
+              <a:t>终止条件未能很好收敛</a:t>
+            </a:r>
             <a:endParaRPr lang="zh-CN" altLang="en-US"/>
           </a:p>
         </p:txBody>
@@ -14552,83 +16147,6 @@
           <a:bodyPr rtlCol="0" anchor="ctr"/>
           <a:p>
             <a:pPr algn="ctr"/>
-            <a:endParaRPr lang="zh-CN" altLang="en-US"/>
-          </a:p>
-        </p:txBody>
-      </p:sp>
-      <p:cxnSp>
-        <p:nvCxnSpPr>
-          <p:cNvPr id="12" name="直接箭头连接符 11"/>
-          <p:cNvCxnSpPr>
-            <a:stCxn id="9" idx="7"/>
-          </p:cNvCxnSpPr>
-          <p:nvPr/>
-        </p:nvCxnSpPr>
-        <p:spPr>
-          <a:xfrm>
-            <a:off x="3491230" y="1923415"/>
-            <a:ext cx="1759585" cy="17145"/>
-          </a:xfrm>
-          <a:prstGeom prst="straightConnector1">
-            <a:avLst/>
-          </a:prstGeom>
-          <a:ln>
-            <a:headEnd type="arrow" w="med" len="med"/>
-            <a:tailEnd type="arrow" w="med" len="med"/>
-          </a:ln>
-        </p:spPr>
-        <p:style>
-          <a:lnRef idx="3">
-            <a:schemeClr val="accent6"/>
-          </a:lnRef>
-          <a:fillRef idx="0">
-            <a:schemeClr val="accent6"/>
-          </a:fillRef>
-          <a:effectRef idx="2">
-            <a:schemeClr val="accent6"/>
-          </a:effectRef>
-          <a:fontRef idx="minor">
-            <a:schemeClr val="tx1"/>
-          </a:fontRef>
-        </p:style>
-      </p:cxnSp>
-      <p:sp>
-        <p:nvSpPr>
-          <p:cNvPr id="13" name="文本框 12"/>
-          <p:cNvSpPr txBox="1"/>
-          <p:nvPr/>
-        </p:nvSpPr>
-        <p:spPr>
-          <a:xfrm>
-            <a:off x="5089525" y="1703705"/>
-            <a:ext cx="3278505" cy="368300"/>
-          </a:xfrm>
-          <a:prstGeom prst="rect">
-            <a:avLst/>
-          </a:prstGeom>
-          <a:noFill/>
-        </p:spPr>
-        <p:txBody>
-          <a:bodyPr wrap="square" rtlCol="0">
-            <a:spAutoFit/>
-          </a:bodyPr>
-          <a:p>
-            <a:r>
-              <a:rPr lang="en-US" altLang="zh-CN"/>
-              <a:t>(u1,h1)</a:t>
-            </a:r>
-            <a:r>
-              <a:rPr lang="zh-CN" altLang="en-US"/>
-              <a:t>对应</a:t>
-            </a:r>
-            <a:r>
-              <a:rPr lang="en-US" altLang="zh-CN"/>
-              <a:t>BFS</a:t>
-            </a:r>
-            <a:r>
-              <a:rPr lang="zh-CN" altLang="en-US"/>
-              <a:t>树</a:t>
-            </a:r>
             <a:endParaRPr lang="zh-CN" altLang="en-US"/>
           </a:p>
         </p:txBody>
@@ -14716,8 +16234,8 @@
         </p:nvSpPr>
         <p:spPr>
           <a:xfrm>
-            <a:off x="1904365" y="1768475"/>
-            <a:ext cx="1748155" cy="1477645"/>
+            <a:off x="1701165" y="1768475"/>
+            <a:ext cx="1951355" cy="1647825"/>
           </a:xfrm>
           <a:prstGeom prst="ellipse">
             <a:avLst/>
@@ -14810,7 +16328,7 @@
         </p:nvCxnSpPr>
         <p:spPr>
           <a:xfrm>
-            <a:off x="3493770" y="1923415"/>
+            <a:off x="3493770" y="1966595"/>
             <a:ext cx="1759585" cy="17145"/>
           </a:xfrm>
           <a:prstGeom prst="straightConnector1">
@@ -14844,7 +16362,7 @@
         </p:nvSpPr>
         <p:spPr>
           <a:xfrm>
-            <a:off x="5092065" y="1703705"/>
+            <a:off x="5193665" y="1768475"/>
             <a:ext cx="3278505" cy="645160"/>
           </a:xfrm>
           <a:prstGeom prst="rect">
@@ -14860,6 +16378,10 @@
             <a:r>
               <a:rPr lang="en-US" altLang="zh-CN"/>
               <a:t>(u1,h1)</a:t>
+            </a:r>
+            <a:r>
+              <a:rPr lang="zh-CN" altLang="en-US"/>
+              <a:t>为</a:t>
             </a:r>
             <a:r>
               <a:rPr lang="zh-CN" altLang="en-US"/>
@@ -15043,74 +16565,146 @@
           </a:p>
         </p:txBody>
       </p:sp>
-      <p:cxnSp>
-        <p:nvCxnSpPr>
-          <p:cNvPr id="25" name="直接箭头连接符 24"/>
-          <p:cNvCxnSpPr/>
+      <p:sp>
+        <p:nvSpPr>
+          <p:cNvPr id="29" name="文本框 28"/>
+          <p:cNvSpPr txBox="1"/>
           <p:nvPr/>
-        </p:nvCxnSpPr>
+        </p:nvSpPr>
         <p:spPr>
           <a:xfrm>
-            <a:off x="1903730" y="3594735"/>
-            <a:ext cx="3072130" cy="112395"/>
+            <a:off x="1096010" y="5037455"/>
+            <a:ext cx="6184900" cy="368300"/>
           </a:xfrm>
-          <a:prstGeom prst="straightConnector1">
+          <a:prstGeom prst="rect">
             <a:avLst/>
           </a:prstGeom>
-          <a:ln>
-            <a:headEnd type="arrow" w="med" len="med"/>
-            <a:tailEnd type="arrow" w="med" len="med"/>
-          </a:ln>
+          <a:noFill/>
         </p:spPr>
-        <p:style>
-          <a:lnRef idx="3">
-            <a:schemeClr val="accent6"/>
-          </a:lnRef>
-          <a:fillRef idx="0">
-            <a:schemeClr val="accent6"/>
-          </a:fillRef>
-          <a:effectRef idx="2">
-            <a:schemeClr val="accent6"/>
-          </a:effectRef>
-          <a:fontRef idx="minor">
-            <a:schemeClr val="tx1"/>
-          </a:fontRef>
-        </p:style>
-      </p:cxnSp>
-      <p:cxnSp>
-        <p:nvCxnSpPr>
-          <p:cNvPr id="27" name="直接箭头连接符 26"/>
-          <p:cNvCxnSpPr/>
+        <p:txBody>
+          <a:bodyPr wrap="square" rtlCol="0">
+            <a:spAutoFit/>
+          </a:bodyPr>
+          <a:p>
+            <a:r>
+              <a:rPr lang="zh-CN" altLang="en-US"/>
+              <a:t>源点为</a:t>
+            </a:r>
+            <a:r>
+              <a:rPr lang="en-US" altLang="zh-CN"/>
+              <a:t>2</a:t>
+            </a:r>
+            <a:r>
+              <a:rPr lang="zh-CN" altLang="en-US"/>
+              <a:t>情况：使用</a:t>
+            </a:r>
+            <a:r>
+              <a:rPr lang="en-US" altLang="zh-CN"/>
+              <a:t>(u1,h1)</a:t>
+            </a:r>
+            <a:r>
+              <a:rPr lang="zh-CN" altLang="en-US"/>
+              <a:t>和</a:t>
+            </a:r>
+            <a:r>
+              <a:rPr lang="en-US" altLang="zh-CN">
+                <a:sym typeface="+mn-ea"/>
+              </a:rPr>
+              <a:t>(u1*,h1*)</a:t>
+            </a:r>
+            <a:r>
+              <a:rPr lang="zh-CN" altLang="en-US"/>
+              <a:t>去拟合传播区域</a:t>
+            </a:r>
+            <a:endParaRPr lang="zh-CN" altLang="en-US"/>
+          </a:p>
+        </p:txBody>
+      </p:sp>
+      <p:sp>
+        <p:nvSpPr>
+          <p:cNvPr id="31" name="文本框 30"/>
+          <p:cNvSpPr txBox="1"/>
           <p:nvPr/>
-        </p:nvCxnSpPr>
+        </p:nvSpPr>
         <p:spPr>
           <a:xfrm>
-            <a:off x="3493770" y="1915160"/>
-            <a:ext cx="1759585" cy="17145"/>
+            <a:off x="1044575" y="5507355"/>
+            <a:ext cx="7799070" cy="368300"/>
           </a:xfrm>
-          <a:prstGeom prst="straightConnector1">
+          <a:prstGeom prst="rect">
             <a:avLst/>
           </a:prstGeom>
-          <a:ln>
-            <a:headEnd type="arrow" w="med" len="med"/>
-            <a:tailEnd type="arrow" w="med" len="med"/>
-          </a:ln>
+          <a:noFill/>
         </p:spPr>
-        <p:style>
-          <a:lnRef idx="3">
-            <a:schemeClr val="accent6"/>
-          </a:lnRef>
-          <a:fillRef idx="0">
-            <a:schemeClr val="accent6"/>
-          </a:fillRef>
-          <a:effectRef idx="2">
-            <a:schemeClr val="accent6"/>
-          </a:effectRef>
-          <a:fontRef idx="minor">
-            <a:schemeClr val="tx1"/>
-          </a:fontRef>
-        </p:style>
-      </p:cxnSp>
+        <p:txBody>
+          <a:bodyPr wrap="square" rtlCol="0">
+            <a:spAutoFit/>
+          </a:bodyPr>
+          <a:p>
+            <a:r>
+              <a:rPr lang="zh-CN" altLang="en-US"/>
+              <a:t>增大</a:t>
+            </a:r>
+            <a:r>
+              <a:rPr lang="en-US" altLang="zh-CN"/>
+              <a:t>h</a:t>
+            </a:r>
+            <a:r>
+              <a:rPr lang="zh-CN" altLang="en-US"/>
+              <a:t>，换</a:t>
+            </a:r>
+            <a:r>
+              <a:rPr lang="en-US" altLang="zh-CN"/>
+              <a:t>u</a:t>
+            </a:r>
+            <a:r>
+              <a:rPr lang="zh-CN" altLang="en-US"/>
+              <a:t>。使用</a:t>
+            </a:r>
+            <a:r>
+              <a:rPr lang="en-US" altLang="zh-CN"/>
+              <a:t>(</a:t>
+            </a:r>
+            <a:r>
+              <a:rPr lang="en-US" altLang="zh-CN">
+                <a:sym typeface="+mn-ea"/>
+              </a:rPr>
+              <a:t>u2,h2</a:t>
+            </a:r>
+            <a:r>
+              <a:rPr lang="en-US" altLang="zh-CN"/>
+              <a:t>)</a:t>
+            </a:r>
+            <a:r>
+              <a:rPr lang="zh-CN" altLang="en-US"/>
+              <a:t>和</a:t>
+            </a:r>
+            <a:r>
+              <a:rPr lang="en-US" altLang="zh-CN"/>
+              <a:t>(</a:t>
+            </a:r>
+            <a:r>
+              <a:rPr lang="en-US" altLang="zh-CN">
+                <a:sym typeface="+mn-ea"/>
+              </a:rPr>
+              <a:t>u2*,h2*</a:t>
+            </a:r>
+            <a:r>
+              <a:rPr lang="en-US" altLang="zh-CN"/>
+              <a:t>)</a:t>
+            </a:r>
+            <a:r>
+              <a:rPr lang="zh-CN" altLang="en-US"/>
+              <a:t>去拟合传播区域。直到</a:t>
+            </a:r>
+            <a:r>
+              <a:rPr lang="en-US" altLang="zh-CN"/>
+              <a:t>d(u1,u2)&lt;n</a:t>
+            </a:r>
+            <a:endParaRPr lang="zh-CN" altLang="en-US"/>
+          </a:p>
+        </p:txBody>
+      </p:sp>
     </p:spTree>
   </p:cSld>
   <p:clrMapOvr>
@@ -15119,11 +16713,634 @@
   <p:timing>
     <p:tnLst>
       <p:par>
-        <p:cTn id="1" dur="indefinite" restart="never" nodeType="tmRoot"/>
+        <p:cTn id="1" dur="indefinite" restart="never" nodeType="tmRoot">
+          <p:childTnLst>
+            <p:seq concurrent="1" nextAc="seek">
+              <p:cTn id="2" dur="indefinite" nodeType="mainSeq">
+                <p:childTnLst>
+                  <p:par>
+                    <p:cTn id="3" fill="hold">
+                      <p:stCondLst>
+                        <p:cond delay="indefinite"/>
+                      </p:stCondLst>
+                      <p:childTnLst>
+                        <p:par>
+                          <p:cTn id="4" fill="hold">
+                            <p:stCondLst>
+                              <p:cond delay="0"/>
+                            </p:stCondLst>
+                            <p:childTnLst>
+                              <p:par>
+                                <p:cTn id="5" presetID="3" presetClass="exit" presetSubtype="10" fill="hold" grpId="0" nodeType="clickEffect">
+                                  <p:stCondLst>
+                                    <p:cond delay="0"/>
+                                  </p:stCondLst>
+                                  <p:childTnLst>
+                                    <p:animEffect transition="out" filter="blinds(horizontal)">
+                                      <p:cBhvr>
+                                        <p:cTn id="6" dur="500"/>
+                                        <p:tgtEl>
+                                          <p:spTgt spid="15"/>
+                                        </p:tgtEl>
+                                      </p:cBhvr>
+                                    </p:animEffect>
+                                    <p:set>
+                                      <p:cBhvr>
+                                        <p:cTn id="7" dur="1" fill="hold">
+                                          <p:stCondLst>
+                                            <p:cond delay="499"/>
+                                          </p:stCondLst>
+                                        </p:cTn>
+                                        <p:tgtEl>
+                                          <p:spTgt spid="15"/>
+                                        </p:tgtEl>
+                                        <p:attrNameLst>
+                                          <p:attrName>style.visibility</p:attrName>
+                                        </p:attrNameLst>
+                                      </p:cBhvr>
+                                      <p:to>
+                                        <p:strVal val="hidden"/>
+                                      </p:to>
+                                    </p:set>
+                                  </p:childTnLst>
+                                </p:cTn>
+                              </p:par>
+                              <p:par>
+                                <p:cTn id="8" presetID="3" presetClass="exit" presetSubtype="10" fill="hold" nodeType="withEffect">
+                                  <p:stCondLst>
+                                    <p:cond delay="0"/>
+                                  </p:stCondLst>
+                                  <p:childTnLst>
+                                    <p:animEffect transition="out" filter="blinds(horizontal)">
+                                      <p:cBhvr>
+                                        <p:cTn id="9" dur="500"/>
+                                        <p:tgtEl>
+                                          <p:spTgt spid="14"/>
+                                        </p:tgtEl>
+                                      </p:cBhvr>
+                                    </p:animEffect>
+                                    <p:set>
+                                      <p:cBhvr>
+                                        <p:cTn id="10" dur="1" fill="hold">
+                                          <p:stCondLst>
+                                            <p:cond delay="499"/>
+                                          </p:stCondLst>
+                                        </p:cTn>
+                                        <p:tgtEl>
+                                          <p:spTgt spid="14"/>
+                                        </p:tgtEl>
+                                        <p:attrNameLst>
+                                          <p:attrName>style.visibility</p:attrName>
+                                        </p:attrNameLst>
+                                      </p:cBhvr>
+                                      <p:to>
+                                        <p:strVal val="hidden"/>
+                                      </p:to>
+                                    </p:set>
+                                  </p:childTnLst>
+                                </p:cTn>
+                              </p:par>
+                              <p:par>
+                                <p:cTn id="11" presetID="3" presetClass="exit" presetSubtype="10" fill="hold" grpId="0" nodeType="withEffect">
+                                  <p:stCondLst>
+                                    <p:cond delay="0"/>
+                                  </p:stCondLst>
+                                  <p:childTnLst>
+                                    <p:animEffect transition="out" filter="blinds(horizontal)">
+                                      <p:cBhvr>
+                                        <p:cTn id="12" dur="500"/>
+                                        <p:tgtEl>
+                                          <p:spTgt spid="10"/>
+                                        </p:tgtEl>
+                                      </p:cBhvr>
+                                    </p:animEffect>
+                                    <p:set>
+                                      <p:cBhvr>
+                                        <p:cTn id="13" dur="1" fill="hold">
+                                          <p:stCondLst>
+                                            <p:cond delay="499"/>
+                                          </p:stCondLst>
+                                        </p:cTn>
+                                        <p:tgtEl>
+                                          <p:spTgt spid="10"/>
+                                        </p:tgtEl>
+                                        <p:attrNameLst>
+                                          <p:attrName>style.visibility</p:attrName>
+                                        </p:attrNameLst>
+                                      </p:cBhvr>
+                                      <p:to>
+                                        <p:strVal val="hidden"/>
+                                      </p:to>
+                                    </p:set>
+                                  </p:childTnLst>
+                                </p:cTn>
+                              </p:par>
+                              <p:par>
+                                <p:cTn id="14" presetID="3" presetClass="exit" presetSubtype="10" fill="hold" grpId="0" nodeType="withEffect">
+                                  <p:stCondLst>
+                                    <p:cond delay="0"/>
+                                  </p:stCondLst>
+                                  <p:childTnLst>
+                                    <p:animEffect transition="out" filter="blinds(horizontal)">
+                                      <p:cBhvr>
+                                        <p:cTn id="15" dur="500"/>
+                                        <p:tgtEl>
+                                          <p:spTgt spid="29"/>
+                                        </p:tgtEl>
+                                      </p:cBhvr>
+                                    </p:animEffect>
+                                    <p:set>
+                                      <p:cBhvr>
+                                        <p:cTn id="16" dur="1" fill="hold">
+                                          <p:stCondLst>
+                                            <p:cond delay="499"/>
+                                          </p:stCondLst>
+                                        </p:cTn>
+                                        <p:tgtEl>
+                                          <p:spTgt spid="29"/>
+                                        </p:tgtEl>
+                                        <p:attrNameLst>
+                                          <p:attrName>style.visibility</p:attrName>
+                                        </p:attrNameLst>
+                                      </p:cBhvr>
+                                      <p:to>
+                                        <p:strVal val="hidden"/>
+                                      </p:to>
+                                    </p:set>
+                                  </p:childTnLst>
+                                </p:cTn>
+                              </p:par>
+                              <p:par>
+                                <p:cTn id="17" presetID="3" presetClass="exit" presetSubtype="10" fill="hold" grpId="0" nodeType="withEffect">
+                                  <p:stCondLst>
+                                    <p:cond delay="0"/>
+                                  </p:stCondLst>
+                                  <p:childTnLst>
+                                    <p:animEffect transition="out" filter="blinds(horizontal)">
+                                      <p:cBhvr>
+                                        <p:cTn id="18" dur="500"/>
+                                        <p:tgtEl>
+                                          <p:spTgt spid="19"/>
+                                        </p:tgtEl>
+                                      </p:cBhvr>
+                                    </p:animEffect>
+                                    <p:set>
+                                      <p:cBhvr>
+                                        <p:cTn id="19" dur="1" fill="hold">
+                                          <p:stCondLst>
+                                            <p:cond delay="499"/>
+                                          </p:stCondLst>
+                                        </p:cTn>
+                                        <p:tgtEl>
+                                          <p:spTgt spid="19"/>
+                                        </p:tgtEl>
+                                        <p:attrNameLst>
+                                          <p:attrName>style.visibility</p:attrName>
+                                        </p:attrNameLst>
+                                      </p:cBhvr>
+                                      <p:to>
+                                        <p:strVal val="hidden"/>
+                                      </p:to>
+                                    </p:set>
+                                  </p:childTnLst>
+                                </p:cTn>
+                              </p:par>
+                              <p:par>
+                                <p:cTn id="20" presetID="3" presetClass="exit" presetSubtype="10" fill="hold" nodeType="withEffect">
+                                  <p:stCondLst>
+                                    <p:cond delay="0"/>
+                                  </p:stCondLst>
+                                  <p:childTnLst>
+                                    <p:animEffect transition="out" filter="blinds(horizontal)">
+                                      <p:cBhvr>
+                                        <p:cTn id="21" dur="500"/>
+                                        <p:tgtEl>
+                                          <p:spTgt spid="18"/>
+                                        </p:tgtEl>
+                                      </p:cBhvr>
+                                    </p:animEffect>
+                                    <p:set>
+                                      <p:cBhvr>
+                                        <p:cTn id="22" dur="1" fill="hold">
+                                          <p:stCondLst>
+                                            <p:cond delay="499"/>
+                                          </p:stCondLst>
+                                        </p:cTn>
+                                        <p:tgtEl>
+                                          <p:spTgt spid="18"/>
+                                        </p:tgtEl>
+                                        <p:attrNameLst>
+                                          <p:attrName>style.visibility</p:attrName>
+                                        </p:attrNameLst>
+                                      </p:cBhvr>
+                                      <p:to>
+                                        <p:strVal val="hidden"/>
+                                      </p:to>
+                                    </p:set>
+                                  </p:childTnLst>
+                                </p:cTn>
+                              </p:par>
+                              <p:par>
+                                <p:cTn id="23" presetID="3" presetClass="exit" presetSubtype="10" fill="hold" grpId="0" nodeType="withEffect">
+                                  <p:stCondLst>
+                                    <p:cond delay="0"/>
+                                  </p:stCondLst>
+                                  <p:childTnLst>
+                                    <p:animEffect transition="out" filter="blinds(horizontal)">
+                                      <p:cBhvr>
+                                        <p:cTn id="24" dur="500"/>
+                                        <p:tgtEl>
+                                          <p:spTgt spid="9"/>
+                                        </p:tgtEl>
+                                      </p:cBhvr>
+                                    </p:animEffect>
+                                    <p:set>
+                                      <p:cBhvr>
+                                        <p:cTn id="25" dur="1" fill="hold">
+                                          <p:stCondLst>
+                                            <p:cond delay="499"/>
+                                          </p:stCondLst>
+                                        </p:cTn>
+                                        <p:tgtEl>
+                                          <p:spTgt spid="9"/>
+                                        </p:tgtEl>
+                                        <p:attrNameLst>
+                                          <p:attrName>style.visibility</p:attrName>
+                                        </p:attrNameLst>
+                                      </p:cBhvr>
+                                      <p:to>
+                                        <p:strVal val="hidden"/>
+                                      </p:to>
+                                    </p:set>
+                                  </p:childTnLst>
+                                </p:cTn>
+                              </p:par>
+                            </p:childTnLst>
+                          </p:cTn>
+                        </p:par>
+                      </p:childTnLst>
+                    </p:cTn>
+                  </p:par>
+                  <p:par>
+                    <p:cTn id="26" fill="hold">
+                      <p:stCondLst>
+                        <p:cond delay="indefinite"/>
+                      </p:stCondLst>
+                      <p:childTnLst>
+                        <p:par>
+                          <p:cTn id="27" fill="hold">
+                            <p:stCondLst>
+                              <p:cond delay="0"/>
+                            </p:stCondLst>
+                            <p:childTnLst>
+                              <p:par>
+                                <p:cTn id="28" presetID="3" presetClass="entr" presetSubtype="10" fill="hold" grpId="0" nodeType="clickEffect">
+                                  <p:stCondLst>
+                                    <p:cond delay="0"/>
+                                  </p:stCondLst>
+                                  <p:childTnLst>
+                                    <p:set>
+                                      <p:cBhvr>
+                                        <p:cTn id="29" dur="1" fill="hold">
+                                          <p:stCondLst>
+                                            <p:cond delay="0"/>
+                                          </p:stCondLst>
+                                        </p:cTn>
+                                        <p:tgtEl>
+                                          <p:spTgt spid="31"/>
+                                        </p:tgtEl>
+                                        <p:attrNameLst>
+                                          <p:attrName>style.visibility</p:attrName>
+                                        </p:attrNameLst>
+                                      </p:cBhvr>
+                                      <p:to>
+                                        <p:strVal val="visible"/>
+                                      </p:to>
+                                    </p:set>
+                                    <p:animEffect transition="in" filter="blinds(horizontal)">
+                                      <p:cBhvr>
+                                        <p:cTn id="30" dur="500"/>
+                                        <p:tgtEl>
+                                          <p:spTgt spid="31"/>
+                                        </p:tgtEl>
+                                      </p:cBhvr>
+                                    </p:animEffect>
+                                  </p:childTnLst>
+                                </p:cTn>
+                              </p:par>
+                              <p:par>
+                                <p:cTn id="31" presetID="3" presetClass="entr" presetSubtype="10" fill="hold" grpId="0" nodeType="withEffect">
+                                  <p:stCondLst>
+                                    <p:cond delay="0"/>
+                                  </p:stCondLst>
+                                  <p:childTnLst>
+                                    <p:set>
+                                      <p:cBhvr>
+                                        <p:cTn id="32" dur="1" fill="hold">
+                                          <p:stCondLst>
+                                            <p:cond delay="0"/>
+                                          </p:stCondLst>
+                                        </p:cTn>
+                                        <p:tgtEl>
+                                          <p:spTgt spid="23"/>
+                                        </p:tgtEl>
+                                        <p:attrNameLst>
+                                          <p:attrName>style.visibility</p:attrName>
+                                        </p:attrNameLst>
+                                      </p:cBhvr>
+                                      <p:to>
+                                        <p:strVal val="visible"/>
+                                      </p:to>
+                                    </p:set>
+                                    <p:animEffect transition="in" filter="blinds(horizontal)">
+                                      <p:cBhvr>
+                                        <p:cTn id="33" dur="500"/>
+                                        <p:tgtEl>
+                                          <p:spTgt spid="23"/>
+                                        </p:tgtEl>
+                                      </p:cBhvr>
+                                    </p:animEffect>
+                                  </p:childTnLst>
+                                </p:cTn>
+                              </p:par>
+                              <p:par>
+                                <p:cTn id="34" presetID="3" presetClass="entr" presetSubtype="10" fill="hold" nodeType="withEffect">
+                                  <p:stCondLst>
+                                    <p:cond delay="0"/>
+                                  </p:stCondLst>
+                                  <p:childTnLst>
+                                    <p:set>
+                                      <p:cBhvr>
+                                        <p:cTn id="35" dur="1" fill="hold">
+                                          <p:stCondLst>
+                                            <p:cond delay="0"/>
+                                          </p:stCondLst>
+                                        </p:cTn>
+                                        <p:tgtEl>
+                                          <p:spTgt spid="22"/>
+                                        </p:tgtEl>
+                                        <p:attrNameLst>
+                                          <p:attrName>style.visibility</p:attrName>
+                                        </p:attrNameLst>
+                                      </p:cBhvr>
+                                      <p:to>
+                                        <p:strVal val="visible"/>
+                                      </p:to>
+                                    </p:set>
+                                    <p:animEffect transition="in" filter="blinds(horizontal)">
+                                      <p:cBhvr>
+                                        <p:cTn id="36" dur="500"/>
+                                        <p:tgtEl>
+                                          <p:spTgt spid="22"/>
+                                        </p:tgtEl>
+                                      </p:cBhvr>
+                                    </p:animEffect>
+                                  </p:childTnLst>
+                                </p:cTn>
+                              </p:par>
+                              <p:par>
+                                <p:cTn id="37" presetID="3" presetClass="entr" presetSubtype="10" fill="hold" grpId="0" nodeType="withEffect">
+                                  <p:stCondLst>
+                                    <p:cond delay="0"/>
+                                  </p:stCondLst>
+                                  <p:childTnLst>
+                                    <p:set>
+                                      <p:cBhvr>
+                                        <p:cTn id="38" dur="1" fill="hold">
+                                          <p:stCondLst>
+                                            <p:cond delay="0"/>
+                                          </p:stCondLst>
+                                        </p:cTn>
+                                        <p:tgtEl>
+                                          <p:spTgt spid="17"/>
+                                        </p:tgtEl>
+                                        <p:attrNameLst>
+                                          <p:attrName>style.visibility</p:attrName>
+                                        </p:attrNameLst>
+                                      </p:cBhvr>
+                                      <p:to>
+                                        <p:strVal val="visible"/>
+                                      </p:to>
+                                    </p:set>
+                                    <p:animEffect transition="in" filter="blinds(horizontal)">
+                                      <p:cBhvr>
+                                        <p:cTn id="39" dur="500"/>
+                                        <p:tgtEl>
+                                          <p:spTgt spid="17"/>
+                                        </p:tgtEl>
+                                      </p:cBhvr>
+                                    </p:animEffect>
+                                  </p:childTnLst>
+                                </p:cTn>
+                              </p:par>
+                              <p:par>
+                                <p:cTn id="40" presetID="3" presetClass="entr" presetSubtype="10" fill="hold" grpId="0" nodeType="withEffect">
+                                  <p:stCondLst>
+                                    <p:cond delay="0"/>
+                                  </p:stCondLst>
+                                  <p:childTnLst>
+                                    <p:set>
+                                      <p:cBhvr>
+                                        <p:cTn id="41" dur="1" fill="hold">
+                                          <p:stCondLst>
+                                            <p:cond delay="0"/>
+                                          </p:stCondLst>
+                                        </p:cTn>
+                                        <p:tgtEl>
+                                          <p:spTgt spid="16"/>
+                                        </p:tgtEl>
+                                        <p:attrNameLst>
+                                          <p:attrName>style.visibility</p:attrName>
+                                        </p:attrNameLst>
+                                      </p:cBhvr>
+                                      <p:to>
+                                        <p:strVal val="visible"/>
+                                      </p:to>
+                                    </p:set>
+                                    <p:animEffect transition="in" filter="blinds(horizontal)">
+                                      <p:cBhvr>
+                                        <p:cTn id="42" dur="500"/>
+                                        <p:tgtEl>
+                                          <p:spTgt spid="16"/>
+                                        </p:tgtEl>
+                                      </p:cBhvr>
+                                    </p:animEffect>
+                                  </p:childTnLst>
+                                </p:cTn>
+                              </p:par>
+                              <p:par>
+                                <p:cTn id="43" presetID="3" presetClass="entr" presetSubtype="10" fill="hold" nodeType="withEffect">
+                                  <p:stCondLst>
+                                    <p:cond delay="0"/>
+                                  </p:stCondLst>
+                                  <p:childTnLst>
+                                    <p:set>
+                                      <p:cBhvr>
+                                        <p:cTn id="44" dur="1" fill="hold">
+                                          <p:stCondLst>
+                                            <p:cond delay="0"/>
+                                          </p:stCondLst>
+                                        </p:cTn>
+                                        <p:tgtEl>
+                                          <p:spTgt spid="20"/>
+                                        </p:tgtEl>
+                                        <p:attrNameLst>
+                                          <p:attrName>style.visibility</p:attrName>
+                                        </p:attrNameLst>
+                                      </p:cBhvr>
+                                      <p:to>
+                                        <p:strVal val="visible"/>
+                                      </p:to>
+                                    </p:set>
+                                    <p:animEffect transition="in" filter="blinds(horizontal)">
+                                      <p:cBhvr>
+                                        <p:cTn id="45" dur="500"/>
+                                        <p:tgtEl>
+                                          <p:spTgt spid="20"/>
+                                        </p:tgtEl>
+                                      </p:cBhvr>
+                                    </p:animEffect>
+                                  </p:childTnLst>
+                                </p:cTn>
+                              </p:par>
+                              <p:par>
+                                <p:cTn id="46" presetID="3" presetClass="entr" presetSubtype="10" fill="hold" grpId="0" nodeType="withEffect">
+                                  <p:stCondLst>
+                                    <p:cond delay="0"/>
+                                  </p:stCondLst>
+                                  <p:childTnLst>
+                                    <p:set>
+                                      <p:cBhvr>
+                                        <p:cTn id="47" dur="1" fill="hold">
+                                          <p:stCondLst>
+                                            <p:cond delay="0"/>
+                                          </p:stCondLst>
+                                        </p:cTn>
+                                        <p:tgtEl>
+                                          <p:spTgt spid="21"/>
+                                        </p:tgtEl>
+                                        <p:attrNameLst>
+                                          <p:attrName>style.visibility</p:attrName>
+                                        </p:attrNameLst>
+                                      </p:cBhvr>
+                                      <p:to>
+                                        <p:strVal val="visible"/>
+                                      </p:to>
+                                    </p:set>
+                                    <p:animEffect transition="in" filter="blinds(horizontal)">
+                                      <p:cBhvr>
+                                        <p:cTn id="48" dur="500"/>
+                                        <p:tgtEl>
+                                          <p:spTgt spid="21"/>
+                                        </p:tgtEl>
+                                      </p:cBhvr>
+                                    </p:animEffect>
+                                  </p:childTnLst>
+                                </p:cTn>
+                              </p:par>
+                            </p:childTnLst>
+                          </p:cTn>
+                        </p:par>
+                      </p:childTnLst>
+                    </p:cTn>
+                  </p:par>
+                  <p:par>
+                    <p:cTn id="49" fill="hold">
+                      <p:stCondLst>
+                        <p:cond delay="indefinite"/>
+                      </p:stCondLst>
+                      <p:childTnLst>
+                        <p:par>
+                          <p:cTn id="50" fill="hold">
+                            <p:stCondLst>
+                              <p:cond delay="0"/>
+                            </p:stCondLst>
+                            <p:childTnLst>
+                              <p:par>
+                                <p:cTn id="51" presetID="3" presetClass="entr" presetSubtype="10" fill="hold" grpId="0" nodeType="clickEffect">
+                                  <p:stCondLst>
+                                    <p:cond delay="0"/>
+                                  </p:stCondLst>
+                                  <p:childTnLst>
+                                    <p:set>
+                                      <p:cBhvr>
+                                        <p:cTn id="52" dur="1" fill="hold">
+                                          <p:stCondLst>
+                                            <p:cond delay="0"/>
+                                          </p:stCondLst>
+                                        </p:cTn>
+                                        <p:tgtEl>
+                                          <p:spTgt spid="7"/>
+                                        </p:tgtEl>
+                                        <p:attrNameLst>
+                                          <p:attrName>style.visibility</p:attrName>
+                                        </p:attrNameLst>
+                                      </p:cBhvr>
+                                      <p:to>
+                                        <p:strVal val="visible"/>
+                                      </p:to>
+                                    </p:set>
+                                    <p:animEffect transition="in" filter="blinds(horizontal)">
+                                      <p:cBhvr>
+                                        <p:cTn id="53" dur="500"/>
+                                        <p:tgtEl>
+                                          <p:spTgt spid="7"/>
+                                        </p:tgtEl>
+                                      </p:cBhvr>
+                                    </p:animEffect>
+                                  </p:childTnLst>
+                                </p:cTn>
+                              </p:par>
+                            </p:childTnLst>
+                          </p:cTn>
+                        </p:par>
+                      </p:childTnLst>
+                    </p:cTn>
+                  </p:par>
+                </p:childTnLst>
+              </p:cTn>
+              <p:prevCondLst>
+                <p:cond evt="onPrev" delay="0">
+                  <p:tgtEl>
+                    <p:sldTgt/>
+                  </p:tgtEl>
+                </p:cond>
+              </p:prevCondLst>
+              <p:nextCondLst>
+                <p:cond evt="onNext" delay="0">
+                  <p:tgtEl>
+                    <p:sldTgt/>
+                  </p:tgtEl>
+                </p:cond>
+              </p:nextCondLst>
+            </p:seq>
+          </p:childTnLst>
+        </p:cTn>
       </p:par>
     </p:tnLst>
     <p:bldLst>
-      <p:bldP spid="13" grpId="1"/>
+      <p:bldP spid="31" grpId="0"/>
+      <p:bldP spid="23" grpId="0"/>
+      <p:bldP spid="17" grpId="0" animBg="1"/>
+      <p:bldP spid="16" grpId="0" animBg="1"/>
+      <p:bldP spid="21" grpId="0"/>
+      <p:bldP spid="31" grpId="1"/>
+      <p:bldP spid="23" grpId="1"/>
+      <p:bldP spid="17" grpId="1" animBg="1"/>
+      <p:bldP spid="16" grpId="1" animBg="1"/>
+      <p:bldP spid="21" grpId="1"/>
+      <p:bldP spid="7" grpId="0"/>
+      <p:bldP spid="7" grpId="1"/>
+      <p:bldP spid="15" grpId="0"/>
+      <p:bldP spid="10" grpId="0" animBg="1"/>
+      <p:bldP spid="29" grpId="0"/>
+      <p:bldP spid="19" grpId="0"/>
+      <p:bldP spid="9" grpId="0" animBg="1"/>
+      <p:bldP spid="15" grpId="1"/>
+      <p:bldP spid="10" grpId="1" animBg="1"/>
+      <p:bldP spid="29" grpId="1"/>
+      <p:bldP spid="19" grpId="1"/>
+      <p:bldP spid="9" grpId="1" animBg="1"/>
     </p:bldLst>
   </p:timing>
 </p:sld>

--- a/jarden_center/main_code/single-multiple-source/baseon_setCover/鲍志强.pptx
+++ b/jarden_center/main_code/single-multiple-source/baseon_setCover/鲍志强.pptx
@@ -9,7 +9,7 @@
     <p:notesMasterId r:id="rId8"/>
   </p:notesMasterIdLst>
   <p:handoutMasterIdLst>
-    <p:handoutMasterId r:id="rId25"/>
+    <p:handoutMasterId r:id="rId26"/>
   </p:handoutMasterIdLst>
   <p:sldIdLst>
     <p:sldId id="256" r:id="rId4"/>
@@ -27,11 +27,12 @@
     <p:sldId id="392" r:id="rId17"/>
     <p:sldId id="273" r:id="rId18"/>
     <p:sldId id="334" r:id="rId19"/>
-    <p:sldId id="331" r:id="rId20"/>
-    <p:sldId id="414" r:id="rId21"/>
-    <p:sldId id="377" r:id="rId22"/>
-    <p:sldId id="378" r:id="rId23"/>
-    <p:sldId id="278" r:id="rId24"/>
+    <p:sldId id="427" r:id="rId20"/>
+    <p:sldId id="426" r:id="rId21"/>
+    <p:sldId id="414" r:id="rId22"/>
+    <p:sldId id="377" r:id="rId23"/>
+    <p:sldId id="378" r:id="rId24"/>
+    <p:sldId id="278" r:id="rId25"/>
   </p:sldIdLst>
   <p:sldSz cx="9144000" cy="6858000" type="screen4x3"/>
   <p:notesSz cx="6858000" cy="9144000"/>
@@ -839,6 +840,87 @@
 </file>
 
 <file path=ppt/notesSlides/notesSlide11.xml><?xml version="1.0" encoding="utf-8"?>
+<p:notes xmlns:a="http://schemas.openxmlformats.org/drawingml/2006/main" xmlns:r="http://schemas.openxmlformats.org/officeDocument/2006/relationships" xmlns:p="http://schemas.openxmlformats.org/presentationml/2006/main">
+  <p:cSld>
+    <p:spTree>
+      <p:nvGrpSpPr>
+        <p:cNvPr id="1" name=""/>
+        <p:cNvGrpSpPr/>
+        <p:nvPr/>
+      </p:nvGrpSpPr>
+      <p:grpSpPr>
+        <a:xfrm>
+          <a:off x="0" y="0"/>
+          <a:ext cx="0" cy="0"/>
+          <a:chOff x="0" y="0"/>
+          <a:chExt cx="0" cy="0"/>
+        </a:xfrm>
+      </p:grpSpPr>
+      <p:sp>
+        <p:nvSpPr>
+          <p:cNvPr id="2" name="幻灯片图像占位符 1"/>
+          <p:cNvSpPr>
+            <a:spLocks noGrp="1" noRot="1" noChangeAspect="1"/>
+          </p:cNvSpPr>
+          <p:nvPr>
+            <p:ph type="sldImg"/>
+          </p:nvPr>
+        </p:nvSpPr>
+        <p:spPr/>
+      </p:sp>
+      <p:sp>
+        <p:nvSpPr>
+          <p:cNvPr id="3" name="备注占位符 2"/>
+          <p:cNvSpPr>
+            <a:spLocks noGrp="1"/>
+          </p:cNvSpPr>
+          <p:nvPr>
+            <p:ph type="body" idx="1"/>
+          </p:nvPr>
+        </p:nvSpPr>
+        <p:spPr/>
+        <p:txBody>
+          <a:bodyPr/>
+          <a:lstStyle/>
+          <a:p>
+            <a:endParaRPr lang="zh-CN" altLang="en-US"/>
+          </a:p>
+          <a:p>
+            <a:endParaRPr lang="zh-CN" altLang="en-US"/>
+          </a:p>
+        </p:txBody>
+      </p:sp>
+      <p:sp>
+        <p:nvSpPr>
+          <p:cNvPr id="4" name="灯片编号占位符 3"/>
+          <p:cNvSpPr>
+            <a:spLocks noGrp="1"/>
+          </p:cNvSpPr>
+          <p:nvPr>
+            <p:ph type="sldNum" sz="quarter" idx="10"/>
+          </p:nvPr>
+        </p:nvSpPr>
+        <p:spPr/>
+        <p:txBody>
+          <a:bodyPr/>
+          <a:lstStyle/>
+          <a:p>
+            <a:fld id="{0B8D5E5B-E302-4037-973C-4553F3378864}" type="slidenum">
+              <a:rPr lang="zh-CN" altLang="en-US" smtClean="0"/>
+            </a:fld>
+            <a:endParaRPr lang="zh-CN" altLang="en-US"/>
+          </a:p>
+        </p:txBody>
+      </p:sp>
+    </p:spTree>
+  </p:cSld>
+  <p:clrMapOvr>
+    <a:masterClrMapping/>
+  </p:clrMapOvr>
+</p:notes>
+</file>
+
+<file path=ppt/notesSlides/notesSlide12.xml><?xml version="1.0" encoding="utf-8"?>
 <p:notes xmlns:a="http://schemas.openxmlformats.org/drawingml/2006/main" xmlns:r="http://schemas.openxmlformats.org/officeDocument/2006/relationships" xmlns:p="http://schemas.openxmlformats.org/presentationml/2006/main">
   <p:cSld>
     <p:spTree>
@@ -8093,38 +8175,38 @@
               <a:t>3  </a:t>
             </a:r>
             <a:r>
-              <a:rPr lang="zh-CN" altLang="en-US" sz="2000"/>
+              <a:rPr lang="zh-CN" altLang="en-US"/>
               <a:t>增大</a:t>
             </a:r>
             <a:r>
-              <a:rPr lang="en-US" altLang="zh-CN" sz="2000"/>
+              <a:rPr lang="en-US" altLang="zh-CN"/>
               <a:t>h,</a:t>
             </a:r>
             <a:r>
-              <a:rPr lang="zh-CN" altLang="en-US" sz="2000"/>
+              <a:rPr lang="zh-CN" altLang="en-US"/>
               <a:t>重复</a:t>
             </a:r>
             <a:r>
-              <a:rPr lang="en-US" altLang="zh-CN" sz="2000"/>
-              <a:t>1</a:t>
-            </a:r>
-            <a:r>
-              <a:rPr lang="zh-CN" altLang="en-US" sz="2000"/>
-              <a:t>，</a:t>
-            </a:r>
-            <a:r>
-              <a:rPr lang="en-US" altLang="zh-CN" sz="2000"/>
+              <a:rPr lang="en-US" altLang="zh-CN"/>
               <a:t>2</a:t>
             </a:r>
             <a:r>
-              <a:rPr lang="zh-CN" altLang="en-US" sz="2000"/>
-              <a:t>。取误差率最小为结果</a:t>
-            </a:r>
-            <a:r>
-              <a:rPr lang="zh-CN" altLang="en-US" sz="2000"/>
+              <a:rPr lang="zh-CN" altLang="en-US"/>
+              <a:t>。取误差率最小的</a:t>
+            </a:r>
+            <a:r>
+              <a:rPr lang="en-US" altLang="zh-CN"/>
+              <a:t>[[u1,u2...u*],[h]]</a:t>
+            </a:r>
+            <a:r>
+              <a:rPr lang="zh-CN" altLang="en-US"/>
+              <a:t>为结果</a:t>
+            </a:r>
+            <a:r>
+              <a:rPr lang="zh-CN" altLang="en-US"/>
               <a:t>。</a:t>
             </a:r>
-            <a:endParaRPr lang="en-US" altLang="zh-CN" sz="2000"/>
+            <a:endParaRPr lang="zh-CN" altLang="en-US"/>
           </a:p>
         </p:txBody>
       </p:sp>
@@ -8242,7 +8324,7 @@
         </p:nvSpPr>
         <p:spPr>
           <a:xfrm>
-            <a:off x="513715" y="3973830"/>
+            <a:off x="513715" y="3992245"/>
             <a:ext cx="6890385" cy="368300"/>
           </a:xfrm>
           <a:prstGeom prst="rect">
@@ -8260,10 +8342,10 @@
               <a:t>1  </a:t>
             </a:r>
             <a:r>
-              <a:rPr lang="zh-CN" altLang="en-US"/>
+              <a:rPr lang="zh-CN" altLang="en-US" sz="1600"/>
               <a:t>感染社区识别</a:t>
             </a:r>
-            <a:endParaRPr lang="zh-CN" altLang="en-US"/>
+            <a:endParaRPr lang="zh-CN" altLang="en-US" sz="1600"/>
           </a:p>
         </p:txBody>
       </p:sp>
@@ -8386,7 +8468,7 @@
         <p:spPr>
           <a:xfrm>
             <a:off x="440690" y="4282440"/>
-            <a:ext cx="7724140" cy="922020"/>
+            <a:ext cx="7724140" cy="860425"/>
           </a:xfrm>
           <a:prstGeom prst="rect">
             <a:avLst/>
@@ -8399,67 +8481,79 @@
           </a:bodyPr>
           <a:p>
             <a:r>
-              <a:rPr lang="en-US" altLang="zh-CN"/>
+              <a:rPr lang="en-US" altLang="zh-CN" sz="1600"/>
               <a:t> 2 </a:t>
             </a:r>
             <a:r>
-              <a:rPr lang="zh-CN" altLang="en-US">
+              <a:rPr lang="zh-CN" altLang="en-US" sz="1600">
                 <a:sym typeface="+mn-ea"/>
               </a:rPr>
               <a:t>使用</a:t>
             </a:r>
             <a:r>
-              <a:rPr lang="en-US" altLang="zh-CN">
+              <a:rPr lang="en-US" altLang="zh-CN" sz="1600">
                 <a:sym typeface="+mn-ea"/>
               </a:rPr>
               <a:t>(u,h)</a:t>
             </a:r>
             <a:r>
-              <a:rPr lang="zh-CN" altLang="en-US">
+              <a:rPr lang="zh-CN" altLang="en-US" sz="1600">
                 <a:sym typeface="+mn-ea"/>
               </a:rPr>
               <a:t>构成的</a:t>
             </a:r>
             <a:r>
-              <a:rPr lang="en-US" altLang="zh-CN">
+              <a:rPr lang="en-US" altLang="zh-CN" sz="1600">
                 <a:sym typeface="+mn-ea"/>
               </a:rPr>
               <a:t>BFS</a:t>
             </a:r>
             <a:r>
-              <a:rPr lang="zh-CN" altLang="en-US">
+              <a:rPr lang="zh-CN" altLang="en-US" sz="1600">
                 <a:sym typeface="+mn-ea"/>
               </a:rPr>
               <a:t>树结构</a:t>
             </a:r>
             <a:r>
-              <a:rPr lang="en-US" altLang="zh-CN">
+              <a:rPr lang="en-US" altLang="zh-CN" sz="1600">
                 <a:sym typeface="+mn-ea"/>
               </a:rPr>
               <a:t>(</a:t>
             </a:r>
             <a:r>
-              <a:rPr lang="zh-CN" altLang="en-US">
+              <a:rPr lang="zh-CN" altLang="en-US" sz="1600">
                 <a:sym typeface="+mn-ea"/>
               </a:rPr>
-              <a:t>一或者多个）不断</a:t>
-            </a:r>
-            <a:r>
-              <a:rPr lang="zh-CN" altLang="en-US">
+              <a:t>一或者多个）不断去覆盖每个传播社区，</a:t>
+            </a:r>
+            <a:endParaRPr lang="zh-CN" altLang="en-US" sz="1600">
+              <a:sym typeface="+mn-ea"/>
+            </a:endParaRPr>
+          </a:p>
+          <a:p>
+            <a:r>
+              <a:rPr lang="zh-CN" altLang="en-US" sz="1600">
                 <a:sym typeface="+mn-ea"/>
               </a:rPr>
-              <a:t>去覆盖每个传播社区，</a:t>
-            </a:r>
-            <a:endParaRPr lang="zh-CN" altLang="en-US">
-              <a:sym typeface="+mn-ea"/>
-            </a:endParaRPr>
-          </a:p>
-          <a:p>
-            <a:r>
-              <a:rPr lang="zh-CN" altLang="en-US">
+              <a:t>过程使用</a:t>
+            </a:r>
+            <a:r>
+              <a:rPr lang="en-US" altLang="zh-CN" sz="1600">
                 <a:sym typeface="+mn-ea"/>
               </a:rPr>
-              <a:t>计算覆盖误差率为    </a:t>
+              <a:t>jaya</a:t>
+            </a:r>
+            <a:r>
+              <a:rPr lang="zh-CN" altLang="en-US" sz="1600">
+                <a:sym typeface="+mn-ea"/>
+              </a:rPr>
+              <a:t>算法优化，计算每次</a:t>
+            </a:r>
+            <a:r>
+              <a:rPr lang="zh-CN" altLang="en-US" sz="1600">
+                <a:sym typeface="+mn-ea"/>
+              </a:rPr>
+              <a:t>覆盖误差率为    </a:t>
             </a:r>
             <a:endParaRPr lang="zh-CN" altLang="en-US"/>
           </a:p>
@@ -9331,7 +9425,7 @@
                                   <p:childTnLst>
                                     <p:set>
                                       <p:cBhvr>
-                                        <p:cTn id="56" dur="1" fill="hold">
+                                        <p:cTn id="56" dur="500" fill="hold">
                                           <p:stCondLst>
                                             <p:cond delay="0"/>
                                           </p:stCondLst>
@@ -9588,7 +9682,7 @@
         </p:nvSpPr>
         <p:spPr>
           <a:xfrm>
-            <a:off x="4881245" y="1452245"/>
+            <a:off x="5029835" y="1630680"/>
             <a:ext cx="3562985" cy="645160"/>
           </a:xfrm>
           <a:prstGeom prst="rect">
@@ -9607,52 +9701,11 @@
             </a:r>
             <a:r>
               <a:rPr lang="zh-CN" altLang="en-US"/>
-              <a:t>同一数据集上的实验，我们的效果优于他们</a:t>
-            </a:r>
-            <a:endParaRPr lang="zh-CN" altLang="en-US"/>
-          </a:p>
-        </p:txBody>
-      </p:sp>
-      <p:sp>
-        <p:nvSpPr>
-          <p:cNvPr id="9" name="文本框 8"/>
-          <p:cNvSpPr txBox="1"/>
-          <p:nvPr/>
-        </p:nvSpPr>
-        <p:spPr>
-          <a:xfrm>
-            <a:off x="4962525" y="4170680"/>
-            <a:ext cx="3530600" cy="645160"/>
-          </a:xfrm>
-          <a:prstGeom prst="rect">
-            <a:avLst/>
-          </a:prstGeom>
-          <a:noFill/>
-        </p:spPr>
-        <p:txBody>
-          <a:bodyPr wrap="square" rtlCol="0">
-            <a:spAutoFit/>
-          </a:bodyPr>
-          <a:p>
-            <a:r>
-              <a:rPr lang="en-US" altLang="zh-CN"/>
-              <a:t>SI</a:t>
+              <a:t>同一数据集上的实验，我们的效果优于它</a:t>
             </a:r>
             <a:r>
               <a:rPr lang="zh-CN" altLang="en-US"/>
-              <a:t>传播模型概率以及</a:t>
-            </a:r>
-            <a:r>
-              <a:rPr lang="en-US" altLang="zh-CN"/>
-              <a:t>jaya</a:t>
-            </a:r>
-            <a:r>
-              <a:rPr lang="zh-CN" altLang="en-US"/>
-              <a:t>算法迭代次数影响因素</a:t>
-            </a:r>
-            <a:r>
-              <a:rPr lang="zh-CN" altLang="en-US"/>
-              <a:t>评估方法</a:t>
+              <a:t>们</a:t>
             </a:r>
             <a:endParaRPr lang="zh-CN" altLang="en-US"/>
           </a:p>
@@ -9660,7 +9713,7 @@
       </p:sp>
       <p:pic>
         <p:nvPicPr>
-          <p:cNvPr id="10" name="图片 9"/>
+          <p:cNvPr id="2" name="图片 1"/>
           <p:cNvPicPr>
             <a:picLocks noChangeAspect="1"/>
           </p:cNvPicPr>
@@ -9674,14 +9727,71 @@
         </p:blipFill>
         <p:spPr>
           <a:xfrm>
-            <a:off x="528320" y="1137920"/>
-            <a:ext cx="3511550" cy="2677160"/>
+            <a:off x="685800" y="3780155"/>
+            <a:ext cx="3402965" cy="2574290"/>
           </a:xfrm>
           <a:prstGeom prst="rect">
             <a:avLst/>
           </a:prstGeom>
         </p:spPr>
       </p:pic>
+      <p:pic>
+        <p:nvPicPr>
+          <p:cNvPr id="4" name="图片 3"/>
+          <p:cNvPicPr>
+            <a:picLocks noChangeAspect="1"/>
+          </p:cNvPicPr>
+          <p:nvPr/>
+        </p:nvPicPr>
+        <p:blipFill>
+          <a:blip r:embed="rId4"/>
+          <a:stretch>
+            <a:fillRect/>
+          </a:stretch>
+        </p:blipFill>
+        <p:spPr>
+          <a:xfrm>
+            <a:off x="685800" y="1050925"/>
+            <a:ext cx="3500120" cy="2729230"/>
+          </a:xfrm>
+          <a:prstGeom prst="rect">
+            <a:avLst/>
+          </a:prstGeom>
+        </p:spPr>
+      </p:pic>
+      <p:sp>
+        <p:nvSpPr>
+          <p:cNvPr id="6" name="文本框 5"/>
+          <p:cNvSpPr txBox="1"/>
+          <p:nvPr/>
+        </p:nvSpPr>
+        <p:spPr>
+          <a:xfrm>
+            <a:off x="5295265" y="4471035"/>
+            <a:ext cx="3075940" cy="645160"/>
+          </a:xfrm>
+          <a:prstGeom prst="rect">
+            <a:avLst/>
+          </a:prstGeom>
+          <a:noFill/>
+        </p:spPr>
+        <p:txBody>
+          <a:bodyPr wrap="square" rtlCol="0">
+            <a:spAutoFit/>
+          </a:bodyPr>
+          <a:p>
+            <a:r>
+              <a:rPr lang="en-US" altLang="zh-CN"/>
+              <a:t>our-method</a:t>
+            </a:r>
+            <a:r>
+              <a:rPr lang="zh-CN" altLang="en-US"/>
+              <a:t>第二个数据集实验效果</a:t>
+            </a:r>
+            <a:endParaRPr lang="zh-CN" altLang="en-US"/>
+          </a:p>
+        </p:txBody>
+      </p:sp>
     </p:spTree>
   </p:cSld>
   <p:clrMapOvr>
@@ -9757,10 +9867,14 @@
           <a:lstStyle/>
           <a:p>
             <a:r>
-              <a:rPr lang="zh-CN" altLang="en-US" dirty="0"/>
-              <a:t>贡献点</a:t>
-            </a:r>
-            <a:endParaRPr lang="zh-CN" altLang="en-US" dirty="0"/>
+              <a:rPr dirty="0">
+                <a:sym typeface="+mn-ea"/>
+              </a:rPr>
+              <a:t>影响因素</a:t>
+            </a:r>
+            <a:endParaRPr dirty="0">
+              <a:sym typeface="+mn-ea"/>
+            </a:endParaRPr>
           </a:p>
         </p:txBody>
       </p:sp>
@@ -9854,14 +9968,14 @@
       </p:sp>
       <p:sp>
         <p:nvSpPr>
-          <p:cNvPr id="2" name="文本框 1"/>
+          <p:cNvPr id="8" name="文本框 7"/>
           <p:cNvSpPr txBox="1"/>
           <p:nvPr/>
         </p:nvSpPr>
         <p:spPr>
           <a:xfrm>
-            <a:off x="983615" y="3964305"/>
-            <a:ext cx="7623175" cy="2306955"/>
+            <a:off x="4759325" y="1492885"/>
+            <a:ext cx="3562985" cy="645160"/>
           </a:xfrm>
           <a:prstGeom prst="rect">
             <a:avLst/>
@@ -9873,108 +9987,104 @@
             <a:spAutoFit/>
           </a:bodyPr>
           <a:p>
-            <a:pPr marL="342900" indent="-342900">
-              <a:buAutoNum type="arabicPeriod"/>
-            </a:pPr>
-            <a:r>
-              <a:rPr lang="en-US" altLang="zh-CN" sz="2400"/>
-              <a:t>  </a:t>
-            </a:r>
-            <a:r>
-              <a:rPr lang="zh-CN" altLang="en-US" sz="2400"/>
-              <a:t>提出统一框架，来对一个网络谣言</a:t>
-            </a:r>
-            <a:r>
-              <a:rPr lang="zh-CN" altLang="en-US" sz="2400"/>
-              <a:t>源定位。</a:t>
-            </a:r>
-            <a:endParaRPr lang="zh-CN" altLang="en-US" sz="2400"/>
-          </a:p>
-          <a:p>
-            <a:pPr marL="342900" indent="-342900">
-              <a:buAutoNum type="arabicPeriod"/>
-            </a:pPr>
-            <a:r>
-              <a:rPr lang="zh-CN" altLang="en-US" sz="2400"/>
-              <a:t>  不需要提前知道源个数。</a:t>
-            </a:r>
-            <a:endParaRPr lang="zh-CN" altLang="en-US" sz="2400"/>
-          </a:p>
-          <a:p>
-            <a:pPr marL="342900" indent="-342900">
-              <a:buAutoNum type="arabicPeriod"/>
-            </a:pPr>
-            <a:r>
-              <a:rPr lang="zh-CN" altLang="en-US" sz="2400"/>
-              <a:t> 对感染区域重合的多源感染区域分区，第一次提出</a:t>
-            </a:r>
-            <a:r>
-              <a:rPr lang="zh-CN" altLang="en-US" sz="2400">
+            <a:pPr lvl="1"/>
+            <a:r>
+              <a:rPr lang="en-US" altLang="zh-CN"/>
+              <a:t>    jaya</a:t>
+            </a:r>
+            <a:r>
+              <a:rPr lang="zh-CN" altLang="en-US"/>
+              <a:t>算法迭代次数对覆盖误差率的影响</a:t>
+            </a:r>
+            <a:endParaRPr lang="zh-CN" altLang="en-US"/>
+          </a:p>
+        </p:txBody>
+      </p:sp>
+      <p:pic>
+        <p:nvPicPr>
+          <p:cNvPr id="4" name="图片 3"/>
+          <p:cNvPicPr>
+            <a:picLocks noChangeAspect="1"/>
+          </p:cNvPicPr>
+          <p:nvPr/>
+        </p:nvPicPr>
+        <p:blipFill>
+          <a:blip r:embed="rId3"/>
+          <a:stretch>
+            <a:fillRect/>
+          </a:stretch>
+        </p:blipFill>
+        <p:spPr>
+          <a:xfrm>
+            <a:off x="956945" y="1118870"/>
+            <a:ext cx="3376930" cy="2627630"/>
+          </a:xfrm>
+          <a:prstGeom prst="rect">
+            <a:avLst/>
+          </a:prstGeom>
+        </p:spPr>
+      </p:pic>
+      <p:pic>
+        <p:nvPicPr>
+          <p:cNvPr id="6" name="图片 5"/>
+          <p:cNvPicPr>
+            <a:picLocks noChangeAspect="1"/>
+          </p:cNvPicPr>
+          <p:nvPr/>
+        </p:nvPicPr>
+        <p:blipFill>
+          <a:blip r:embed="rId4"/>
+          <a:stretch>
+            <a:fillRect/>
+          </a:stretch>
+        </p:blipFill>
+        <p:spPr>
+          <a:xfrm>
+            <a:off x="956945" y="3964305"/>
+            <a:ext cx="3495675" cy="2658745"/>
+          </a:xfrm>
+          <a:prstGeom prst="rect">
+            <a:avLst/>
+          </a:prstGeom>
+        </p:spPr>
+      </p:pic>
+      <p:sp>
+        <p:nvSpPr>
+          <p:cNvPr id="11" name="文本框 10"/>
+          <p:cNvSpPr txBox="1"/>
+          <p:nvPr/>
+        </p:nvSpPr>
+        <p:spPr>
+          <a:xfrm>
+            <a:off x="5303520" y="4763135"/>
+            <a:ext cx="3327400" cy="645160"/>
+          </a:xfrm>
+          <a:prstGeom prst="rect">
+            <a:avLst/>
+          </a:prstGeom>
+          <a:noFill/>
+        </p:spPr>
+        <p:txBody>
+          <a:bodyPr wrap="square" rtlCol="0">
+            <a:spAutoFit/>
+          </a:bodyPr>
+          <a:p>
+            <a:r>
+              <a:rPr lang="en-US" altLang="zh-CN">
                 <a:sym typeface="+mn-ea"/>
               </a:rPr>
-              <a:t>分 区</a:t>
-            </a:r>
-            <a:r>
-              <a:rPr lang="zh-CN" altLang="en-US" sz="2400"/>
-              <a:t>评价函数，拟合多源中的单源传播区域</a:t>
-            </a:r>
-            <a:endParaRPr lang="zh-CN" altLang="en-US" sz="2400"/>
-          </a:p>
-          <a:p>
-            <a:pPr marL="342900" indent="-342900">
-              <a:buAutoNum type="arabicPeriod"/>
-            </a:pPr>
-            <a:r>
-              <a:rPr lang="zh-CN" altLang="en-US" sz="2400"/>
-              <a:t> 实验效果在多</a:t>
-            </a:r>
-            <a:r>
-              <a:rPr lang="zh-CN" altLang="en-US" sz="2400"/>
-              <a:t>源定位上优于现有方法</a:t>
-            </a:r>
-            <a:endParaRPr lang="zh-CN" altLang="en-US" sz="2400"/>
-          </a:p>
-          <a:p>
-            <a:pPr marL="342900" indent="-342900">
-              <a:buAutoNum type="arabicPeriod"/>
-            </a:pPr>
-            <a:r>
-              <a:rPr lang="en-US" altLang="zh-CN" sz="2400"/>
-              <a:t> jaya</a:t>
-            </a:r>
-            <a:r>
-              <a:rPr lang="zh-CN" altLang="en-US" sz="2400"/>
-              <a:t>算法贪心快速定位较好</a:t>
-            </a:r>
-            <a:r>
-              <a:rPr lang="en-US" altLang="zh-CN" sz="2400"/>
-              <a:t>u1</a:t>
-            </a:r>
-            <a:r>
-              <a:rPr lang="zh-CN" altLang="en-US" sz="2400"/>
-              <a:t>、</a:t>
-            </a:r>
-            <a:r>
-              <a:rPr lang="en-US" altLang="zh-CN" sz="2400"/>
-              <a:t>u2</a:t>
-            </a:r>
-            <a:r>
-              <a:rPr lang="zh-CN" altLang="en-US" sz="2400"/>
-              <a:t>至</a:t>
-            </a:r>
-            <a:r>
-              <a:rPr lang="en-US" altLang="zh-CN" sz="2400"/>
-              <a:t>u</a:t>
-            </a:r>
-            <a:r>
-              <a:rPr lang="en-US" altLang="zh-CN" sz="2400"/>
-              <a:t>*</a:t>
-            </a:r>
-            <a:r>
-              <a:rPr lang="zh-CN" altLang="en-US" sz="2400"/>
-              <a:t>。</a:t>
-            </a:r>
-            <a:endParaRPr lang="zh-CN" altLang="en-US" sz="2400"/>
+              <a:t>jaya</a:t>
+            </a:r>
+            <a:r>
+              <a:rPr lang="zh-CN" altLang="en-US">
+                <a:sym typeface="+mn-ea"/>
+              </a:rPr>
+              <a:t>算法迭代次数对结果影响</a:t>
+            </a:r>
+            <a:endParaRPr lang="zh-CN" altLang="en-US"/>
+          </a:p>
+          <a:p>
+            <a:endParaRPr lang="zh-CN" altLang="en-US"/>
           </a:p>
         </p:txBody>
       </p:sp>
@@ -9994,6 +10104,296 @@
 </file>
 
 <file path=ppt/slides/slide18.xml><?xml version="1.0" encoding="utf-8"?>
+<p:sld xmlns:a="http://schemas.openxmlformats.org/drawingml/2006/main" xmlns:r="http://schemas.openxmlformats.org/officeDocument/2006/relationships" xmlns:p="http://schemas.openxmlformats.org/presentationml/2006/main">
+  <p:cSld>
+    <p:spTree>
+      <p:nvGrpSpPr>
+        <p:cNvPr id="1" name=""/>
+        <p:cNvGrpSpPr/>
+        <p:nvPr/>
+      </p:nvGrpSpPr>
+      <p:grpSpPr>
+        <a:xfrm>
+          <a:off x="0" y="0"/>
+          <a:ext cx="0" cy="0"/>
+          <a:chOff x="0" y="0"/>
+          <a:chExt cx="0" cy="0"/>
+        </a:xfrm>
+      </p:grpSpPr>
+      <p:sp>
+        <p:nvSpPr>
+          <p:cNvPr id="3" name="灯片编号占位符 2"/>
+          <p:cNvSpPr>
+            <a:spLocks noGrp="1"/>
+          </p:cNvSpPr>
+          <p:nvPr>
+            <p:ph type="sldNum" sz="quarter" idx="4"/>
+          </p:nvPr>
+        </p:nvSpPr>
+        <p:spPr/>
+        <p:txBody>
+          <a:bodyPr/>
+          <a:lstStyle/>
+          <a:p>
+            <a:fld id="{E4AD1595-9615-4E1E-9346-9F3D638DC426}" type="slidenum">
+              <a:rPr lang="zh-CN" altLang="en-US" smtClean="0"/>
+            </a:fld>
+            <a:endParaRPr lang="zh-CN" altLang="en-US"/>
+          </a:p>
+        </p:txBody>
+      </p:sp>
+      <p:sp>
+        <p:nvSpPr>
+          <p:cNvPr id="38" name="文本占位符 1"/>
+          <p:cNvSpPr>
+            <a:spLocks noGrp="1"/>
+          </p:cNvSpPr>
+          <p:nvPr>
+            <p:ph type="body" sz="quarter" idx="10"/>
+          </p:nvPr>
+        </p:nvSpPr>
+        <p:spPr>
+          <a:xfrm>
+            <a:off x="289608" y="217489"/>
+            <a:ext cx="7098163" cy="583565"/>
+          </a:xfrm>
+        </p:spPr>
+        <p:txBody>
+          <a:bodyPr/>
+          <a:lstStyle/>
+          <a:p>
+            <a:r>
+              <a:rPr lang="zh-CN" altLang="en-US" dirty="0"/>
+              <a:t>贡献点</a:t>
+            </a:r>
+            <a:endParaRPr lang="zh-CN" altLang="en-US" dirty="0"/>
+          </a:p>
+        </p:txBody>
+      </p:sp>
+      <p:graphicFrame>
+        <p:nvGraphicFramePr>
+          <p:cNvPr id="5" name="对象 4">
+            <a:hlinkClick r:id="" action="ppaction://ole?verb="/>
+          </p:cNvPr>
+          <p:cNvGraphicFramePr>
+            <a:graphicFrameLocks noChangeAspect="1"/>
+          </p:cNvGraphicFramePr>
+          <p:nvPr/>
+        </p:nvGraphicFramePr>
+        <p:xfrm>
+          <a:off x="4114800" y="3321050"/>
+          <a:ext cx="914400" cy="215900"/>
+        </p:xfrm>
+        <a:graphic>
+          <a:graphicData uri="http://schemas.openxmlformats.org/presentationml/2006/ole">
+            <mc:AlternateContent xmlns:mc="http://schemas.openxmlformats.org/markup-compatibility/2006">
+              <mc:Choice xmlns:v="urn:schemas-microsoft-com:vml" Requires="v">
+                <p:oleObj spid="_x0000_s2049" name="" r:id="rId1" imgW="914400" imgH="215900" progId="Equation.KSEE3">
+                  <p:embed/>
+                </p:oleObj>
+              </mc:Choice>
+              <mc:Fallback>
+                <p:oleObj name="" r:id="rId1" imgW="914400" imgH="215900" progId="Equation.KSEE3">
+                  <p:embed/>
+                  <p:pic>
+                    <p:nvPicPr>
+                      <p:cNvPr id="0" name="图片 2048"/>
+                      <p:cNvPicPr/>
+                      <p:nvPr/>
+                    </p:nvPicPr>
+                    <p:blipFill>
+                      <a:blip r:embed="rId2"/>
+                      <a:stretch>
+                        <a:fillRect/>
+                      </a:stretch>
+                    </p:blipFill>
+                    <p:spPr>
+                      <a:xfrm>
+                        <a:off x="4114800" y="3321050"/>
+                        <a:ext cx="914400" cy="215900"/>
+                      </a:xfrm>
+                      <a:prstGeom prst="rect">
+                        <a:avLst/>
+                      </a:prstGeom>
+                    </p:spPr>
+                  </p:pic>
+                </p:oleObj>
+              </mc:Fallback>
+            </mc:AlternateContent>
+          </a:graphicData>
+        </a:graphic>
+      </p:graphicFrame>
+      <p:sp>
+        <p:nvSpPr>
+          <p:cNvPr id="7" name="文本框 6"/>
+          <p:cNvSpPr txBox="1"/>
+          <p:nvPr/>
+        </p:nvSpPr>
+        <p:spPr>
+          <a:xfrm>
+            <a:off x="454025" y="1360805"/>
+            <a:ext cx="8236585" cy="398780"/>
+          </a:xfrm>
+          <a:prstGeom prst="rect">
+            <a:avLst/>
+          </a:prstGeom>
+          <a:noFill/>
+        </p:spPr>
+        <p:txBody>
+          <a:bodyPr wrap="square" rtlCol="0">
+            <a:spAutoFit/>
+          </a:bodyPr>
+          <a:p>
+            <a:endParaRPr lang="zh-CN" altLang="en-US" sz="2000" dirty="0">
+              <a:solidFill>
+                <a:schemeClr val="tx1">
+                  <a:lumMod val="75000"/>
+                  <a:lumOff val="25000"/>
+                </a:schemeClr>
+              </a:solidFill>
+              <a:latin typeface="微软雅黑" panose="020B0503020204020204" pitchFamily="34" charset="-122"/>
+              <a:ea typeface="微软雅黑" panose="020B0503020204020204" pitchFamily="34" charset="-122"/>
+              <a:sym typeface="+mn-ea"/>
+            </a:endParaRPr>
+          </a:p>
+        </p:txBody>
+      </p:sp>
+      <p:sp>
+        <p:nvSpPr>
+          <p:cNvPr id="2" name="文本框 1"/>
+          <p:cNvSpPr txBox="1"/>
+          <p:nvPr/>
+        </p:nvSpPr>
+        <p:spPr>
+          <a:xfrm>
+            <a:off x="454025" y="1545590"/>
+            <a:ext cx="7623175" cy="1938020"/>
+          </a:xfrm>
+          <a:prstGeom prst="rect">
+            <a:avLst/>
+          </a:prstGeom>
+          <a:noFill/>
+        </p:spPr>
+        <p:txBody>
+          <a:bodyPr wrap="square" rtlCol="0">
+            <a:spAutoFit/>
+          </a:bodyPr>
+          <a:p>
+            <a:pPr marL="342900" indent="-342900">
+              <a:buAutoNum type="arabicPeriod"/>
+            </a:pPr>
+            <a:r>
+              <a:rPr lang="en-US" altLang="zh-CN" sz="2400"/>
+              <a:t>  </a:t>
+            </a:r>
+            <a:r>
+              <a:rPr lang="zh-CN" altLang="en-US" sz="2400"/>
+              <a:t>提出统一框架，来对一个网络谣言</a:t>
+            </a:r>
+            <a:r>
+              <a:rPr lang="zh-CN" altLang="en-US" sz="2400"/>
+              <a:t>源定位。</a:t>
+            </a:r>
+            <a:endParaRPr lang="zh-CN" altLang="en-US" sz="2400"/>
+          </a:p>
+          <a:p>
+            <a:pPr marL="342900" indent="-342900">
+              <a:buAutoNum type="arabicPeriod"/>
+            </a:pPr>
+            <a:r>
+              <a:rPr lang="zh-CN" altLang="en-US" sz="2400"/>
+              <a:t> 对感染区域重合的多源感染区域分区，第一次提出</a:t>
+            </a:r>
+            <a:r>
+              <a:rPr lang="zh-CN" altLang="en-US" sz="2400">
+                <a:sym typeface="+mn-ea"/>
+              </a:rPr>
+              <a:t>分 区</a:t>
+            </a:r>
+            <a:r>
+              <a:rPr lang="zh-CN" altLang="en-US" sz="2400"/>
+              <a:t>评价函数，拟合多源中的单源传播区域</a:t>
+            </a:r>
+            <a:endParaRPr lang="zh-CN" altLang="en-US" sz="2400"/>
+          </a:p>
+          <a:p>
+            <a:pPr marL="342900" indent="-342900">
+              <a:buAutoNum type="arabicPeriod"/>
+            </a:pPr>
+            <a:r>
+              <a:rPr lang="zh-CN" altLang="en-US" sz="2400"/>
+              <a:t>利用贪心算法判断源数目</a:t>
+            </a:r>
+            <a:endParaRPr lang="zh-CN" altLang="en-US" sz="2400"/>
+          </a:p>
+          <a:p>
+            <a:pPr marL="342900" indent="-342900">
+              <a:buAutoNum type="arabicPeriod"/>
+            </a:pPr>
+            <a:r>
+              <a:rPr lang="en-US" altLang="zh-CN" sz="2400"/>
+              <a:t> </a:t>
+            </a:r>
+            <a:r>
+              <a:rPr lang="zh-CN" altLang="en-US" sz="2400"/>
+              <a:t>首次使用</a:t>
+            </a:r>
+            <a:r>
+              <a:rPr lang="en-US" altLang="zh-CN" sz="2400"/>
+              <a:t>jaya</a:t>
+            </a:r>
+            <a:r>
+              <a:rPr lang="zh-CN" altLang="en-US" sz="2400"/>
+              <a:t>进化算法快速定位较好</a:t>
+            </a:r>
+            <a:r>
+              <a:rPr lang="en-US" altLang="zh-CN" sz="2400"/>
+              <a:t>u1</a:t>
+            </a:r>
+            <a:r>
+              <a:rPr lang="zh-CN" altLang="en-US" sz="2400"/>
+              <a:t>、</a:t>
+            </a:r>
+            <a:r>
+              <a:rPr lang="en-US" altLang="zh-CN" sz="2400"/>
+              <a:t>u2</a:t>
+            </a:r>
+            <a:r>
+              <a:rPr lang="zh-CN" altLang="en-US" sz="2400"/>
+              <a:t>至</a:t>
+            </a:r>
+            <a:r>
+              <a:rPr lang="en-US" altLang="zh-CN" sz="2400"/>
+              <a:t>u*</a:t>
+            </a:r>
+            <a:r>
+              <a:rPr lang="zh-CN" altLang="en-US" sz="2400"/>
+              <a:t>源点</a:t>
+            </a:r>
+            <a:r>
+              <a:rPr lang="zh-CN" altLang="en-US" sz="2400"/>
+              <a:t>。</a:t>
+            </a:r>
+            <a:endParaRPr lang="zh-CN" altLang="en-US" sz="2400"/>
+          </a:p>
+        </p:txBody>
+      </p:sp>
+    </p:spTree>
+  </p:cSld>
+  <p:clrMapOvr>
+    <a:masterClrMapping/>
+  </p:clrMapOvr>
+  <p:timing>
+    <p:tnLst>
+      <p:par>
+        <p:cTn id="1" dur="indefinite" restart="never" nodeType="tmRoot"/>
+      </p:par>
+    </p:tnLst>
+  </p:timing>
+</p:sld>
+</file>
+
+<file path=ppt/slides/slide19.xml><?xml version="1.0" encoding="utf-8"?>
 <p:sld xmlns:a="http://schemas.openxmlformats.org/drawingml/2006/main" xmlns:r="http://schemas.openxmlformats.org/officeDocument/2006/relationships" xmlns:p="http://schemas.openxmlformats.org/presentationml/2006/main">
   <p:cSld>
     <p:spTree>
@@ -10353,356 +10753,6 @@
 </p:sld>
 </file>
 
-<file path=ppt/slides/slide19.xml><?xml version="1.0" encoding="utf-8"?>
-<p:sld xmlns:a="http://schemas.openxmlformats.org/drawingml/2006/main" xmlns:r="http://schemas.openxmlformats.org/officeDocument/2006/relationships" xmlns:p="http://schemas.openxmlformats.org/presentationml/2006/main">
-  <p:cSld>
-    <p:spTree>
-      <p:nvGrpSpPr>
-        <p:cNvPr id="1" name=""/>
-        <p:cNvGrpSpPr/>
-        <p:nvPr/>
-      </p:nvGrpSpPr>
-      <p:grpSpPr>
-        <a:xfrm>
-          <a:off x="0" y="0"/>
-          <a:ext cx="0" cy="0"/>
-          <a:chOff x="0" y="0"/>
-          <a:chExt cx="0" cy="0"/>
-        </a:xfrm>
-      </p:grpSpPr>
-      <p:sp>
-        <p:nvSpPr>
-          <p:cNvPr id="2" name="文本占位符 1"/>
-          <p:cNvSpPr>
-            <a:spLocks noGrp="1"/>
-          </p:cNvSpPr>
-          <p:nvPr>
-            <p:ph type="body" sz="quarter" idx="10"/>
-          </p:nvPr>
-        </p:nvSpPr>
-        <p:spPr>
-          <a:xfrm>
-            <a:off x="289608" y="217489"/>
-            <a:ext cx="7098163" cy="583565"/>
-          </a:xfrm>
-        </p:spPr>
-        <p:txBody>
-          <a:bodyPr/>
-          <a:lstStyle/>
-          <a:p>
-            <a:r>
-              <a:rPr>
-                <a:sym typeface="+mn-ea"/>
-              </a:rPr>
-              <a:t>将要扩展</a:t>
-            </a:r>
-            <a:r>
-              <a:rPr>
-                <a:sym typeface="+mn-ea"/>
-              </a:rPr>
-              <a:t>内容</a:t>
-            </a:r>
-            <a:endParaRPr>
-              <a:sym typeface="+mn-ea"/>
-            </a:endParaRPr>
-          </a:p>
-        </p:txBody>
-      </p:sp>
-      <p:sp>
-        <p:nvSpPr>
-          <p:cNvPr id="3" name="灯片编号占位符 2"/>
-          <p:cNvSpPr>
-            <a:spLocks noGrp="1"/>
-          </p:cNvSpPr>
-          <p:nvPr>
-            <p:ph type="sldNum" sz="quarter" idx="4"/>
-          </p:nvPr>
-        </p:nvSpPr>
-        <p:spPr/>
-        <p:txBody>
-          <a:bodyPr/>
-          <a:lstStyle/>
-          <a:p>
-            <a:fld id="{E4AD1595-9615-4E1E-9346-9F3D638DC426}" type="slidenum">
-              <a:rPr lang="zh-CN" altLang="en-US" smtClean="0"/>
-            </a:fld>
-            <a:endParaRPr lang="zh-CN" altLang="en-US"/>
-          </a:p>
-        </p:txBody>
-      </p:sp>
-      <p:sp>
-        <p:nvSpPr>
-          <p:cNvPr id="7" name="TextBox 45"/>
-          <p:cNvSpPr txBox="1"/>
-          <p:nvPr/>
-        </p:nvSpPr>
-        <p:spPr>
-          <a:xfrm>
-            <a:off x="587193" y="1518386"/>
-            <a:ext cx="7802336" cy="2245360"/>
-          </a:xfrm>
-          <a:prstGeom prst="rect">
-            <a:avLst/>
-          </a:prstGeom>
-          <a:noFill/>
-        </p:spPr>
-        <p:txBody>
-          <a:bodyPr wrap="square" rtlCol="0">
-            <a:spAutoFit/>
-          </a:bodyPr>
-          <a:lstStyle/>
-          <a:p>
-            <a:pPr marL="342900" indent="-342900">
-              <a:lnSpc>
-                <a:spcPct val="150000"/>
-              </a:lnSpc>
-              <a:spcAft>
-                <a:spcPts val="1200"/>
-              </a:spcAft>
-              <a:buFont typeface="Arial" panose="020B0604020202020204" pitchFamily="34" charset="0"/>
-              <a:buChar char="•"/>
-            </a:pPr>
-            <a:r>
-              <a:rPr lang="en-US" sz="2000" dirty="0">
-                <a:solidFill>
-                  <a:schemeClr val="tx1">
-                    <a:lumMod val="75000"/>
-                    <a:lumOff val="25000"/>
-                  </a:schemeClr>
-                </a:solidFill>
-                <a:latin typeface="微软雅黑" panose="020B0503020204020204" pitchFamily="34" charset="-122"/>
-                <a:ea typeface="微软雅黑" panose="020B0503020204020204" pitchFamily="34" charset="-122"/>
-              </a:rPr>
-              <a:t>1.  </a:t>
-            </a:r>
-            <a:r>
-              <a:rPr lang="zh-CN" altLang="en-US" sz="2000" dirty="0">
-                <a:solidFill>
-                  <a:schemeClr val="tx1">
-                    <a:lumMod val="75000"/>
-                    <a:lumOff val="25000"/>
-                  </a:schemeClr>
-                </a:solidFill>
-                <a:latin typeface="微软雅黑" panose="020B0503020204020204" pitchFamily="34" charset="-122"/>
-                <a:ea typeface="微软雅黑" panose="020B0503020204020204" pitchFamily="34" charset="-122"/>
-              </a:rPr>
-              <a:t>将此方法用于时变网络（更</a:t>
-            </a:r>
-            <a:r>
-              <a:rPr lang="zh-CN" altLang="en-US" sz="2000" dirty="0">
-                <a:solidFill>
-                  <a:schemeClr val="tx1">
-                    <a:lumMod val="75000"/>
-                    <a:lumOff val="25000"/>
-                  </a:schemeClr>
-                </a:solidFill>
-                <a:latin typeface="微软雅黑" panose="020B0503020204020204" pitchFamily="34" charset="-122"/>
-                <a:ea typeface="微软雅黑" panose="020B0503020204020204" pitchFamily="34" charset="-122"/>
-              </a:rPr>
-              <a:t>符合真实网络传播</a:t>
-            </a:r>
-            <a:r>
-              <a:rPr lang="zh-CN" altLang="en-US" sz="2000" dirty="0">
-                <a:solidFill>
-                  <a:schemeClr val="tx1">
-                    <a:lumMod val="75000"/>
-                    <a:lumOff val="25000"/>
-                  </a:schemeClr>
-                </a:solidFill>
-                <a:latin typeface="微软雅黑" panose="020B0503020204020204" pitchFamily="34" charset="-122"/>
-                <a:ea typeface="微软雅黑" panose="020B0503020204020204" pitchFamily="34" charset="-122"/>
-              </a:rPr>
-              <a:t>）</a:t>
-            </a:r>
-            <a:endParaRPr lang="zh-CN" altLang="en-US" sz="2000" dirty="0">
-              <a:solidFill>
-                <a:schemeClr val="tx1">
-                  <a:lumMod val="75000"/>
-                  <a:lumOff val="25000"/>
-                </a:schemeClr>
-              </a:solidFill>
-              <a:latin typeface="微软雅黑" panose="020B0503020204020204" pitchFamily="34" charset="-122"/>
-              <a:ea typeface="微软雅黑" panose="020B0503020204020204" pitchFamily="34" charset="-122"/>
-            </a:endParaRPr>
-          </a:p>
-          <a:p>
-            <a:pPr marL="342900" indent="-342900">
-              <a:lnSpc>
-                <a:spcPct val="150000"/>
-              </a:lnSpc>
-              <a:spcAft>
-                <a:spcPts val="1200"/>
-              </a:spcAft>
-              <a:buFont typeface="Arial" panose="020B0604020202020204" pitchFamily="34" charset="0"/>
-              <a:buChar char="•"/>
-            </a:pPr>
-            <a:r>
-              <a:rPr lang="en-US" altLang="zh-CN" sz="2000" dirty="0">
-                <a:solidFill>
-                  <a:schemeClr val="tx1">
-                    <a:lumMod val="75000"/>
-                    <a:lumOff val="25000"/>
-                  </a:schemeClr>
-                </a:solidFill>
-                <a:latin typeface="微软雅黑" panose="020B0503020204020204" pitchFamily="34" charset="-122"/>
-                <a:ea typeface="微软雅黑" panose="020B0503020204020204" pitchFamily="34" charset="-122"/>
-              </a:rPr>
-              <a:t>2  </a:t>
-            </a:r>
-            <a:r>
-              <a:rPr lang="zh-CN" altLang="en-US" sz="2000" dirty="0">
-                <a:solidFill>
-                  <a:schemeClr val="tx1">
-                    <a:lumMod val="75000"/>
-                    <a:lumOff val="25000"/>
-                  </a:schemeClr>
-                </a:solidFill>
-                <a:latin typeface="微软雅黑" panose="020B0503020204020204" pitchFamily="34" charset="-122"/>
-                <a:ea typeface="微软雅黑" panose="020B0503020204020204" pitchFamily="34" charset="-122"/>
-              </a:rPr>
-              <a:t>从复杂网络中模拟出源点传播树结构，更好地进行定位（缩</a:t>
-            </a:r>
-            <a:r>
-              <a:rPr lang="zh-CN" altLang="en-US" sz="2000" dirty="0">
-                <a:solidFill>
-                  <a:schemeClr val="tx1">
-                    <a:lumMod val="75000"/>
-                    <a:lumOff val="25000"/>
-                  </a:schemeClr>
-                </a:solidFill>
-                <a:latin typeface="微软雅黑" panose="020B0503020204020204" pitchFamily="34" charset="-122"/>
-                <a:ea typeface="微软雅黑" panose="020B0503020204020204" pitchFamily="34" charset="-122"/>
-              </a:rPr>
-              <a:t>边</a:t>
-            </a:r>
-            <a:r>
-              <a:rPr lang="zh-CN" altLang="en-US" sz="2000" dirty="0">
-                <a:solidFill>
-                  <a:schemeClr val="tx1">
-                    <a:lumMod val="75000"/>
-                    <a:lumOff val="25000"/>
-                  </a:schemeClr>
-                </a:solidFill>
-                <a:latin typeface="微软雅黑" panose="020B0503020204020204" pitchFamily="34" charset="-122"/>
-                <a:ea typeface="微软雅黑" panose="020B0503020204020204" pitchFamily="34" charset="-122"/>
-              </a:rPr>
-              <a:t>）</a:t>
-            </a:r>
-            <a:endParaRPr lang="zh-CN" altLang="en-US" sz="2000" dirty="0">
-              <a:solidFill>
-                <a:schemeClr val="tx1">
-                  <a:lumMod val="75000"/>
-                  <a:lumOff val="25000"/>
-                </a:schemeClr>
-              </a:solidFill>
-              <a:latin typeface="微软雅黑" panose="020B0503020204020204" pitchFamily="34" charset="-122"/>
-              <a:ea typeface="微软雅黑" panose="020B0503020204020204" pitchFamily="34" charset="-122"/>
-            </a:endParaRPr>
-          </a:p>
-          <a:p>
-            <a:pPr marL="342900" indent="-342900">
-              <a:lnSpc>
-                <a:spcPct val="150000"/>
-              </a:lnSpc>
-              <a:spcAft>
-                <a:spcPts val="1200"/>
-              </a:spcAft>
-              <a:buFont typeface="Arial" panose="020B0604020202020204" pitchFamily="34" charset="0"/>
-              <a:buChar char="•"/>
-            </a:pPr>
-            <a:r>
-              <a:rPr lang="en-US" altLang="zh-CN" sz="2000" dirty="0">
-                <a:solidFill>
-                  <a:schemeClr val="tx1">
-                    <a:lumMod val="75000"/>
-                    <a:lumOff val="25000"/>
-                  </a:schemeClr>
-                </a:solidFill>
-                <a:latin typeface="微软雅黑" panose="020B0503020204020204" pitchFamily="34" charset="-122"/>
-                <a:ea typeface="微软雅黑" panose="020B0503020204020204" pitchFamily="34" charset="-122"/>
-              </a:rPr>
-              <a:t>3  </a:t>
-            </a:r>
-            <a:r>
-              <a:rPr lang="zh-CN" altLang="en-US" sz="2000" dirty="0">
-                <a:solidFill>
-                  <a:schemeClr val="tx1">
-                    <a:lumMod val="75000"/>
-                    <a:lumOff val="25000"/>
-                  </a:schemeClr>
-                </a:solidFill>
-                <a:latin typeface="微软雅黑" panose="020B0503020204020204" pitchFamily="34" charset="-122"/>
-                <a:ea typeface="微软雅黑" panose="020B0503020204020204" pitchFamily="34" charset="-122"/>
-              </a:rPr>
-              <a:t>预先选择出合适的</a:t>
-            </a:r>
-            <a:r>
-              <a:rPr lang="en-US" altLang="zh-CN" sz="2000" dirty="0">
-                <a:solidFill>
-                  <a:schemeClr val="tx1">
-                    <a:lumMod val="75000"/>
-                    <a:lumOff val="25000"/>
-                  </a:schemeClr>
-                </a:solidFill>
-                <a:latin typeface="微软雅黑" panose="020B0503020204020204" pitchFamily="34" charset="-122"/>
-                <a:ea typeface="微软雅黑" panose="020B0503020204020204" pitchFamily="34" charset="-122"/>
-              </a:rPr>
-              <a:t>BFS</a:t>
-            </a:r>
-            <a:r>
-              <a:rPr lang="zh-CN" altLang="en-US" sz="2000" dirty="0">
-                <a:solidFill>
-                  <a:schemeClr val="tx1">
-                    <a:lumMod val="75000"/>
-                    <a:lumOff val="25000"/>
-                  </a:schemeClr>
-                </a:solidFill>
-                <a:latin typeface="微软雅黑" panose="020B0503020204020204" pitchFamily="34" charset="-122"/>
-                <a:ea typeface="微软雅黑" panose="020B0503020204020204" pitchFamily="34" charset="-122"/>
-              </a:rPr>
-              <a:t>树根节点集合进行覆盖（贪心选出图多中心，降低计算复杂性</a:t>
-            </a:r>
-            <a:r>
-              <a:rPr lang="zh-CN" altLang="en-US" sz="2000" dirty="0">
-                <a:solidFill>
-                  <a:schemeClr val="tx1">
-                    <a:lumMod val="75000"/>
-                    <a:lumOff val="25000"/>
-                  </a:schemeClr>
-                </a:solidFill>
-                <a:latin typeface="微软雅黑" panose="020B0503020204020204" pitchFamily="34" charset="-122"/>
-                <a:ea typeface="微软雅黑" panose="020B0503020204020204" pitchFamily="34" charset="-122"/>
-              </a:rPr>
-              <a:t>）</a:t>
-            </a:r>
-            <a:endParaRPr lang="en-US" altLang="zh-CN" sz="2000" dirty="0">
-              <a:solidFill>
-                <a:schemeClr val="tx1">
-                  <a:lumMod val="75000"/>
-                  <a:lumOff val="25000"/>
-                </a:schemeClr>
-              </a:solidFill>
-              <a:latin typeface="微软雅黑" panose="020B0503020204020204" pitchFamily="34" charset="-122"/>
-              <a:ea typeface="微软雅黑" panose="020B0503020204020204" pitchFamily="34" charset="-122"/>
-            </a:endParaRPr>
-          </a:p>
-        </p:txBody>
-      </p:sp>
-    </p:spTree>
-  </p:cSld>
-  <p:clrMapOvr>
-    <a:masterClrMapping/>
-  </p:clrMapOvr>
-  <p:timing>
-    <p:tnLst>
-      <p:par>
-        <p:cTn id="1" dur="indefinite" restart="never" nodeType="tmRoot"/>
-      </p:par>
-    </p:tnLst>
-  </p:timing>
-</p:sld>
-</file>
-
 <file path=ppt/slides/slide2.xml><?xml version="1.0" encoding="utf-8"?>
 <p:sld xmlns:a="http://schemas.openxmlformats.org/drawingml/2006/main" xmlns:r="http://schemas.openxmlformats.org/officeDocument/2006/relationships" xmlns:p="http://schemas.openxmlformats.org/presentationml/2006/main">
   <p:cSld>
@@ -11405,6 +11455,356 @@
 </file>
 
 <file path=ppt/slides/slide20.xml><?xml version="1.0" encoding="utf-8"?>
+<p:sld xmlns:a="http://schemas.openxmlformats.org/drawingml/2006/main" xmlns:r="http://schemas.openxmlformats.org/officeDocument/2006/relationships" xmlns:p="http://schemas.openxmlformats.org/presentationml/2006/main">
+  <p:cSld>
+    <p:spTree>
+      <p:nvGrpSpPr>
+        <p:cNvPr id="1" name=""/>
+        <p:cNvGrpSpPr/>
+        <p:nvPr/>
+      </p:nvGrpSpPr>
+      <p:grpSpPr>
+        <a:xfrm>
+          <a:off x="0" y="0"/>
+          <a:ext cx="0" cy="0"/>
+          <a:chOff x="0" y="0"/>
+          <a:chExt cx="0" cy="0"/>
+        </a:xfrm>
+      </p:grpSpPr>
+      <p:sp>
+        <p:nvSpPr>
+          <p:cNvPr id="2" name="文本占位符 1"/>
+          <p:cNvSpPr>
+            <a:spLocks noGrp="1"/>
+          </p:cNvSpPr>
+          <p:nvPr>
+            <p:ph type="body" sz="quarter" idx="10"/>
+          </p:nvPr>
+        </p:nvSpPr>
+        <p:spPr>
+          <a:xfrm>
+            <a:off x="289608" y="217489"/>
+            <a:ext cx="7098163" cy="583565"/>
+          </a:xfrm>
+        </p:spPr>
+        <p:txBody>
+          <a:bodyPr/>
+          <a:lstStyle/>
+          <a:p>
+            <a:r>
+              <a:rPr>
+                <a:sym typeface="+mn-ea"/>
+              </a:rPr>
+              <a:t>将要扩展</a:t>
+            </a:r>
+            <a:r>
+              <a:rPr>
+                <a:sym typeface="+mn-ea"/>
+              </a:rPr>
+              <a:t>内容</a:t>
+            </a:r>
+            <a:endParaRPr>
+              <a:sym typeface="+mn-ea"/>
+            </a:endParaRPr>
+          </a:p>
+        </p:txBody>
+      </p:sp>
+      <p:sp>
+        <p:nvSpPr>
+          <p:cNvPr id="3" name="灯片编号占位符 2"/>
+          <p:cNvSpPr>
+            <a:spLocks noGrp="1"/>
+          </p:cNvSpPr>
+          <p:nvPr>
+            <p:ph type="sldNum" sz="quarter" idx="4"/>
+          </p:nvPr>
+        </p:nvSpPr>
+        <p:spPr/>
+        <p:txBody>
+          <a:bodyPr/>
+          <a:lstStyle/>
+          <a:p>
+            <a:fld id="{E4AD1595-9615-4E1E-9346-9F3D638DC426}" type="slidenum">
+              <a:rPr lang="zh-CN" altLang="en-US" smtClean="0"/>
+            </a:fld>
+            <a:endParaRPr lang="zh-CN" altLang="en-US"/>
+          </a:p>
+        </p:txBody>
+      </p:sp>
+      <p:sp>
+        <p:nvSpPr>
+          <p:cNvPr id="7" name="TextBox 45"/>
+          <p:cNvSpPr txBox="1"/>
+          <p:nvPr/>
+        </p:nvSpPr>
+        <p:spPr>
+          <a:xfrm>
+            <a:off x="587193" y="1518386"/>
+            <a:ext cx="7802336" cy="2245360"/>
+          </a:xfrm>
+          <a:prstGeom prst="rect">
+            <a:avLst/>
+          </a:prstGeom>
+          <a:noFill/>
+        </p:spPr>
+        <p:txBody>
+          <a:bodyPr wrap="square" rtlCol="0">
+            <a:spAutoFit/>
+          </a:bodyPr>
+          <a:lstStyle/>
+          <a:p>
+            <a:pPr marL="342900" indent="-342900">
+              <a:lnSpc>
+                <a:spcPct val="150000"/>
+              </a:lnSpc>
+              <a:spcAft>
+                <a:spcPts val="1200"/>
+              </a:spcAft>
+              <a:buFont typeface="Arial" panose="020B0604020202020204" pitchFamily="34" charset="0"/>
+              <a:buChar char="•"/>
+            </a:pPr>
+            <a:r>
+              <a:rPr lang="en-US" sz="2000" dirty="0">
+                <a:solidFill>
+                  <a:schemeClr val="tx1">
+                    <a:lumMod val="75000"/>
+                    <a:lumOff val="25000"/>
+                  </a:schemeClr>
+                </a:solidFill>
+                <a:latin typeface="微软雅黑" panose="020B0503020204020204" pitchFamily="34" charset="-122"/>
+                <a:ea typeface="微软雅黑" panose="020B0503020204020204" pitchFamily="34" charset="-122"/>
+              </a:rPr>
+              <a:t>1.  </a:t>
+            </a:r>
+            <a:r>
+              <a:rPr lang="zh-CN" altLang="en-US" sz="2000" dirty="0">
+                <a:solidFill>
+                  <a:schemeClr val="tx1">
+                    <a:lumMod val="75000"/>
+                    <a:lumOff val="25000"/>
+                  </a:schemeClr>
+                </a:solidFill>
+                <a:latin typeface="微软雅黑" panose="020B0503020204020204" pitchFamily="34" charset="-122"/>
+                <a:ea typeface="微软雅黑" panose="020B0503020204020204" pitchFamily="34" charset="-122"/>
+              </a:rPr>
+              <a:t>将此方法用于时变网络（更</a:t>
+            </a:r>
+            <a:r>
+              <a:rPr lang="zh-CN" altLang="en-US" sz="2000" dirty="0">
+                <a:solidFill>
+                  <a:schemeClr val="tx1">
+                    <a:lumMod val="75000"/>
+                    <a:lumOff val="25000"/>
+                  </a:schemeClr>
+                </a:solidFill>
+                <a:latin typeface="微软雅黑" panose="020B0503020204020204" pitchFamily="34" charset="-122"/>
+                <a:ea typeface="微软雅黑" panose="020B0503020204020204" pitchFamily="34" charset="-122"/>
+              </a:rPr>
+              <a:t>符合真实网络传播</a:t>
+            </a:r>
+            <a:r>
+              <a:rPr lang="zh-CN" altLang="en-US" sz="2000" dirty="0">
+                <a:solidFill>
+                  <a:schemeClr val="tx1">
+                    <a:lumMod val="75000"/>
+                    <a:lumOff val="25000"/>
+                  </a:schemeClr>
+                </a:solidFill>
+                <a:latin typeface="微软雅黑" panose="020B0503020204020204" pitchFamily="34" charset="-122"/>
+                <a:ea typeface="微软雅黑" panose="020B0503020204020204" pitchFamily="34" charset="-122"/>
+              </a:rPr>
+              <a:t>）</a:t>
+            </a:r>
+            <a:endParaRPr lang="zh-CN" altLang="en-US" sz="2000" dirty="0">
+              <a:solidFill>
+                <a:schemeClr val="tx1">
+                  <a:lumMod val="75000"/>
+                  <a:lumOff val="25000"/>
+                </a:schemeClr>
+              </a:solidFill>
+              <a:latin typeface="微软雅黑" panose="020B0503020204020204" pitchFamily="34" charset="-122"/>
+              <a:ea typeface="微软雅黑" panose="020B0503020204020204" pitchFamily="34" charset="-122"/>
+            </a:endParaRPr>
+          </a:p>
+          <a:p>
+            <a:pPr marL="342900" indent="-342900">
+              <a:lnSpc>
+                <a:spcPct val="150000"/>
+              </a:lnSpc>
+              <a:spcAft>
+                <a:spcPts val="1200"/>
+              </a:spcAft>
+              <a:buFont typeface="Arial" panose="020B0604020202020204" pitchFamily="34" charset="0"/>
+              <a:buChar char="•"/>
+            </a:pPr>
+            <a:r>
+              <a:rPr lang="en-US" altLang="zh-CN" sz="2000" dirty="0">
+                <a:solidFill>
+                  <a:schemeClr val="tx1">
+                    <a:lumMod val="75000"/>
+                    <a:lumOff val="25000"/>
+                  </a:schemeClr>
+                </a:solidFill>
+                <a:latin typeface="微软雅黑" panose="020B0503020204020204" pitchFamily="34" charset="-122"/>
+                <a:ea typeface="微软雅黑" panose="020B0503020204020204" pitchFamily="34" charset="-122"/>
+              </a:rPr>
+              <a:t>2  </a:t>
+            </a:r>
+            <a:r>
+              <a:rPr lang="zh-CN" altLang="en-US" sz="2000" dirty="0">
+                <a:solidFill>
+                  <a:schemeClr val="tx1">
+                    <a:lumMod val="75000"/>
+                    <a:lumOff val="25000"/>
+                  </a:schemeClr>
+                </a:solidFill>
+                <a:latin typeface="微软雅黑" panose="020B0503020204020204" pitchFamily="34" charset="-122"/>
+                <a:ea typeface="微软雅黑" panose="020B0503020204020204" pitchFamily="34" charset="-122"/>
+              </a:rPr>
+              <a:t>从复杂网络中模拟出源点传播树结构，更好地进行定位（缩</a:t>
+            </a:r>
+            <a:r>
+              <a:rPr lang="zh-CN" altLang="en-US" sz="2000" dirty="0">
+                <a:solidFill>
+                  <a:schemeClr val="tx1">
+                    <a:lumMod val="75000"/>
+                    <a:lumOff val="25000"/>
+                  </a:schemeClr>
+                </a:solidFill>
+                <a:latin typeface="微软雅黑" panose="020B0503020204020204" pitchFamily="34" charset="-122"/>
+                <a:ea typeface="微软雅黑" panose="020B0503020204020204" pitchFamily="34" charset="-122"/>
+              </a:rPr>
+              <a:t>边</a:t>
+            </a:r>
+            <a:r>
+              <a:rPr lang="zh-CN" altLang="en-US" sz="2000" dirty="0">
+                <a:solidFill>
+                  <a:schemeClr val="tx1">
+                    <a:lumMod val="75000"/>
+                    <a:lumOff val="25000"/>
+                  </a:schemeClr>
+                </a:solidFill>
+                <a:latin typeface="微软雅黑" panose="020B0503020204020204" pitchFamily="34" charset="-122"/>
+                <a:ea typeface="微软雅黑" panose="020B0503020204020204" pitchFamily="34" charset="-122"/>
+              </a:rPr>
+              <a:t>）</a:t>
+            </a:r>
+            <a:endParaRPr lang="zh-CN" altLang="en-US" sz="2000" dirty="0">
+              <a:solidFill>
+                <a:schemeClr val="tx1">
+                  <a:lumMod val="75000"/>
+                  <a:lumOff val="25000"/>
+                </a:schemeClr>
+              </a:solidFill>
+              <a:latin typeface="微软雅黑" panose="020B0503020204020204" pitchFamily="34" charset="-122"/>
+              <a:ea typeface="微软雅黑" panose="020B0503020204020204" pitchFamily="34" charset="-122"/>
+            </a:endParaRPr>
+          </a:p>
+          <a:p>
+            <a:pPr marL="342900" indent="-342900">
+              <a:lnSpc>
+                <a:spcPct val="150000"/>
+              </a:lnSpc>
+              <a:spcAft>
+                <a:spcPts val="1200"/>
+              </a:spcAft>
+              <a:buFont typeface="Arial" panose="020B0604020202020204" pitchFamily="34" charset="0"/>
+              <a:buChar char="•"/>
+            </a:pPr>
+            <a:r>
+              <a:rPr lang="en-US" altLang="zh-CN" sz="2000" dirty="0">
+                <a:solidFill>
+                  <a:schemeClr val="tx1">
+                    <a:lumMod val="75000"/>
+                    <a:lumOff val="25000"/>
+                  </a:schemeClr>
+                </a:solidFill>
+                <a:latin typeface="微软雅黑" panose="020B0503020204020204" pitchFamily="34" charset="-122"/>
+                <a:ea typeface="微软雅黑" panose="020B0503020204020204" pitchFamily="34" charset="-122"/>
+              </a:rPr>
+              <a:t>3  </a:t>
+            </a:r>
+            <a:r>
+              <a:rPr lang="zh-CN" altLang="en-US" sz="2000" dirty="0">
+                <a:solidFill>
+                  <a:schemeClr val="tx1">
+                    <a:lumMod val="75000"/>
+                    <a:lumOff val="25000"/>
+                  </a:schemeClr>
+                </a:solidFill>
+                <a:latin typeface="微软雅黑" panose="020B0503020204020204" pitchFamily="34" charset="-122"/>
+                <a:ea typeface="微软雅黑" panose="020B0503020204020204" pitchFamily="34" charset="-122"/>
+              </a:rPr>
+              <a:t>预先选择出合适的</a:t>
+            </a:r>
+            <a:r>
+              <a:rPr lang="en-US" altLang="zh-CN" sz="2000" dirty="0">
+                <a:solidFill>
+                  <a:schemeClr val="tx1">
+                    <a:lumMod val="75000"/>
+                    <a:lumOff val="25000"/>
+                  </a:schemeClr>
+                </a:solidFill>
+                <a:latin typeface="微软雅黑" panose="020B0503020204020204" pitchFamily="34" charset="-122"/>
+                <a:ea typeface="微软雅黑" panose="020B0503020204020204" pitchFamily="34" charset="-122"/>
+              </a:rPr>
+              <a:t>BFS</a:t>
+            </a:r>
+            <a:r>
+              <a:rPr lang="zh-CN" altLang="en-US" sz="2000" dirty="0">
+                <a:solidFill>
+                  <a:schemeClr val="tx1">
+                    <a:lumMod val="75000"/>
+                    <a:lumOff val="25000"/>
+                  </a:schemeClr>
+                </a:solidFill>
+                <a:latin typeface="微软雅黑" panose="020B0503020204020204" pitchFamily="34" charset="-122"/>
+                <a:ea typeface="微软雅黑" panose="020B0503020204020204" pitchFamily="34" charset="-122"/>
+              </a:rPr>
+              <a:t>树根节点集合进行覆盖（贪心选出图多中心，降低计算复杂性</a:t>
+            </a:r>
+            <a:r>
+              <a:rPr lang="zh-CN" altLang="en-US" sz="2000" dirty="0">
+                <a:solidFill>
+                  <a:schemeClr val="tx1">
+                    <a:lumMod val="75000"/>
+                    <a:lumOff val="25000"/>
+                  </a:schemeClr>
+                </a:solidFill>
+                <a:latin typeface="微软雅黑" panose="020B0503020204020204" pitchFamily="34" charset="-122"/>
+                <a:ea typeface="微软雅黑" panose="020B0503020204020204" pitchFamily="34" charset="-122"/>
+              </a:rPr>
+              <a:t>）</a:t>
+            </a:r>
+            <a:endParaRPr lang="en-US" altLang="zh-CN" sz="2000" dirty="0">
+              <a:solidFill>
+                <a:schemeClr val="tx1">
+                  <a:lumMod val="75000"/>
+                  <a:lumOff val="25000"/>
+                </a:schemeClr>
+              </a:solidFill>
+              <a:latin typeface="微软雅黑" panose="020B0503020204020204" pitchFamily="34" charset="-122"/>
+              <a:ea typeface="微软雅黑" panose="020B0503020204020204" pitchFamily="34" charset="-122"/>
+            </a:endParaRPr>
+          </a:p>
+        </p:txBody>
+      </p:sp>
+    </p:spTree>
+  </p:cSld>
+  <p:clrMapOvr>
+    <a:masterClrMapping/>
+  </p:clrMapOvr>
+  <p:timing>
+    <p:tnLst>
+      <p:par>
+        <p:cTn id="1" dur="indefinite" restart="never" nodeType="tmRoot"/>
+      </p:par>
+    </p:tnLst>
+  </p:timing>
+</p:sld>
+</file>
+
+<file path=ppt/slides/slide21.xml><?xml version="1.0" encoding="utf-8"?>
 <p:sld xmlns:a="http://schemas.openxmlformats.org/drawingml/2006/main" xmlns:r="http://schemas.openxmlformats.org/officeDocument/2006/relationships" xmlns:p="http://schemas.openxmlformats.org/presentationml/2006/main">
   <p:cSld>
     <p:spTree>
@@ -13189,7 +13589,25 @@
             </a:r>
             <a:r>
               <a:rPr lang="zh-CN" altLang="en-US"/>
-              <a:t>每个节点都有年龄，通过计算上式得到年龄，最老的年龄认为是源点。</a:t>
+              <a:t>每个节点都有年龄</a:t>
+            </a:r>
+            <a:r>
+              <a:rPr lang="en-US" altLang="zh-CN"/>
+              <a:t>DA</a:t>
+            </a:r>
+            <a:r>
+              <a:rPr lang="zh-CN" altLang="en-US"/>
+              <a:t>，通过计算上式得到每个节点年龄，最大的年龄</a:t>
+            </a:r>
+            <a:r>
+              <a:rPr lang="en-US" altLang="zh-CN">
+                <a:sym typeface="+mn-ea"/>
+              </a:rPr>
+              <a:t>DA</a:t>
+            </a:r>
+            <a:r>
+              <a:rPr lang="zh-CN" altLang="en-US"/>
+              <a:t>认为是源点。</a:t>
             </a:r>
             <a:endParaRPr lang="zh-CN" altLang="en-US"/>
           </a:p>
@@ -13360,8 +13778,8 @@
         </p:nvSpPr>
         <p:spPr>
           <a:xfrm>
-            <a:off x="4497070" y="2555875"/>
-            <a:ext cx="1614805" cy="368300"/>
+            <a:off x="4143375" y="2555875"/>
+            <a:ext cx="2097405" cy="306705"/>
           </a:xfrm>
           <a:prstGeom prst="rect">
             <a:avLst/>
@@ -13374,10 +13792,10 @@
           </a:bodyPr>
           <a:p>
             <a:r>
-              <a:rPr lang="zh-CN" altLang="en-US"/>
-              <a:t>最大特征值</a:t>
-            </a:r>
-            <a:endParaRPr lang="zh-CN" altLang="en-US"/>
+              <a:rPr lang="zh-CN" altLang="en-US" sz="1400"/>
+              <a:t>领接矩阵最大特征值</a:t>
+            </a:r>
+            <a:endParaRPr lang="zh-CN" altLang="en-US" sz="1400"/>
           </a:p>
         </p:txBody>
       </p:sp>
@@ -13389,8 +13807,8 @@
         </p:nvSpPr>
         <p:spPr>
           <a:xfrm>
-            <a:off x="4371975" y="4720590"/>
-            <a:ext cx="1614805" cy="368300"/>
+            <a:off x="3940810" y="4638040"/>
+            <a:ext cx="3131185" cy="306705"/>
           </a:xfrm>
           <a:prstGeom prst="rect">
             <a:avLst/>
@@ -13403,10 +13821,10 @@
           </a:bodyPr>
           <a:p>
             <a:r>
-              <a:rPr lang="zh-CN" altLang="en-US"/>
-              <a:t>最大特征值</a:t>
-            </a:r>
-            <a:endParaRPr lang="zh-CN" altLang="en-US"/>
+              <a:rPr lang="zh-CN" altLang="en-US" sz="1400"/>
+              <a:t>除去该点的领接矩阵最大特征值</a:t>
+            </a:r>
+            <a:endParaRPr lang="zh-CN" altLang="en-US" sz="1400"/>
           </a:p>
         </p:txBody>
       </p:sp>
@@ -13433,7 +13851,106 @@
           <a:p>
             <a:r>
               <a:rPr lang="zh-CN" altLang="en-US"/>
-              <a:t>缺点：未能很好拟合传播结构</a:t>
+              <a:t>缺点：未能很好拟合传播结构，时间复杂度高</a:t>
+            </a:r>
+            <a:endParaRPr lang="zh-CN" altLang="en-US"/>
+          </a:p>
+        </p:txBody>
+      </p:sp>
+      <p:cxnSp>
+        <p:nvCxnSpPr>
+          <p:cNvPr id="10" name="直接箭头连接符 9"/>
+          <p:cNvCxnSpPr/>
+          <p:nvPr/>
+        </p:nvCxnSpPr>
+        <p:spPr>
+          <a:xfrm>
+            <a:off x="796290" y="3420745"/>
+            <a:ext cx="1227455" cy="1428115"/>
+          </a:xfrm>
+          <a:prstGeom prst="straightConnector1">
+            <a:avLst/>
+          </a:prstGeom>
+          <a:ln>
+            <a:tailEnd type="arrow" w="med" len="med"/>
+          </a:ln>
+        </p:spPr>
+        <p:style>
+          <a:lnRef idx="1">
+            <a:schemeClr val="dk1"/>
+          </a:lnRef>
+          <a:fillRef idx="0">
+            <a:schemeClr val="dk1"/>
+          </a:fillRef>
+          <a:effectRef idx="0">
+            <a:schemeClr val="dk1"/>
+          </a:effectRef>
+          <a:fontRef idx="minor">
+            <a:schemeClr val="tx1"/>
+          </a:fontRef>
+        </p:style>
+      </p:cxnSp>
+      <p:cxnSp>
+        <p:nvCxnSpPr>
+          <p:cNvPr id="13" name="直接箭头连接符 12"/>
+          <p:cNvCxnSpPr/>
+          <p:nvPr/>
+        </p:nvCxnSpPr>
+        <p:spPr>
+          <a:xfrm flipV="1">
+            <a:off x="760730" y="2560955"/>
+            <a:ext cx="1404620" cy="861695"/>
+          </a:xfrm>
+          <a:prstGeom prst="straightConnector1">
+            <a:avLst/>
+          </a:prstGeom>
+          <a:ln>
+            <a:tailEnd type="arrow" w="med" len="med"/>
+          </a:ln>
+        </p:spPr>
+        <p:style>
+          <a:lnRef idx="1">
+            <a:schemeClr val="dk1"/>
+          </a:lnRef>
+          <a:fillRef idx="0">
+            <a:schemeClr val="dk1"/>
+          </a:fillRef>
+          <a:effectRef idx="0">
+            <a:schemeClr val="dk1"/>
+          </a:effectRef>
+          <a:fontRef idx="minor">
+            <a:schemeClr val="tx1"/>
+          </a:fontRef>
+        </p:style>
+      </p:cxnSp>
+      <p:sp>
+        <p:nvSpPr>
+          <p:cNvPr id="14" name="文本框 13"/>
+          <p:cNvSpPr txBox="1"/>
+          <p:nvPr/>
+        </p:nvSpPr>
+        <p:spPr>
+          <a:xfrm>
+            <a:off x="111760" y="3021330"/>
+            <a:ext cx="684530" cy="645160"/>
+          </a:xfrm>
+          <a:prstGeom prst="rect">
+            <a:avLst/>
+          </a:prstGeom>
+          <a:noFill/>
+        </p:spPr>
+        <p:txBody>
+          <a:bodyPr wrap="square" rtlCol="0">
+            <a:spAutoFit/>
+          </a:bodyPr>
+          <a:p>
+            <a:r>
+              <a:rPr lang="zh-CN" altLang="en-US"/>
+              <a:t>该点</a:t>
+            </a:r>
+            <a:r>
+              <a:rPr lang="zh-CN" altLang="en-US"/>
+              <a:t>移除</a:t>
             </a:r>
             <a:endParaRPr lang="zh-CN" altLang="en-US"/>
           </a:p>
@@ -14602,8 +15119,8 @@
         </p:nvSpPr>
         <p:spPr>
           <a:xfrm>
-            <a:off x="4926965" y="5096510"/>
-            <a:ext cx="3027045" cy="368300"/>
+            <a:off x="4319270" y="5096510"/>
+            <a:ext cx="4307205" cy="368300"/>
           </a:xfrm>
           <a:prstGeom prst="rect">
             <a:avLst/>
@@ -14627,7 +15144,11 @@
               <a:rPr lang="en-US" altLang="zh-CN"/>
               <a:t>2</a:t>
             </a:r>
-            <a:endParaRPr lang="en-US" altLang="zh-CN"/>
+            <a:r>
+              <a:rPr lang="zh-CN" altLang="en-US"/>
+              <a:t>，随机取两点做中心</a:t>
+            </a:r>
+            <a:endParaRPr lang="zh-CN" altLang="en-US"/>
           </a:p>
         </p:txBody>
       </p:sp>
@@ -15819,6 +16340,129 @@
                       </p:childTnLst>
                     </p:cTn>
                   </p:par>
+                  <p:par>
+                    <p:cTn id="94" fill="hold">
+                      <p:stCondLst>
+                        <p:cond delay="indefinite"/>
+                      </p:stCondLst>
+                      <p:childTnLst>
+                        <p:par>
+                          <p:cTn id="95" fill="hold">
+                            <p:stCondLst>
+                              <p:cond delay="0"/>
+                            </p:stCondLst>
+                            <p:childTnLst>
+                              <p:par>
+                                <p:cTn id="96" presetID="3" presetClass="entr" presetSubtype="10" fill="hold" nodeType="clickEffect">
+                                  <p:stCondLst>
+                                    <p:cond delay="0"/>
+                                  </p:stCondLst>
+                                  <p:childTnLst>
+                                    <p:set>
+                                      <p:cBhvr>
+                                        <p:cTn id="97" dur="1" fill="hold">
+                                          <p:stCondLst>
+                                            <p:cond delay="0"/>
+                                          </p:stCondLst>
+                                        </p:cTn>
+                                        <p:tgtEl>
+                                          <p:spTgt spid="13"/>
+                                        </p:tgtEl>
+                                        <p:attrNameLst>
+                                          <p:attrName>style.visibility</p:attrName>
+                                        </p:attrNameLst>
+                                      </p:cBhvr>
+                                      <p:to>
+                                        <p:strVal val="visible"/>
+                                      </p:to>
+                                    </p:set>
+                                    <p:animEffect transition="in" filter="blinds(horizontal)">
+                                      <p:cBhvr>
+                                        <p:cTn id="98" dur="500"/>
+                                        <p:tgtEl>
+                                          <p:spTgt spid="13"/>
+                                        </p:tgtEl>
+                                      </p:cBhvr>
+                                    </p:animEffect>
+                                  </p:childTnLst>
+                                </p:cTn>
+                              </p:par>
+                              <p:par>
+                                <p:cTn id="99" presetID="3" presetClass="entr" presetSubtype="10" fill="hold" grpId="0" nodeType="withEffect">
+                                  <p:stCondLst>
+                                    <p:cond delay="0"/>
+                                  </p:stCondLst>
+                                  <p:childTnLst>
+                                    <p:set>
+                                      <p:cBhvr>
+                                        <p:cTn id="100" dur="1" fill="hold">
+                                          <p:stCondLst>
+                                            <p:cond delay="0"/>
+                                          </p:stCondLst>
+                                        </p:cTn>
+                                        <p:tgtEl>
+                                          <p:spTgt spid="31"/>
+                                        </p:tgtEl>
+                                        <p:attrNameLst>
+                                          <p:attrName>style.visibility</p:attrName>
+                                        </p:attrNameLst>
+                                      </p:cBhvr>
+                                      <p:to>
+                                        <p:strVal val="visible"/>
+                                      </p:to>
+                                    </p:set>
+                                    <p:animEffect transition="in" filter="blinds(horizontal)">
+                                      <p:cBhvr>
+                                        <p:cTn id="101" dur="500"/>
+                                        <p:tgtEl>
+                                          <p:spTgt spid="31"/>
+                                        </p:tgtEl>
+                                      </p:cBhvr>
+                                    </p:animEffect>
+                                  </p:childTnLst>
+                                </p:cTn>
+                              </p:par>
+                              <p:par>
+                                <p:cTn id="102" presetID="3" presetClass="entr" presetSubtype="10" fill="hold" grpId="0" nodeType="withEffect">
+                                  <p:stCondLst>
+                                    <p:cond delay="0"/>
+                                  </p:stCondLst>
+                                  <p:childTnLst>
+                                    <p:set>
+                                      <p:cBhvr>
+                                        <p:cTn id="103" dur="1" fill="hold">
+                                          <p:stCondLst>
+                                            <p:cond delay="0"/>
+                                          </p:stCondLst>
+                                        </p:cTn>
+                                        <p:tgtEl>
+                                          <p:spTgt spid="33"/>
+                                        </p:tgtEl>
+                                        <p:attrNameLst>
+                                          <p:attrName>style.visibility</p:attrName>
+                                        </p:attrNameLst>
+                                      </p:cBhvr>
+                                      <p:to>
+                                        <p:strVal val="visible"/>
+                                      </p:to>
+                                    </p:set>
+                                    <p:animEffect transition="in" filter="blinds(horizontal)">
+                                      <p:cBhvr>
+                                        <p:cTn id="104" dur="500"/>
+                                        <p:tgtEl>
+                                          <p:spTgt spid="33"/>
+                                        </p:tgtEl>
+                                      </p:cBhvr>
+                                    </p:animEffect>
+                                  </p:childTnLst>
+                                </p:cTn>
+                              </p:par>
+                            </p:childTnLst>
+                          </p:cTn>
+                        </p:par>
+                      </p:childTnLst>
+                    </p:cTn>
+                  </p:par>
                 </p:childTnLst>
               </p:cTn>
               <p:prevCondLst>
@@ -15860,6 +16504,10 @@
       <p:bldP spid="16" grpId="1" animBg="1"/>
       <p:bldP spid="14" grpId="0" bldLvl="0" animBg="1"/>
       <p:bldP spid="14" grpId="1" animBg="1"/>
+      <p:bldP spid="31" grpId="0"/>
+      <p:bldP spid="33" grpId="0"/>
+      <p:bldP spid="31" grpId="1"/>
+      <p:bldP spid="33" grpId="1"/>
     </p:bldLst>
   </p:timing>
 </p:sld>

--- a/jarden_center/main_code/single-multiple-source/baseon_setCover/鲍志强.pptx
+++ b/jarden_center/main_code/single-multiple-source/baseon_setCover/鲍志强.pptx
@@ -10322,7 +10322,7 @@
             </a:pPr>
             <a:r>
               <a:rPr lang="zh-CN" altLang="en-US" sz="2400"/>
-              <a:t>利用贪心算法判断源数目</a:t>
+              <a:t> 利用贪心算法判断源数目</a:t>
             </a:r>
             <a:endParaRPr lang="zh-CN" altLang="en-US" sz="2400"/>
           </a:p>
